--- a/InsiDesarrolloSistemas2019.pptx
+++ b/InsiDesarrolloSistemas2019.pptx
@@ -5,7 +5,7 @@
     <p:sldMasterId id="2147483648" r:id="rId4"/>
   </p:sldMasterIdLst>
   <p:notesMasterIdLst>
-    <p:notesMasterId r:id="rId22"/>
+    <p:notesMasterId r:id="rId26"/>
   </p:notesMasterIdLst>
   <p:sldIdLst>
     <p:sldId id="256" r:id="rId5"/>
@@ -20,11 +20,15 @@
     <p:sldId id="278" r:id="rId14"/>
     <p:sldId id="281" r:id="rId15"/>
     <p:sldId id="280" r:id="rId16"/>
-    <p:sldId id="282" r:id="rId17"/>
-    <p:sldId id="283" r:id="rId18"/>
-    <p:sldId id="287" r:id="rId19"/>
-    <p:sldId id="272" r:id="rId20"/>
-    <p:sldId id="269" r:id="rId21"/>
+    <p:sldId id="296" r:id="rId17"/>
+    <p:sldId id="282" r:id="rId18"/>
+    <p:sldId id="297" r:id="rId19"/>
+    <p:sldId id="283" r:id="rId20"/>
+    <p:sldId id="298" r:id="rId21"/>
+    <p:sldId id="287" r:id="rId22"/>
+    <p:sldId id="299" r:id="rId23"/>
+    <p:sldId id="272" r:id="rId24"/>
+    <p:sldId id="269" r:id="rId25"/>
   </p:sldIdLst>
   <p:sldSz cx="9144000" cy="5715000" type="screen16x10"/>
   <p:notesSz cx="6858000" cy="9144000"/>
@@ -1227,7 +1231,7 @@
     </p:spTree>
     <p:extLst>
       <p:ext uri="{BB962C8B-B14F-4D97-AF65-F5344CB8AC3E}">
-        <p14:creationId xmlns="" xmlns:p14="http://schemas.microsoft.com/office/powerpoint/2010/main" val="4248310929"/>
+        <p14:creationId xmlns="" xmlns:p14="http://schemas.microsoft.com/office/powerpoint/2010/main" val="3867640057"/>
       </p:ext>
     </p:extLst>
   </p:cSld>
@@ -1312,7 +1316,177 @@
     </p:spTree>
     <p:extLst>
       <p:ext uri="{BB962C8B-B14F-4D97-AF65-F5344CB8AC3E}">
-        <p14:creationId xmlns="" xmlns:p14="http://schemas.microsoft.com/office/powerpoint/2010/main" val="1274377586"/>
+        <p14:creationId xmlns="" xmlns:p14="http://schemas.microsoft.com/office/powerpoint/2010/main" val="3867640057"/>
+      </p:ext>
+    </p:extLst>
+  </p:cSld>
+  <p:clrMapOvr>
+    <a:masterClrMapping/>
+  </p:clrMapOvr>
+</p:notes>
+</file>
+
+<file path=ppt/notesSlides/notesSlide18.xml><?xml version="1.0" encoding="utf-8"?>
+<p:notes xmlns:a="http://schemas.openxmlformats.org/drawingml/2006/main" xmlns:r="http://schemas.openxmlformats.org/officeDocument/2006/relationships" xmlns:p="http://schemas.openxmlformats.org/presentationml/2006/main">
+  <p:cSld>
+    <p:spTree>
+      <p:nvGrpSpPr>
+        <p:cNvPr id="1" name=""/>
+        <p:cNvGrpSpPr/>
+        <p:nvPr/>
+      </p:nvGrpSpPr>
+      <p:grpSpPr>
+        <a:xfrm>
+          <a:off x="0" y="0"/>
+          <a:ext cx="0" cy="0"/>
+          <a:chOff x="0" y="0"/>
+          <a:chExt cx="0" cy="0"/>
+        </a:xfrm>
+      </p:grpSpPr>
+      <p:sp>
+        <p:nvSpPr>
+          <p:cNvPr id="2" name="1 Marcador de imagen de diapositiva"/>
+          <p:cNvSpPr>
+            <a:spLocks noGrp="1" noRot="1" noChangeAspect="1"/>
+          </p:cNvSpPr>
+          <p:nvPr>
+            <p:ph type="sldImg"/>
+          </p:nvPr>
+        </p:nvSpPr>
+        <p:spPr/>
+      </p:sp>
+      <p:sp>
+        <p:nvSpPr>
+          <p:cNvPr id="3" name="2 Marcador de notas"/>
+          <p:cNvSpPr>
+            <a:spLocks noGrp="1"/>
+          </p:cNvSpPr>
+          <p:nvPr>
+            <p:ph type="body" idx="1"/>
+          </p:nvPr>
+        </p:nvSpPr>
+        <p:spPr/>
+        <p:txBody>
+          <a:bodyPr/>
+          <a:lstStyle/>
+          <a:p>
+            <a:endParaRPr lang="es-PE"/>
+          </a:p>
+        </p:txBody>
+      </p:sp>
+      <p:sp>
+        <p:nvSpPr>
+          <p:cNvPr id="4" name="3 Marcador de número de diapositiva"/>
+          <p:cNvSpPr>
+            <a:spLocks noGrp="1"/>
+          </p:cNvSpPr>
+          <p:nvPr>
+            <p:ph type="sldNum" sz="quarter" idx="10"/>
+          </p:nvPr>
+        </p:nvSpPr>
+        <p:spPr/>
+        <p:txBody>
+          <a:bodyPr/>
+          <a:lstStyle/>
+          <a:p>
+            <a:fld id="{DDC57279-47F4-4862-837D-520E2032EA57}" type="slidenum">
+              <a:rPr lang="en-US" smtClean="0"/>
+              <a:pPr/>
+              <a:t>18</a:t>
+            </a:fld>
+            <a:endParaRPr lang="en-US"/>
+          </a:p>
+        </p:txBody>
+      </p:sp>
+    </p:spTree>
+    <p:extLst>
+      <p:ext uri="{BB962C8B-B14F-4D97-AF65-F5344CB8AC3E}">
+        <p14:creationId xmlns="" xmlns:p14="http://schemas.microsoft.com/office/powerpoint/2010/main" val="3867640057"/>
+      </p:ext>
+    </p:extLst>
+  </p:cSld>
+  <p:clrMapOvr>
+    <a:masterClrMapping/>
+  </p:clrMapOvr>
+</p:notes>
+</file>
+
+<file path=ppt/notesSlides/notesSlide19.xml><?xml version="1.0" encoding="utf-8"?>
+<p:notes xmlns:a="http://schemas.openxmlformats.org/drawingml/2006/main" xmlns:r="http://schemas.openxmlformats.org/officeDocument/2006/relationships" xmlns:p="http://schemas.openxmlformats.org/presentationml/2006/main">
+  <p:cSld>
+    <p:spTree>
+      <p:nvGrpSpPr>
+        <p:cNvPr id="1" name=""/>
+        <p:cNvGrpSpPr/>
+        <p:nvPr/>
+      </p:nvGrpSpPr>
+      <p:grpSpPr>
+        <a:xfrm>
+          <a:off x="0" y="0"/>
+          <a:ext cx="0" cy="0"/>
+          <a:chOff x="0" y="0"/>
+          <a:chExt cx="0" cy="0"/>
+        </a:xfrm>
+      </p:grpSpPr>
+      <p:sp>
+        <p:nvSpPr>
+          <p:cNvPr id="2" name="1 Marcador de imagen de diapositiva"/>
+          <p:cNvSpPr>
+            <a:spLocks noGrp="1" noRot="1" noChangeAspect="1"/>
+          </p:cNvSpPr>
+          <p:nvPr>
+            <p:ph type="sldImg"/>
+          </p:nvPr>
+        </p:nvSpPr>
+        <p:spPr/>
+      </p:sp>
+      <p:sp>
+        <p:nvSpPr>
+          <p:cNvPr id="3" name="2 Marcador de notas"/>
+          <p:cNvSpPr>
+            <a:spLocks noGrp="1"/>
+          </p:cNvSpPr>
+          <p:nvPr>
+            <p:ph type="body" idx="1"/>
+          </p:nvPr>
+        </p:nvSpPr>
+        <p:spPr/>
+        <p:txBody>
+          <a:bodyPr/>
+          <a:lstStyle/>
+          <a:p>
+            <a:endParaRPr lang="es-PE"/>
+          </a:p>
+        </p:txBody>
+      </p:sp>
+      <p:sp>
+        <p:nvSpPr>
+          <p:cNvPr id="4" name="3 Marcador de número de diapositiva"/>
+          <p:cNvSpPr>
+            <a:spLocks noGrp="1"/>
+          </p:cNvSpPr>
+          <p:nvPr>
+            <p:ph type="sldNum" sz="quarter" idx="10"/>
+          </p:nvPr>
+        </p:nvSpPr>
+        <p:spPr/>
+        <p:txBody>
+          <a:bodyPr/>
+          <a:lstStyle/>
+          <a:p>
+            <a:fld id="{DDC57279-47F4-4862-837D-520E2032EA57}" type="slidenum">
+              <a:rPr lang="en-US" smtClean="0"/>
+              <a:pPr/>
+              <a:t>19</a:t>
+            </a:fld>
+            <a:endParaRPr lang="en-US"/>
+          </a:p>
+        </p:txBody>
+      </p:sp>
+    </p:spTree>
+    <p:extLst>
+      <p:ext uri="{BB962C8B-B14F-4D97-AF65-F5344CB8AC3E}">
+        <p14:creationId xmlns="" xmlns:p14="http://schemas.microsoft.com/office/powerpoint/2010/main" val="3867640057"/>
       </p:ext>
     </p:extLst>
   </p:cSld>
@@ -1398,6 +1572,176 @@
     <p:extLst>
       <p:ext uri="{BB962C8B-B14F-4D97-AF65-F5344CB8AC3E}">
         <p14:creationId xmlns="" xmlns:p14="http://schemas.microsoft.com/office/powerpoint/2010/main" val="3867640057"/>
+      </p:ext>
+    </p:extLst>
+  </p:cSld>
+  <p:clrMapOvr>
+    <a:masterClrMapping/>
+  </p:clrMapOvr>
+</p:notes>
+</file>
+
+<file path=ppt/notesSlides/notesSlide20.xml><?xml version="1.0" encoding="utf-8"?>
+<p:notes xmlns:a="http://schemas.openxmlformats.org/drawingml/2006/main" xmlns:r="http://schemas.openxmlformats.org/officeDocument/2006/relationships" xmlns:p="http://schemas.openxmlformats.org/presentationml/2006/main">
+  <p:cSld>
+    <p:spTree>
+      <p:nvGrpSpPr>
+        <p:cNvPr id="1" name=""/>
+        <p:cNvGrpSpPr/>
+        <p:nvPr/>
+      </p:nvGrpSpPr>
+      <p:grpSpPr>
+        <a:xfrm>
+          <a:off x="0" y="0"/>
+          <a:ext cx="0" cy="0"/>
+          <a:chOff x="0" y="0"/>
+          <a:chExt cx="0" cy="0"/>
+        </a:xfrm>
+      </p:grpSpPr>
+      <p:sp>
+        <p:nvSpPr>
+          <p:cNvPr id="2" name="1 Marcador de imagen de diapositiva"/>
+          <p:cNvSpPr>
+            <a:spLocks noGrp="1" noRot="1" noChangeAspect="1"/>
+          </p:cNvSpPr>
+          <p:nvPr>
+            <p:ph type="sldImg"/>
+          </p:nvPr>
+        </p:nvSpPr>
+        <p:spPr/>
+      </p:sp>
+      <p:sp>
+        <p:nvSpPr>
+          <p:cNvPr id="3" name="2 Marcador de notas"/>
+          <p:cNvSpPr>
+            <a:spLocks noGrp="1"/>
+          </p:cNvSpPr>
+          <p:nvPr>
+            <p:ph type="body" idx="1"/>
+          </p:nvPr>
+        </p:nvSpPr>
+        <p:spPr/>
+        <p:txBody>
+          <a:bodyPr/>
+          <a:lstStyle/>
+          <a:p>
+            <a:endParaRPr lang="es-PE"/>
+          </a:p>
+        </p:txBody>
+      </p:sp>
+      <p:sp>
+        <p:nvSpPr>
+          <p:cNvPr id="4" name="3 Marcador de número de diapositiva"/>
+          <p:cNvSpPr>
+            <a:spLocks noGrp="1"/>
+          </p:cNvSpPr>
+          <p:nvPr>
+            <p:ph type="sldNum" sz="quarter" idx="10"/>
+          </p:nvPr>
+        </p:nvSpPr>
+        <p:spPr/>
+        <p:txBody>
+          <a:bodyPr/>
+          <a:lstStyle/>
+          <a:p>
+            <a:fld id="{DDC57279-47F4-4862-837D-520E2032EA57}" type="slidenum">
+              <a:rPr lang="en-US" smtClean="0"/>
+              <a:pPr/>
+              <a:t>20</a:t>
+            </a:fld>
+            <a:endParaRPr lang="en-US"/>
+          </a:p>
+        </p:txBody>
+      </p:sp>
+    </p:spTree>
+    <p:extLst>
+      <p:ext uri="{BB962C8B-B14F-4D97-AF65-F5344CB8AC3E}">
+        <p14:creationId xmlns="" xmlns:p14="http://schemas.microsoft.com/office/powerpoint/2010/main" val="4248310929"/>
+      </p:ext>
+    </p:extLst>
+  </p:cSld>
+  <p:clrMapOvr>
+    <a:masterClrMapping/>
+  </p:clrMapOvr>
+</p:notes>
+</file>
+
+<file path=ppt/notesSlides/notesSlide21.xml><?xml version="1.0" encoding="utf-8"?>
+<p:notes xmlns:a="http://schemas.openxmlformats.org/drawingml/2006/main" xmlns:r="http://schemas.openxmlformats.org/officeDocument/2006/relationships" xmlns:p="http://schemas.openxmlformats.org/presentationml/2006/main">
+  <p:cSld>
+    <p:spTree>
+      <p:nvGrpSpPr>
+        <p:cNvPr id="1" name=""/>
+        <p:cNvGrpSpPr/>
+        <p:nvPr/>
+      </p:nvGrpSpPr>
+      <p:grpSpPr>
+        <a:xfrm>
+          <a:off x="0" y="0"/>
+          <a:ext cx="0" cy="0"/>
+          <a:chOff x="0" y="0"/>
+          <a:chExt cx="0" cy="0"/>
+        </a:xfrm>
+      </p:grpSpPr>
+      <p:sp>
+        <p:nvSpPr>
+          <p:cNvPr id="2" name="1 Marcador de imagen de diapositiva"/>
+          <p:cNvSpPr>
+            <a:spLocks noGrp="1" noRot="1" noChangeAspect="1"/>
+          </p:cNvSpPr>
+          <p:nvPr>
+            <p:ph type="sldImg"/>
+          </p:nvPr>
+        </p:nvSpPr>
+        <p:spPr/>
+      </p:sp>
+      <p:sp>
+        <p:nvSpPr>
+          <p:cNvPr id="3" name="2 Marcador de notas"/>
+          <p:cNvSpPr>
+            <a:spLocks noGrp="1"/>
+          </p:cNvSpPr>
+          <p:nvPr>
+            <p:ph type="body" idx="1"/>
+          </p:nvPr>
+        </p:nvSpPr>
+        <p:spPr/>
+        <p:txBody>
+          <a:bodyPr/>
+          <a:lstStyle/>
+          <a:p>
+            <a:endParaRPr lang="es-PE"/>
+          </a:p>
+        </p:txBody>
+      </p:sp>
+      <p:sp>
+        <p:nvSpPr>
+          <p:cNvPr id="4" name="3 Marcador de número de diapositiva"/>
+          <p:cNvSpPr>
+            <a:spLocks noGrp="1"/>
+          </p:cNvSpPr>
+          <p:nvPr>
+            <p:ph type="sldNum" sz="quarter" idx="10"/>
+          </p:nvPr>
+        </p:nvSpPr>
+        <p:spPr/>
+        <p:txBody>
+          <a:bodyPr/>
+          <a:lstStyle/>
+          <a:p>
+            <a:fld id="{DDC57279-47F4-4862-837D-520E2032EA57}" type="slidenum">
+              <a:rPr lang="en-US" smtClean="0"/>
+              <a:pPr/>
+              <a:t>21</a:t>
+            </a:fld>
+            <a:endParaRPr lang="en-US"/>
+          </a:p>
+        </p:txBody>
+      </p:sp>
+    </p:spTree>
+    <p:extLst>
+      <p:ext uri="{BB962C8B-B14F-4D97-AF65-F5344CB8AC3E}">
+        <p14:creationId xmlns="" xmlns:p14="http://schemas.microsoft.com/office/powerpoint/2010/main" val="1274377586"/>
       </p:ext>
     </p:extLst>
   </p:cSld>
@@ -5607,12 +5951,18 @@
         </p:nvSpPr>
         <p:spPr/>
         <p:txBody>
-          <a:bodyPr/>
+          <a:bodyPr>
+            <a:normAutofit/>
+          </a:bodyPr>
           <a:lstStyle/>
           <a:p>
             <a:r>
               <a:rPr lang="es-ES" dirty="0" smtClean="0"/>
-              <a:t>Precisar el sistema para medirlo</a:t>
+              <a:t>Objetivo.- Conocer la Actividad para </a:t>
+            </a:r>
+            <a:r>
+              <a:rPr lang="es-ES" dirty="0" smtClean="0"/>
+              <a:t>medirlo</a:t>
             </a:r>
           </a:p>
           <a:p>
@@ -5620,6 +5970,11 @@
               <a:rPr lang="es-ES" dirty="0" smtClean="0"/>
               <a:t>Especificación </a:t>
             </a:r>
+            <a:r>
+              <a:rPr lang="es-ES" dirty="0" smtClean="0"/>
+              <a:t>de la actividad </a:t>
+            </a:r>
+            <a:endParaRPr lang="es-ES" dirty="0" smtClean="0"/>
           </a:p>
           <a:p>
             <a:pPr lvl="1"/>
@@ -5658,19 +6013,30 @@
           </a:p>
           <a:p>
             <a:pPr lvl="1"/>
+            <a:r>
+              <a:rPr lang="es-PE" dirty="0" smtClean="0"/>
+              <a:t>Probado</a:t>
+            </a:r>
             <a:endParaRPr lang="es-ES" dirty="0" smtClean="0"/>
           </a:p>
           <a:p>
-            <a:r>
-              <a:rPr lang="es-ES" dirty="0" smtClean="0"/>
-              <a:t>Asegurar la comprobación por casos</a:t>
-            </a:r>
-          </a:p>
-          <a:p>
-            <a:r>
-              <a:rPr lang="es-PE" dirty="0" smtClean="0"/>
-              <a:t>El especialista es el analista del proceso</a:t>
-            </a:r>
+            <a:pPr lvl="1"/>
+            <a:endParaRPr lang="es-ES" dirty="0" smtClean="0"/>
+          </a:p>
+          <a:p>
+            <a:r>
+              <a:rPr lang="es-PE" dirty="0" smtClean="0"/>
+              <a:t>El </a:t>
+            </a:r>
+            <a:r>
+              <a:rPr lang="es-PE" dirty="0" smtClean="0"/>
+              <a:t>especialista </a:t>
+            </a:r>
+            <a:r>
+              <a:rPr lang="es-PE" dirty="0" smtClean="0"/>
+              <a:t>realiza el análisis detallado del proceso.</a:t>
+            </a:r>
+            <a:endParaRPr lang="es-PE" dirty="0" smtClean="0"/>
           </a:p>
           <a:p>
             <a:endParaRPr lang="es-ES" dirty="0" smtClean="0"/>
@@ -5776,27 +6142,56 @@
           <a:p>
             <a:r>
               <a:rPr lang="es-PE" dirty="0" smtClean="0"/>
-              <a:t>Permite conocer el número y la secuencia de pasos de la actividad. </a:t>
-            </a:r>
-          </a:p>
-          <a:p>
-            <a:r>
-              <a:rPr lang="es-PE" dirty="0" smtClean="0"/>
-              <a:t>Secuencia continua de Pasos:</a:t>
-            </a:r>
-          </a:p>
-          <a:p>
-            <a:pPr lvl="1"/>
-            <a:r>
-              <a:rPr lang="es-PE" dirty="0" smtClean="0"/>
-              <a:t>Se inicia en el Paso 1</a:t>
-            </a:r>
-          </a:p>
-          <a:p>
-            <a:pPr lvl="1"/>
-            <a:r>
-              <a:rPr lang="es-PE" dirty="0" smtClean="0"/>
-              <a:t>El paso actual sólo describe su acción</a:t>
+              <a:t>Objetivo.- Conocer </a:t>
+            </a:r>
+            <a:r>
+              <a:rPr lang="es-PE" dirty="0" smtClean="0"/>
+              <a:t>el número y la secuencia de pasos de la </a:t>
+            </a:r>
+            <a:r>
+              <a:rPr lang="es-PE" dirty="0" smtClean="0"/>
+              <a:t>actividad en orden lógico. </a:t>
+            </a:r>
+            <a:endParaRPr lang="es-PE" dirty="0" smtClean="0"/>
+          </a:p>
+          <a:p>
+            <a:r>
+              <a:rPr lang="es-PE" dirty="0" smtClean="0"/>
+              <a:t>Secuencia </a:t>
+            </a:r>
+            <a:r>
+              <a:rPr lang="es-PE" dirty="0" smtClean="0"/>
+              <a:t>de </a:t>
+            </a:r>
+            <a:r>
+              <a:rPr lang="es-PE" dirty="0" smtClean="0"/>
+              <a:t>Pasos:</a:t>
+            </a:r>
+          </a:p>
+          <a:p>
+            <a:pPr lvl="1"/>
+            <a:r>
+              <a:rPr lang="es-PE" dirty="0" smtClean="0"/>
+              <a:t>Inicio </a:t>
+            </a:r>
+            <a:r>
+              <a:rPr lang="es-PE" dirty="0" smtClean="0"/>
+              <a:t>en el Paso 1</a:t>
+            </a:r>
+          </a:p>
+          <a:p>
+            <a:pPr lvl="1"/>
+            <a:r>
+              <a:rPr lang="es-PE" dirty="0" smtClean="0"/>
+              <a:t>El paso </a:t>
+            </a:r>
+            <a:r>
+              <a:rPr lang="es-PE" dirty="0" smtClean="0"/>
+              <a:t>sólo </a:t>
+            </a:r>
+            <a:r>
+              <a:rPr lang="es-PE" dirty="0" smtClean="0"/>
+              <a:t>describe su acción</a:t>
             </a:r>
           </a:p>
           <a:p>
@@ -5810,7 +6205,11 @@
             <a:pPr lvl="1"/>
             <a:r>
               <a:rPr lang="es-PE" dirty="0" smtClean="0"/>
-              <a:t>El paso final es el último Paso de la secuencia</a:t>
+              <a:t>Fin en </a:t>
+            </a:r>
+            <a:r>
+              <a:rPr lang="es-PE" dirty="0" smtClean="0"/>
+              <a:t>el último Paso de la secuencia</a:t>
             </a:r>
           </a:p>
           <a:p>
@@ -5819,8 +6218,21 @@
           <a:p>
             <a:r>
               <a:rPr lang="es-PE" dirty="0" smtClean="0"/>
-              <a:t>El especialista comprueba que se cumplan los requisitos.</a:t>
-            </a:r>
+              <a:t>El especialista </a:t>
+            </a:r>
+            <a:r>
+              <a:rPr lang="es-PE" dirty="0" smtClean="0"/>
+              <a:t>prueba </a:t>
+            </a:r>
+            <a:r>
+              <a:rPr lang="es-PE" dirty="0" smtClean="0"/>
+              <a:t>que se </a:t>
+            </a:r>
+            <a:r>
+              <a:rPr lang="es-PE" dirty="0" smtClean="0"/>
+              <a:t>cumpla.</a:t>
+            </a:r>
+            <a:endParaRPr lang="es-PE" dirty="0" smtClean="0"/>
           </a:p>
           <a:p>
             <a:pPr lvl="1"/>
@@ -5897,9 +6309,13 @@
           <a:p>
             <a:r>
               <a:rPr lang="es-ES" dirty="0" smtClean="0"/>
-              <a:t>MPN - La Regla de Negocio</a:t>
-            </a:r>
-            <a:endParaRPr lang="es-PE" dirty="0" smtClean="0"/>
+              <a:t>MPN - Flujo de la </a:t>
+            </a:r>
+            <a:r>
+              <a:rPr lang="es-ES" dirty="0" smtClean="0"/>
+              <a:t>actividad - ejemplo</a:t>
+            </a:r>
+            <a:endParaRPr lang="es-ES" dirty="0"/>
           </a:p>
         </p:txBody>
       </p:sp>
@@ -5917,48 +6333,6 @@
         <p:txBody>
           <a:bodyPr/>
           <a:lstStyle/>
-          <a:p>
-            <a:r>
-              <a:rPr lang="es-PE" dirty="0" smtClean="0"/>
-              <a:t>Proviene del Negocio</a:t>
-            </a:r>
-          </a:p>
-          <a:p>
-            <a:r>
-              <a:rPr lang="es-PE" dirty="0" smtClean="0"/>
-              <a:t>Condición a cumplir por el proceso</a:t>
-            </a:r>
-          </a:p>
-          <a:p>
-            <a:r>
-              <a:rPr lang="es-PE" dirty="0" smtClean="0"/>
-              <a:t>Único y propio de un Proceso</a:t>
-            </a:r>
-          </a:p>
-          <a:p>
-            <a:r>
-              <a:rPr lang="es-PE" dirty="0" smtClean="0"/>
-              <a:t>Especifico para cada caso de aplicación.</a:t>
-            </a:r>
-          </a:p>
-          <a:p>
-            <a:r>
-              <a:rPr lang="es-PE" dirty="0" smtClean="0"/>
-              <a:t>Consistente ante reglas similares y contradictorias</a:t>
-            </a:r>
-          </a:p>
-          <a:p>
-            <a:r>
-              <a:rPr lang="es-PE" dirty="0" smtClean="0"/>
-              <a:t>Probado en todos sus casos</a:t>
-            </a:r>
-          </a:p>
-          <a:p>
-            <a:endParaRPr lang="es-PE" dirty="0" smtClean="0"/>
-          </a:p>
-          <a:p>
-            <a:endParaRPr lang="es-PE" dirty="0" smtClean="0"/>
-          </a:p>
           <a:p>
             <a:pPr lvl="1"/>
             <a:endParaRPr lang="es-PE" dirty="0" smtClean="0"/>
@@ -5977,6 +6351,383 @@
           </a:p>
           <a:p>
             <a:endParaRPr lang="es-PE" dirty="0"/>
+          </a:p>
+        </p:txBody>
+      </p:sp>
+      <p:sp>
+        <p:nvSpPr>
+          <p:cNvPr id="4" name="3 Rectángulo"/>
+          <p:cNvSpPr/>
+          <p:nvPr/>
+        </p:nvSpPr>
+        <p:spPr>
+          <a:xfrm>
+            <a:off x="846428" y="2546189"/>
+            <a:ext cx="7840372" cy="2585323"/>
+          </a:xfrm>
+          <a:prstGeom prst="rect">
+            <a:avLst/>
+          </a:prstGeom>
+        </p:spPr>
+        <p:txBody>
+          <a:bodyPr wrap="square">
+            <a:spAutoFit/>
+          </a:bodyPr>
+          <a:lstStyle/>
+          <a:p>
+            <a:pPr marL="342900" lvl="0" indent="-342900">
+              <a:buFont typeface="+mj-lt"/>
+              <a:buAutoNum type="arabicPeriod"/>
+            </a:pPr>
+            <a:r>
+              <a:rPr lang="es-ES" dirty="0" smtClean="0"/>
+              <a:t>El ahorrista se presenta al cajero automático</a:t>
+            </a:r>
+          </a:p>
+          <a:p>
+            <a:pPr marL="342900" lvl="0" indent="-342900">
+              <a:buFont typeface="+mj-lt"/>
+              <a:buAutoNum type="arabicPeriod"/>
+            </a:pPr>
+            <a:r>
+              <a:rPr lang="es-ES" dirty="0" smtClean="0"/>
+              <a:t>El cajero solicita "ingrese número de cuenta y clave de usuario"</a:t>
+            </a:r>
+          </a:p>
+          <a:p>
+            <a:pPr marL="342900" lvl="0" indent="-342900">
+              <a:buFont typeface="+mj-lt"/>
+              <a:buAutoNum type="arabicPeriod"/>
+            </a:pPr>
+            <a:r>
+              <a:rPr lang="es-ES" dirty="0" smtClean="0"/>
+              <a:t>El ahorrista ingresa un número de cuenta y la clave de usuario</a:t>
+            </a:r>
+          </a:p>
+          <a:p>
+            <a:pPr marL="342900" lvl="0" indent="-342900">
+              <a:buFont typeface="+mj-lt"/>
+              <a:buAutoNum type="arabicPeriod"/>
+            </a:pPr>
+            <a:r>
+              <a:rPr lang="es-ES" dirty="0" smtClean="0"/>
+              <a:t>El cajero muestra las opciones y solicita "seleccione atención a realizar"</a:t>
+            </a:r>
+          </a:p>
+          <a:p>
+            <a:pPr marL="342900" lvl="0" indent="-342900">
+              <a:buFont typeface="+mj-lt"/>
+              <a:buAutoNum type="arabicPeriod"/>
+            </a:pPr>
+            <a:r>
+              <a:rPr lang="es-ES" dirty="0" smtClean="0"/>
+              <a:t>El ahorrista selecciona la opción "retiro de cuenta" </a:t>
+            </a:r>
+          </a:p>
+          <a:p>
+            <a:pPr marL="342900" lvl="0" indent="-342900">
+              <a:buFont typeface="+mj-lt"/>
+              <a:buAutoNum type="arabicPeriod"/>
+            </a:pPr>
+            <a:r>
+              <a:rPr lang="es-ES" dirty="0" smtClean="0"/>
+              <a:t>El cajero solicita "ingrese cantidad a retirar"</a:t>
+            </a:r>
+          </a:p>
+          <a:p>
+            <a:pPr marL="342900" lvl="0" indent="-342900">
+              <a:buFont typeface="+mj-lt"/>
+              <a:buAutoNum type="arabicPeriod"/>
+            </a:pPr>
+            <a:r>
+              <a:rPr lang="es-ES" dirty="0" smtClean="0"/>
+              <a:t>El ahorrista ingresa la cantidad a retirar </a:t>
+            </a:r>
+          </a:p>
+          <a:p>
+            <a:pPr marL="342900" lvl="0" indent="-342900">
+              <a:buFont typeface="+mj-lt"/>
+              <a:buAutoNum type="arabicPeriod"/>
+            </a:pPr>
+            <a:r>
+              <a:rPr lang="es-ES" dirty="0" smtClean="0"/>
+              <a:t>El cajero entrega el dinero y la boleta,</a:t>
+            </a:r>
+          </a:p>
+          <a:p>
+            <a:pPr marL="342900" lvl="0" indent="-342900">
+              <a:buFont typeface="+mj-lt"/>
+              <a:buAutoNum type="arabicPeriod"/>
+            </a:pPr>
+            <a:r>
+              <a:rPr lang="es-ES" dirty="0" smtClean="0"/>
+              <a:t>El cajero responde "retire su dinero y boleta, hasta luego"</a:t>
+            </a:r>
+            <a:endParaRPr lang="es-ES" dirty="0"/>
+          </a:p>
+        </p:txBody>
+      </p:sp>
+      <p:sp>
+        <p:nvSpPr>
+          <p:cNvPr id="5" name="4 Marcador de contenido"/>
+          <p:cNvSpPr txBox="1">
+            <a:spLocks/>
+          </p:cNvSpPr>
+          <p:nvPr/>
+        </p:nvSpPr>
+        <p:spPr>
+          <a:xfrm>
+            <a:off x="609600" y="1349298"/>
+            <a:ext cx="8229600" cy="3934614"/>
+          </a:xfrm>
+          <a:prstGeom prst="rect">
+            <a:avLst/>
+          </a:prstGeom>
+        </p:spPr>
+        <p:txBody>
+          <a:bodyPr vert="horz" lIns="91440" tIns="45720" rIns="91440" bIns="45720" rtlCol="0">
+            <a:normAutofit/>
+          </a:bodyPr>
+          <a:lstStyle/>
+          <a:p>
+            <a:pPr marL="0" marR="0" lvl="0" indent="0" algn="l" defTabSz="457200" rtl="0" eaLnBrk="1" fontAlgn="auto" latinLnBrk="0" hangingPunct="1">
+              <a:lnSpc>
+                <a:spcPct val="100000"/>
+              </a:lnSpc>
+              <a:spcBef>
+                <a:spcPts val="0"/>
+              </a:spcBef>
+              <a:spcAft>
+                <a:spcPts val="1200"/>
+              </a:spcAft>
+              <a:buClr>
+                <a:srgbClr val="00B0F0"/>
+              </a:buClr>
+              <a:buSzPct val="120000"/>
+              <a:buFont typeface="Webdings" pitchFamily="18" charset="2"/>
+              <a:buChar char="4"/>
+              <a:tabLst/>
+              <a:defRPr/>
+            </a:pPr>
+            <a:r>
+              <a:rPr kumimoji="0" lang="es-PE" sz="1600" b="0" i="0" u="none" strike="noStrike" kern="1200" cap="none" spc="0" normalizeH="0" baseline="0" noProof="0" dirty="0" smtClean="0">
+                <a:ln>
+                  <a:noFill/>
+                </a:ln>
+                <a:solidFill>
+                  <a:schemeClr val="tx1"/>
+                </a:solidFill>
+                <a:effectLst/>
+                <a:uLnTx/>
+                <a:uFillTx/>
+                <a:latin typeface="Arial"/>
+                <a:ea typeface="+mn-ea"/>
+                <a:cs typeface="Arial"/>
+              </a:rPr>
+              <a:t>Obtener el Caso de éxito principal de</a:t>
+            </a:r>
+            <a:r>
+              <a:rPr kumimoji="0" lang="es-PE" sz="1600" b="0" i="0" u="none" strike="noStrike" kern="1200" cap="none" spc="0" normalizeH="0" noProof="0" dirty="0" smtClean="0">
+                <a:ln>
+                  <a:noFill/>
+                </a:ln>
+                <a:solidFill>
+                  <a:schemeClr val="tx1"/>
+                </a:solidFill>
+                <a:effectLst/>
+                <a:uLnTx/>
+                <a:uFillTx/>
+                <a:latin typeface="Arial"/>
+                <a:ea typeface="+mn-ea"/>
+                <a:cs typeface="Arial"/>
+              </a:rPr>
+              <a:t> la actividad </a:t>
+            </a:r>
+          </a:p>
+          <a:p>
+            <a:pPr marL="0" marR="0" lvl="0" indent="0" algn="l" defTabSz="457200" rtl="0" eaLnBrk="1" fontAlgn="auto" latinLnBrk="0" hangingPunct="1">
+              <a:lnSpc>
+                <a:spcPct val="100000"/>
+              </a:lnSpc>
+              <a:spcBef>
+                <a:spcPts val="0"/>
+              </a:spcBef>
+              <a:spcAft>
+                <a:spcPts val="1200"/>
+              </a:spcAft>
+              <a:buClr>
+                <a:srgbClr val="00B0F0"/>
+              </a:buClr>
+              <a:buSzPct val="120000"/>
+              <a:buFont typeface="Webdings" pitchFamily="18" charset="2"/>
+              <a:buChar char="4"/>
+              <a:tabLst/>
+              <a:defRPr/>
+            </a:pPr>
+            <a:r>
+              <a:rPr kumimoji="0" lang="es-PE" sz="1600" b="0" i="0" u="none" strike="noStrike" kern="1200" cap="none" spc="0" normalizeH="0" baseline="0" noProof="0" dirty="0" smtClean="0">
+                <a:ln>
+                  <a:noFill/>
+                </a:ln>
+                <a:solidFill>
+                  <a:schemeClr val="tx1"/>
+                </a:solidFill>
+                <a:effectLst/>
+                <a:uLnTx/>
+                <a:uFillTx/>
+                <a:latin typeface="Arial"/>
+                <a:ea typeface="+mn-ea"/>
+                <a:cs typeface="Arial"/>
+              </a:rPr>
+              <a:t>Obtener los Casos alternativos al principal</a:t>
+            </a:r>
+          </a:p>
+          <a:p>
+            <a:pPr marL="0" marR="0" lvl="0" indent="0" algn="l" defTabSz="457200" rtl="0" eaLnBrk="1" fontAlgn="auto" latinLnBrk="0" hangingPunct="1">
+              <a:lnSpc>
+                <a:spcPct val="100000"/>
+              </a:lnSpc>
+              <a:spcBef>
+                <a:spcPts val="0"/>
+              </a:spcBef>
+              <a:spcAft>
+                <a:spcPts val="1200"/>
+              </a:spcAft>
+              <a:buClr>
+                <a:srgbClr val="00B0F0"/>
+              </a:buClr>
+              <a:buSzPct val="120000"/>
+              <a:buFont typeface="Webdings" pitchFamily="18" charset="2"/>
+              <a:buChar char="4"/>
+              <a:tabLst/>
+              <a:defRPr/>
+            </a:pPr>
+            <a:r>
+              <a:rPr lang="es-PE" sz="1600" dirty="0" smtClean="0">
+                <a:latin typeface="Arial"/>
+                <a:cs typeface="Arial"/>
+              </a:rPr>
+              <a:t>Caso Principal opción “Retiro de dinero de Cajero Automático”.</a:t>
+            </a:r>
+            <a:endParaRPr kumimoji="0" lang="es-PE" sz="1600" b="0" i="0" u="none" strike="noStrike" kern="1200" cap="none" spc="0" normalizeH="0" baseline="0" noProof="0" dirty="0" smtClean="0">
+              <a:ln>
+                <a:noFill/>
+              </a:ln>
+              <a:solidFill>
+                <a:schemeClr val="tx1"/>
+              </a:solidFill>
+              <a:effectLst/>
+              <a:uLnTx/>
+              <a:uFillTx/>
+              <a:latin typeface="Arial"/>
+              <a:ea typeface="+mn-ea"/>
+              <a:cs typeface="Arial"/>
+            </a:endParaRPr>
+          </a:p>
+          <a:p>
+            <a:pPr marL="447675" marR="0" lvl="1" indent="-174625" algn="l" defTabSz="457200" rtl="0" eaLnBrk="1" fontAlgn="auto" latinLnBrk="0" hangingPunct="1">
+              <a:lnSpc>
+                <a:spcPct val="100000"/>
+              </a:lnSpc>
+              <a:spcBef>
+                <a:spcPct val="20000"/>
+              </a:spcBef>
+              <a:spcAft>
+                <a:spcPts val="0"/>
+              </a:spcAft>
+              <a:buClr>
+                <a:srgbClr val="00B0F0"/>
+              </a:buClr>
+              <a:buSzPct val="90000"/>
+              <a:buFont typeface="Arial" pitchFamily="34" charset="0"/>
+              <a:buChar char="●"/>
+              <a:tabLst/>
+              <a:defRPr/>
+            </a:pPr>
+            <a:endParaRPr kumimoji="0" lang="es-PE" sz="1600" b="0" i="0" u="none" strike="noStrike" kern="1200" cap="none" spc="0" normalizeH="0" baseline="0" noProof="0" dirty="0" smtClean="0">
+              <a:ln>
+                <a:noFill/>
+              </a:ln>
+              <a:solidFill>
+                <a:schemeClr val="tx1"/>
+              </a:solidFill>
+              <a:effectLst/>
+              <a:uLnTx/>
+              <a:uFillTx/>
+              <a:latin typeface="Arial"/>
+              <a:ea typeface="+mn-ea"/>
+              <a:cs typeface="Arial"/>
+            </a:endParaRPr>
+          </a:p>
+          <a:p>
+            <a:pPr marL="447675" marR="0" lvl="1" indent="-174625" algn="l" defTabSz="457200" rtl="0" eaLnBrk="1" fontAlgn="auto" latinLnBrk="0" hangingPunct="1">
+              <a:lnSpc>
+                <a:spcPct val="100000"/>
+              </a:lnSpc>
+              <a:spcBef>
+                <a:spcPct val="20000"/>
+              </a:spcBef>
+              <a:spcAft>
+                <a:spcPts val="0"/>
+              </a:spcAft>
+              <a:buClr>
+                <a:srgbClr val="00B0F0"/>
+              </a:buClr>
+              <a:buSzPct val="90000"/>
+              <a:buFont typeface="Arial" pitchFamily="34" charset="0"/>
+              <a:buChar char="●"/>
+              <a:tabLst/>
+              <a:defRPr/>
+            </a:pPr>
+            <a:endParaRPr kumimoji="0" lang="es-ES" sz="1600" b="0" i="0" u="none" strike="noStrike" kern="1200" cap="none" spc="0" normalizeH="0" baseline="0" noProof="0" dirty="0" smtClean="0">
+              <a:ln>
+                <a:noFill/>
+              </a:ln>
+              <a:solidFill>
+                <a:schemeClr val="tx1"/>
+              </a:solidFill>
+              <a:effectLst/>
+              <a:uLnTx/>
+              <a:uFillTx/>
+              <a:latin typeface="Arial"/>
+              <a:ea typeface="+mn-ea"/>
+              <a:cs typeface="Arial"/>
+            </a:endParaRPr>
+          </a:p>
+          <a:p>
+            <a:pPr marL="0" marR="0" lvl="0" indent="0" algn="l" defTabSz="457200" rtl="0" eaLnBrk="1" fontAlgn="auto" latinLnBrk="0" hangingPunct="1">
+              <a:lnSpc>
+                <a:spcPct val="100000"/>
+              </a:lnSpc>
+              <a:spcBef>
+                <a:spcPts val="0"/>
+              </a:spcBef>
+              <a:spcAft>
+                <a:spcPts val="1200"/>
+              </a:spcAft>
+              <a:buClr>
+                <a:srgbClr val="00B0F0"/>
+              </a:buClr>
+              <a:buSzPct val="120000"/>
+              <a:buFont typeface="Webdings" pitchFamily="18" charset="2"/>
+              <a:buNone/>
+              <a:tabLst/>
+              <a:defRPr/>
+            </a:pPr>
+            <a:endParaRPr kumimoji="0" lang="es-ES" sz="1600" b="0" i="0" u="none" strike="noStrike" kern="1200" cap="none" spc="0" normalizeH="0" baseline="0" noProof="0" dirty="0" smtClean="0">
+              <a:ln>
+                <a:noFill/>
+              </a:ln>
+              <a:solidFill>
+                <a:schemeClr val="tx1"/>
+              </a:solidFill>
+              <a:effectLst/>
+              <a:uLnTx/>
+              <a:uFillTx/>
+              <a:latin typeface="Arial"/>
+              <a:ea typeface="+mn-ea"/>
+              <a:cs typeface="Arial"/>
+            </a:endParaRPr>
           </a:p>
         </p:txBody>
       </p:sp>
@@ -6033,9 +6784,10 @@
           <a:lstStyle/>
           <a:p>
             <a:r>
-              <a:rPr lang="es-PE" dirty="0" smtClean="0"/>
-              <a:t>MPN - Formatos Detallados</a:t>
-            </a:r>
+              <a:rPr lang="es-ES" dirty="0" smtClean="0"/>
+              <a:t>MPN - La Regla de Negocio</a:t>
+            </a:r>
+            <a:endParaRPr lang="es-PE" dirty="0" smtClean="0"/>
           </a:p>
         </p:txBody>
       </p:sp>
@@ -6056,53 +6808,38 @@
           <a:p>
             <a:r>
               <a:rPr lang="es-PE" dirty="0" smtClean="0"/>
-              <a:t>Formato para recibir información / Formato de Salida de Información</a:t>
-            </a:r>
-          </a:p>
-          <a:p>
-            <a:r>
-              <a:rPr lang="es-PE" dirty="0" smtClean="0"/>
-              <a:t>Identificación del Formato</a:t>
-            </a:r>
-          </a:p>
-          <a:p>
-            <a:r>
-              <a:rPr lang="es-PE" dirty="0" smtClean="0"/>
-              <a:t>Nombre del Formato</a:t>
-            </a:r>
-          </a:p>
-          <a:p>
-            <a:r>
-              <a:rPr lang="es-PE" dirty="0" smtClean="0"/>
-              <a:t>Descripción del Formato</a:t>
-            </a:r>
-          </a:p>
-          <a:p>
-            <a:r>
-              <a:rPr lang="es-PE" dirty="0" smtClean="0"/>
-              <a:t>Descripción de atributos</a:t>
-            </a:r>
-          </a:p>
-          <a:p>
-            <a:pPr lvl="1"/>
-            <a:r>
-              <a:rPr lang="es-PE" dirty="0" smtClean="0"/>
-              <a:t>Nombre</a:t>
-            </a:r>
-          </a:p>
-          <a:p>
-            <a:pPr lvl="1"/>
-            <a:r>
-              <a:rPr lang="es-PE" dirty="0" smtClean="0"/>
-              <a:t>Descripción</a:t>
-            </a:r>
-          </a:p>
-          <a:p>
-            <a:pPr lvl="1"/>
-            <a:r>
-              <a:rPr lang="es-PE" dirty="0" smtClean="0"/>
-              <a:t>Valores permitidos</a:t>
-            </a:r>
+              <a:t>Condición a cumplir por el proceso</a:t>
+            </a:r>
+          </a:p>
+          <a:p>
+            <a:r>
+              <a:rPr lang="es-PE" dirty="0" smtClean="0"/>
+              <a:t>Único y propio de un Proceso</a:t>
+            </a:r>
+          </a:p>
+          <a:p>
+            <a:r>
+              <a:rPr lang="es-PE" dirty="0" smtClean="0"/>
+              <a:t>Especifico para cada caso de aplicación.</a:t>
+            </a:r>
+          </a:p>
+          <a:p>
+            <a:r>
+              <a:rPr lang="es-PE" dirty="0" smtClean="0"/>
+              <a:t>Consistente ante reglas similares y contradictorias</a:t>
+            </a:r>
+          </a:p>
+          <a:p>
+            <a:r>
+              <a:rPr lang="es-PE" dirty="0" smtClean="0"/>
+              <a:t>Probado en todos sus casos</a:t>
+            </a:r>
+          </a:p>
+          <a:p>
+            <a:endParaRPr lang="es-PE" dirty="0" smtClean="0"/>
+          </a:p>
+          <a:p>
+            <a:endParaRPr lang="es-PE" dirty="0" smtClean="0"/>
           </a:p>
           <a:p>
             <a:pPr lvl="1"/>
@@ -6178,9 +6915,14 @@
           <a:lstStyle/>
           <a:p>
             <a:r>
-              <a:rPr lang="es-PE" dirty="0" smtClean="0"/>
-              <a:t>Características del Proceso:</a:t>
-            </a:r>
+              <a:rPr lang="es-ES" dirty="0" smtClean="0"/>
+              <a:t>MPN - La Regla de </a:t>
+            </a:r>
+            <a:r>
+              <a:rPr lang="es-ES" dirty="0" smtClean="0"/>
+              <a:t>Negocio - Ejemplo</a:t>
+            </a:r>
+            <a:endParaRPr lang="es-PE" dirty="0" smtClean="0"/>
           </a:p>
         </p:txBody>
       </p:sp>
@@ -6199,67 +6941,102 @@
           <a:bodyPr/>
           <a:lstStyle/>
           <a:p>
-            <a:pPr lvl="1"/>
-            <a:r>
-              <a:rPr lang="es-PE" dirty="0" smtClean="0"/>
-              <a:t>Indicadores de: </a:t>
-            </a:r>
-          </a:p>
-          <a:p>
-            <a:pPr lvl="1"/>
-            <a:r>
-              <a:rPr lang="es-PE" dirty="0" smtClean="0"/>
-              <a:t>Cantidad de ítems a procesar</a:t>
-            </a:r>
-          </a:p>
-          <a:p>
-            <a:pPr lvl="1"/>
-            <a:r>
-              <a:rPr lang="es-PE" dirty="0" smtClean="0"/>
-              <a:t>Tipos de usuario</a:t>
-            </a:r>
-          </a:p>
-          <a:p>
-            <a:pPr lvl="1"/>
-            <a:r>
-              <a:rPr lang="es-PE" dirty="0" smtClean="0"/>
-              <a:t>Cantidad de usuarios</a:t>
-            </a:r>
-          </a:p>
-          <a:p>
-            <a:pPr lvl="1"/>
-            <a:r>
-              <a:rPr lang="es-PE" dirty="0" smtClean="0"/>
-              <a:t>Tiempo de respuesta</a:t>
-            </a:r>
-          </a:p>
-          <a:p>
-            <a:pPr lvl="1"/>
-            <a:r>
-              <a:rPr lang="es-PE" dirty="0" smtClean="0"/>
-              <a:t>Seguridad requerida</a:t>
-            </a:r>
-          </a:p>
-          <a:p>
-            <a:pPr lvl="1"/>
-            <a:r>
-              <a:rPr lang="es-PE" dirty="0" smtClean="0"/>
-              <a:t>Ubicación de usuarios</a:t>
-            </a:r>
-          </a:p>
-          <a:p>
-            <a:pPr lvl="1"/>
-            <a:r>
-              <a:rPr lang="es-PE" dirty="0" smtClean="0"/>
-              <a:t>Alcance geográfico</a:t>
-            </a:r>
-          </a:p>
-          <a:p>
-            <a:pPr lvl="1"/>
-            <a:r>
-              <a:rPr lang="es-PE" dirty="0" smtClean="0"/>
-              <a:t>Interacción con terceros</a:t>
-            </a:r>
+            <a:pPr marL="342900" indent="-342900">
+              <a:buFont typeface="+mj-lt"/>
+              <a:buAutoNum type="arabicPeriod"/>
+            </a:pPr>
+            <a:r>
+              <a:rPr lang="es-PE" dirty="0" smtClean="0"/>
+              <a:t>La cuenta del ahorrista es activa</a:t>
+            </a:r>
+          </a:p>
+          <a:p>
+            <a:pPr marL="342900" indent="-342900">
+              <a:buFont typeface="+mj-lt"/>
+              <a:buAutoNum type="arabicPeriod"/>
+            </a:pPr>
+            <a:r>
+              <a:rPr lang="es-PE" dirty="0" smtClean="0"/>
+              <a:t>La clave de usuario del ahorrista es válida</a:t>
+            </a:r>
+          </a:p>
+          <a:p>
+            <a:pPr marL="342900" indent="-342900">
+              <a:buFont typeface="+mj-lt"/>
+              <a:buAutoNum type="arabicPeriod"/>
+            </a:pPr>
+            <a:r>
+              <a:rPr lang="es-PE" dirty="0" smtClean="0"/>
+              <a:t>La cantidad del dinero en la cuenta del ahorrista es mayor que la cantidad a retirar</a:t>
+            </a:r>
+          </a:p>
+          <a:p>
+            <a:pPr marL="342900" indent="-342900">
+              <a:buFont typeface="+mj-lt"/>
+              <a:buAutoNum type="arabicPeriod"/>
+            </a:pPr>
+            <a:r>
+              <a:rPr lang="es-PE" dirty="0" smtClean="0"/>
+              <a:t>La cantidad del dinero en </a:t>
+            </a:r>
+            <a:r>
+              <a:rPr lang="es-PE" dirty="0" smtClean="0"/>
+              <a:t>el cajero es </a:t>
+            </a:r>
+            <a:r>
+              <a:rPr lang="es-PE" dirty="0" smtClean="0"/>
+              <a:t>mayor que la cantidad a retirar</a:t>
+            </a:r>
+          </a:p>
+          <a:p>
+            <a:pPr marL="342900" indent="-342900">
+              <a:buFont typeface="+mj-lt"/>
+              <a:buAutoNum type="arabicPeriod"/>
+            </a:pPr>
+            <a:r>
+              <a:rPr lang="es-PE" dirty="0" smtClean="0"/>
+              <a:t>La boleta se encuentra disponible. </a:t>
+            </a:r>
+          </a:p>
+          <a:p>
+            <a:pPr marL="342900" indent="-342900">
+              <a:buFont typeface="+mj-lt"/>
+              <a:buAutoNum type="arabicPeriod"/>
+            </a:pPr>
+            <a:r>
+              <a:rPr lang="es-PE" dirty="0" smtClean="0"/>
+              <a:t>La cantidad del dinero en la cuenta del ahorrista es mayor a cero</a:t>
+            </a:r>
+          </a:p>
+          <a:p>
+            <a:pPr marL="342900" indent="-342900">
+              <a:buFont typeface="+mj-lt"/>
+              <a:buAutoNum type="arabicPeriod"/>
+            </a:pPr>
+            <a:r>
+              <a:rPr lang="es-PE" dirty="0" smtClean="0"/>
+              <a:t>La cantidad del dinero en </a:t>
+            </a:r>
+            <a:r>
+              <a:rPr lang="es-PE" dirty="0" smtClean="0"/>
+              <a:t>el cajero </a:t>
+            </a:r>
+            <a:r>
+              <a:rPr lang="es-PE" dirty="0" smtClean="0"/>
+              <a:t>es mayor a cero</a:t>
+            </a:r>
+          </a:p>
+          <a:p>
+            <a:endParaRPr lang="es-PE" dirty="0" smtClean="0"/>
+          </a:p>
+          <a:p>
+            <a:endParaRPr lang="es-PE" dirty="0" smtClean="0"/>
+          </a:p>
+          <a:p>
+            <a:endParaRPr lang="es-PE" dirty="0" smtClean="0"/>
+          </a:p>
+          <a:p>
+            <a:endParaRPr lang="es-PE" dirty="0" smtClean="0"/>
           </a:p>
           <a:p>
             <a:pPr lvl="1"/>
@@ -6303,6 +7080,851 @@
 </file>
 
 <file path=ppt/slides/slide16.xml><?xml version="1.0" encoding="utf-8"?>
+<p:sld xmlns:a="http://schemas.openxmlformats.org/drawingml/2006/main" xmlns:r="http://schemas.openxmlformats.org/officeDocument/2006/relationships" xmlns:p="http://schemas.openxmlformats.org/presentationml/2006/main">
+  <p:cSld>
+    <p:spTree>
+      <p:nvGrpSpPr>
+        <p:cNvPr id="1" name=""/>
+        <p:cNvGrpSpPr/>
+        <p:nvPr/>
+      </p:nvGrpSpPr>
+      <p:grpSpPr>
+        <a:xfrm>
+          <a:off x="0" y="0"/>
+          <a:ext cx="0" cy="0"/>
+          <a:chOff x="0" y="0"/>
+          <a:chExt cx="0" cy="0"/>
+        </a:xfrm>
+      </p:grpSpPr>
+      <p:sp>
+        <p:nvSpPr>
+          <p:cNvPr id="2" name="1 Título"/>
+          <p:cNvSpPr>
+            <a:spLocks noGrp="1"/>
+          </p:cNvSpPr>
+          <p:nvPr>
+            <p:ph type="title"/>
+          </p:nvPr>
+        </p:nvSpPr>
+        <p:spPr/>
+        <p:txBody>
+          <a:bodyPr/>
+          <a:lstStyle/>
+          <a:p>
+            <a:r>
+              <a:rPr lang="es-PE" dirty="0" smtClean="0"/>
+              <a:t>MPN - Formatos Detallados</a:t>
+            </a:r>
+          </a:p>
+        </p:txBody>
+      </p:sp>
+      <p:sp>
+        <p:nvSpPr>
+          <p:cNvPr id="3" name="2 Marcador de contenido"/>
+          <p:cNvSpPr>
+            <a:spLocks noGrp="1"/>
+          </p:cNvSpPr>
+          <p:nvPr>
+            <p:ph idx="1"/>
+          </p:nvPr>
+        </p:nvSpPr>
+        <p:spPr/>
+        <p:txBody>
+          <a:bodyPr/>
+          <a:lstStyle/>
+          <a:p>
+            <a:r>
+              <a:rPr lang="es-PE" dirty="0" smtClean="0"/>
+              <a:t>Formato para recibir información / Formato de Salida de Información</a:t>
+            </a:r>
+          </a:p>
+          <a:p>
+            <a:r>
+              <a:rPr lang="es-PE" dirty="0" smtClean="0"/>
+              <a:t>Identificación del Formato</a:t>
+            </a:r>
+          </a:p>
+          <a:p>
+            <a:r>
+              <a:rPr lang="es-PE" dirty="0" smtClean="0"/>
+              <a:t>Nombre del Formato</a:t>
+            </a:r>
+          </a:p>
+          <a:p>
+            <a:r>
+              <a:rPr lang="es-PE" dirty="0" smtClean="0"/>
+              <a:t>Descripción del Formato</a:t>
+            </a:r>
+          </a:p>
+          <a:p>
+            <a:r>
+              <a:rPr lang="es-PE" dirty="0" smtClean="0"/>
+              <a:t>Descripción de atributos</a:t>
+            </a:r>
+          </a:p>
+          <a:p>
+            <a:pPr lvl="1"/>
+            <a:r>
+              <a:rPr lang="es-PE" dirty="0" smtClean="0"/>
+              <a:t>Nombre</a:t>
+            </a:r>
+          </a:p>
+          <a:p>
+            <a:pPr lvl="1"/>
+            <a:r>
+              <a:rPr lang="es-PE" dirty="0" smtClean="0"/>
+              <a:t>Descripción</a:t>
+            </a:r>
+          </a:p>
+          <a:p>
+            <a:pPr lvl="1"/>
+            <a:r>
+              <a:rPr lang="es-PE" dirty="0" smtClean="0"/>
+              <a:t>Valores permitidos</a:t>
+            </a:r>
+          </a:p>
+          <a:p>
+            <a:pPr lvl="1"/>
+            <a:endParaRPr lang="es-PE" dirty="0" smtClean="0"/>
+          </a:p>
+          <a:p>
+            <a:pPr lvl="1"/>
+            <a:endParaRPr lang="es-PE" dirty="0" smtClean="0"/>
+          </a:p>
+          <a:p>
+            <a:pPr lvl="2"/>
+            <a:endParaRPr lang="es-PE" dirty="0" smtClean="0"/>
+          </a:p>
+          <a:p>
+            <a:pPr lvl="1"/>
+            <a:endParaRPr lang="es-PE" dirty="0" smtClean="0"/>
+          </a:p>
+          <a:p>
+            <a:endParaRPr lang="es-PE" dirty="0"/>
+          </a:p>
+        </p:txBody>
+      </p:sp>
+    </p:spTree>
+    <p:extLst>
+      <p:ext uri="{BB962C8B-B14F-4D97-AF65-F5344CB8AC3E}">
+        <p14:creationId xmlns="" xmlns:p14="http://schemas.microsoft.com/office/powerpoint/2010/main" val="2332945952"/>
+      </p:ext>
+    </p:extLst>
+  </p:cSld>
+  <p:clrMapOvr>
+    <a:masterClrMapping/>
+  </p:clrMapOvr>
+  <p:timing>
+    <p:tnLst>
+      <p:par>
+        <p:cTn id="1" dur="indefinite" restart="never" nodeType="tmRoot"/>
+      </p:par>
+    </p:tnLst>
+  </p:timing>
+</p:sld>
+</file>
+
+<file path=ppt/slides/slide17.xml><?xml version="1.0" encoding="utf-8"?>
+<p:sld xmlns:a="http://schemas.openxmlformats.org/drawingml/2006/main" xmlns:r="http://schemas.openxmlformats.org/officeDocument/2006/relationships" xmlns:p="http://schemas.openxmlformats.org/presentationml/2006/main">
+  <p:cSld>
+    <p:spTree>
+      <p:nvGrpSpPr>
+        <p:cNvPr id="1" name=""/>
+        <p:cNvGrpSpPr/>
+        <p:nvPr/>
+      </p:nvGrpSpPr>
+      <p:grpSpPr>
+        <a:xfrm>
+          <a:off x="0" y="0"/>
+          <a:ext cx="0" cy="0"/>
+          <a:chOff x="0" y="0"/>
+          <a:chExt cx="0" cy="0"/>
+        </a:xfrm>
+      </p:grpSpPr>
+      <p:sp>
+        <p:nvSpPr>
+          <p:cNvPr id="2" name="1 Título"/>
+          <p:cNvSpPr>
+            <a:spLocks noGrp="1"/>
+          </p:cNvSpPr>
+          <p:nvPr>
+            <p:ph type="title"/>
+          </p:nvPr>
+        </p:nvSpPr>
+        <p:spPr/>
+        <p:txBody>
+          <a:bodyPr/>
+          <a:lstStyle/>
+          <a:p>
+            <a:r>
+              <a:rPr lang="es-PE" dirty="0" smtClean="0"/>
+              <a:t>MPN - Formatos </a:t>
+            </a:r>
+            <a:r>
+              <a:rPr lang="es-PE" dirty="0" smtClean="0"/>
+              <a:t>Detallados - ejemplo</a:t>
+            </a:r>
+            <a:endParaRPr lang="es-PE" dirty="0" smtClean="0"/>
+          </a:p>
+        </p:txBody>
+      </p:sp>
+      <p:sp>
+        <p:nvSpPr>
+          <p:cNvPr id="3" name="2 Marcador de contenido"/>
+          <p:cNvSpPr>
+            <a:spLocks noGrp="1"/>
+          </p:cNvSpPr>
+          <p:nvPr>
+            <p:ph idx="1"/>
+          </p:nvPr>
+        </p:nvSpPr>
+        <p:spPr/>
+        <p:txBody>
+          <a:bodyPr/>
+          <a:lstStyle/>
+          <a:p>
+            <a:r>
+              <a:rPr lang="es-PE" dirty="0" smtClean="0"/>
+              <a:t>Formato para recibir información / Formato de Salida de Información</a:t>
+            </a:r>
+          </a:p>
+          <a:p>
+            <a:r>
+              <a:rPr lang="es-PE" dirty="0" smtClean="0"/>
+              <a:t>Identificación del Formato</a:t>
+            </a:r>
+          </a:p>
+          <a:p>
+            <a:r>
+              <a:rPr lang="es-PE" dirty="0" smtClean="0"/>
+              <a:t>Nombre del Formato</a:t>
+            </a:r>
+          </a:p>
+          <a:p>
+            <a:r>
+              <a:rPr lang="es-PE" dirty="0" smtClean="0"/>
+              <a:t>Descripción del Formato</a:t>
+            </a:r>
+          </a:p>
+          <a:p>
+            <a:r>
+              <a:rPr lang="es-PE" dirty="0" smtClean="0"/>
+              <a:t>Descripción de atributos</a:t>
+            </a:r>
+          </a:p>
+          <a:p>
+            <a:pPr lvl="1"/>
+            <a:r>
+              <a:rPr lang="es-PE" dirty="0" smtClean="0"/>
+              <a:t>Nombre</a:t>
+            </a:r>
+          </a:p>
+          <a:p>
+            <a:pPr lvl="1"/>
+            <a:r>
+              <a:rPr lang="es-PE" dirty="0" smtClean="0"/>
+              <a:t>Descripción</a:t>
+            </a:r>
+          </a:p>
+          <a:p>
+            <a:pPr lvl="1"/>
+            <a:r>
+              <a:rPr lang="es-PE" dirty="0" smtClean="0"/>
+              <a:t>Valores permitidos</a:t>
+            </a:r>
+          </a:p>
+          <a:p>
+            <a:pPr lvl="1"/>
+            <a:endParaRPr lang="es-PE" dirty="0" smtClean="0"/>
+          </a:p>
+          <a:p>
+            <a:pPr lvl="1"/>
+            <a:endParaRPr lang="es-PE" dirty="0" smtClean="0"/>
+          </a:p>
+          <a:p>
+            <a:pPr lvl="2"/>
+            <a:endParaRPr lang="es-PE" dirty="0" smtClean="0"/>
+          </a:p>
+          <a:p>
+            <a:pPr lvl="1"/>
+            <a:endParaRPr lang="es-PE" dirty="0" smtClean="0"/>
+          </a:p>
+          <a:p>
+            <a:endParaRPr lang="es-PE" dirty="0"/>
+          </a:p>
+        </p:txBody>
+      </p:sp>
+    </p:spTree>
+    <p:extLst>
+      <p:ext uri="{BB962C8B-B14F-4D97-AF65-F5344CB8AC3E}">
+        <p14:creationId xmlns="" xmlns:p14="http://schemas.microsoft.com/office/powerpoint/2010/main" val="2332945952"/>
+      </p:ext>
+    </p:extLst>
+  </p:cSld>
+  <p:clrMapOvr>
+    <a:masterClrMapping/>
+  </p:clrMapOvr>
+  <p:timing>
+    <p:tnLst>
+      <p:par>
+        <p:cTn id="1" dur="indefinite" restart="never" nodeType="tmRoot"/>
+      </p:par>
+    </p:tnLst>
+  </p:timing>
+</p:sld>
+</file>
+
+<file path=ppt/slides/slide18.xml><?xml version="1.0" encoding="utf-8"?>
+<p:sld xmlns:a="http://schemas.openxmlformats.org/drawingml/2006/main" xmlns:r="http://schemas.openxmlformats.org/officeDocument/2006/relationships" xmlns:p="http://schemas.openxmlformats.org/presentationml/2006/main">
+  <p:cSld>
+    <p:spTree>
+      <p:nvGrpSpPr>
+        <p:cNvPr id="1" name=""/>
+        <p:cNvGrpSpPr/>
+        <p:nvPr/>
+      </p:nvGrpSpPr>
+      <p:grpSpPr>
+        <a:xfrm>
+          <a:off x="0" y="0"/>
+          <a:ext cx="0" cy="0"/>
+          <a:chOff x="0" y="0"/>
+          <a:chExt cx="0" cy="0"/>
+        </a:xfrm>
+      </p:grpSpPr>
+      <p:sp>
+        <p:nvSpPr>
+          <p:cNvPr id="2" name="1 Título"/>
+          <p:cNvSpPr>
+            <a:spLocks noGrp="1"/>
+          </p:cNvSpPr>
+          <p:nvPr>
+            <p:ph type="title"/>
+          </p:nvPr>
+        </p:nvSpPr>
+        <p:spPr/>
+        <p:txBody>
+          <a:bodyPr/>
+          <a:lstStyle/>
+          <a:p>
+            <a:r>
+              <a:rPr lang="es-PE" dirty="0" smtClean="0"/>
+              <a:t>Características del Proceso:</a:t>
+            </a:r>
+          </a:p>
+        </p:txBody>
+      </p:sp>
+      <p:sp>
+        <p:nvSpPr>
+          <p:cNvPr id="3" name="2 Marcador de contenido"/>
+          <p:cNvSpPr>
+            <a:spLocks noGrp="1"/>
+          </p:cNvSpPr>
+          <p:nvPr>
+            <p:ph idx="1"/>
+          </p:nvPr>
+        </p:nvSpPr>
+        <p:spPr/>
+        <p:txBody>
+          <a:bodyPr/>
+          <a:lstStyle/>
+          <a:p>
+            <a:pPr lvl="1"/>
+            <a:r>
+              <a:rPr lang="es-PE" dirty="0" smtClean="0"/>
+              <a:t>Indicadores de: </a:t>
+            </a:r>
+          </a:p>
+          <a:p>
+            <a:pPr lvl="1"/>
+            <a:r>
+              <a:rPr lang="es-PE" dirty="0" smtClean="0"/>
+              <a:t>Cantidad de ítems a procesar</a:t>
+            </a:r>
+          </a:p>
+          <a:p>
+            <a:pPr lvl="1"/>
+            <a:r>
+              <a:rPr lang="es-PE" dirty="0" smtClean="0"/>
+              <a:t>Tipos de usuario</a:t>
+            </a:r>
+          </a:p>
+          <a:p>
+            <a:pPr lvl="1"/>
+            <a:r>
+              <a:rPr lang="es-PE" dirty="0" smtClean="0"/>
+              <a:t>Cantidad de usuarios</a:t>
+            </a:r>
+          </a:p>
+          <a:p>
+            <a:pPr lvl="1"/>
+            <a:r>
+              <a:rPr lang="es-PE" dirty="0" smtClean="0"/>
+              <a:t>Tiempo de respuesta</a:t>
+            </a:r>
+          </a:p>
+          <a:p>
+            <a:pPr lvl="1"/>
+            <a:r>
+              <a:rPr lang="es-PE" dirty="0" smtClean="0"/>
+              <a:t>Seguridad requerida</a:t>
+            </a:r>
+          </a:p>
+          <a:p>
+            <a:pPr lvl="1"/>
+            <a:r>
+              <a:rPr lang="es-PE" dirty="0" smtClean="0"/>
+              <a:t>Ubicación de usuarios</a:t>
+            </a:r>
+          </a:p>
+          <a:p>
+            <a:pPr lvl="1"/>
+            <a:r>
+              <a:rPr lang="es-PE" dirty="0" smtClean="0"/>
+              <a:t>Alcance geográfico</a:t>
+            </a:r>
+          </a:p>
+          <a:p>
+            <a:pPr lvl="1"/>
+            <a:r>
+              <a:rPr lang="es-PE" dirty="0" smtClean="0"/>
+              <a:t>Interacción con terceros</a:t>
+            </a:r>
+          </a:p>
+          <a:p>
+            <a:pPr lvl="1"/>
+            <a:endParaRPr lang="es-PE" dirty="0" smtClean="0"/>
+          </a:p>
+          <a:p>
+            <a:pPr lvl="1"/>
+            <a:endParaRPr lang="es-PE" dirty="0" smtClean="0"/>
+          </a:p>
+          <a:p>
+            <a:pPr lvl="2"/>
+            <a:endParaRPr lang="es-PE" dirty="0" smtClean="0"/>
+          </a:p>
+          <a:p>
+            <a:pPr lvl="1"/>
+            <a:endParaRPr lang="es-PE" dirty="0" smtClean="0"/>
+          </a:p>
+          <a:p>
+            <a:endParaRPr lang="es-PE" dirty="0"/>
+          </a:p>
+        </p:txBody>
+      </p:sp>
+    </p:spTree>
+    <p:extLst>
+      <p:ext uri="{BB962C8B-B14F-4D97-AF65-F5344CB8AC3E}">
+        <p14:creationId xmlns="" xmlns:p14="http://schemas.microsoft.com/office/powerpoint/2010/main" val="2332945952"/>
+      </p:ext>
+    </p:extLst>
+  </p:cSld>
+  <p:clrMapOvr>
+    <a:masterClrMapping/>
+  </p:clrMapOvr>
+  <p:timing>
+    <p:tnLst>
+      <p:par>
+        <p:cTn id="1" dur="indefinite" restart="never" nodeType="tmRoot"/>
+      </p:par>
+    </p:tnLst>
+  </p:timing>
+</p:sld>
+</file>
+
+<file path=ppt/slides/slide19.xml><?xml version="1.0" encoding="utf-8"?>
+<p:sld xmlns:a="http://schemas.openxmlformats.org/drawingml/2006/main" xmlns:r="http://schemas.openxmlformats.org/officeDocument/2006/relationships" xmlns:p="http://schemas.openxmlformats.org/presentationml/2006/main">
+  <p:cSld>
+    <p:spTree>
+      <p:nvGrpSpPr>
+        <p:cNvPr id="1" name=""/>
+        <p:cNvGrpSpPr/>
+        <p:nvPr/>
+      </p:nvGrpSpPr>
+      <p:grpSpPr>
+        <a:xfrm>
+          <a:off x="0" y="0"/>
+          <a:ext cx="0" cy="0"/>
+          <a:chOff x="0" y="0"/>
+          <a:chExt cx="0" cy="0"/>
+        </a:xfrm>
+      </p:grpSpPr>
+      <p:sp>
+        <p:nvSpPr>
+          <p:cNvPr id="2" name="1 Título"/>
+          <p:cNvSpPr>
+            <a:spLocks noGrp="1"/>
+          </p:cNvSpPr>
+          <p:nvPr>
+            <p:ph type="title"/>
+          </p:nvPr>
+        </p:nvSpPr>
+        <p:spPr/>
+        <p:txBody>
+          <a:bodyPr/>
+          <a:lstStyle/>
+          <a:p>
+            <a:r>
+              <a:rPr lang="es-PE" dirty="0" smtClean="0"/>
+              <a:t>Características del </a:t>
+            </a:r>
+            <a:r>
+              <a:rPr lang="es-PE" dirty="0" smtClean="0"/>
+              <a:t>Proceso - ejemplo:</a:t>
+            </a:r>
+            <a:endParaRPr lang="es-PE" dirty="0" smtClean="0"/>
+          </a:p>
+        </p:txBody>
+      </p:sp>
+      <p:sp>
+        <p:nvSpPr>
+          <p:cNvPr id="3" name="2 Marcador de contenido"/>
+          <p:cNvSpPr>
+            <a:spLocks noGrp="1"/>
+          </p:cNvSpPr>
+          <p:nvPr>
+            <p:ph idx="1"/>
+          </p:nvPr>
+        </p:nvSpPr>
+        <p:spPr/>
+        <p:txBody>
+          <a:bodyPr/>
+          <a:lstStyle/>
+          <a:p>
+            <a:pPr lvl="1"/>
+            <a:r>
+              <a:rPr lang="es-PE" dirty="0" smtClean="0"/>
+              <a:t>Indicadores de: </a:t>
+            </a:r>
+          </a:p>
+          <a:p>
+            <a:pPr lvl="1"/>
+            <a:r>
+              <a:rPr lang="es-PE" dirty="0" smtClean="0"/>
+              <a:t>Cantidad de ítems a procesar</a:t>
+            </a:r>
+          </a:p>
+          <a:p>
+            <a:pPr lvl="1"/>
+            <a:r>
+              <a:rPr lang="es-PE" dirty="0" smtClean="0"/>
+              <a:t>Tipos de usuario</a:t>
+            </a:r>
+          </a:p>
+          <a:p>
+            <a:pPr lvl="1"/>
+            <a:r>
+              <a:rPr lang="es-PE" dirty="0" smtClean="0"/>
+              <a:t>Cantidad de usuarios</a:t>
+            </a:r>
+          </a:p>
+          <a:p>
+            <a:pPr lvl="1"/>
+            <a:r>
+              <a:rPr lang="es-PE" dirty="0" smtClean="0"/>
+              <a:t>Tiempo de respuesta</a:t>
+            </a:r>
+          </a:p>
+          <a:p>
+            <a:pPr lvl="1"/>
+            <a:r>
+              <a:rPr lang="es-PE" dirty="0" smtClean="0"/>
+              <a:t>Seguridad requerida</a:t>
+            </a:r>
+          </a:p>
+          <a:p>
+            <a:pPr lvl="1"/>
+            <a:r>
+              <a:rPr lang="es-PE" dirty="0" smtClean="0"/>
+              <a:t>Ubicación de usuarios</a:t>
+            </a:r>
+          </a:p>
+          <a:p>
+            <a:pPr lvl="1"/>
+            <a:r>
+              <a:rPr lang="es-PE" dirty="0" smtClean="0"/>
+              <a:t>Alcance geográfico</a:t>
+            </a:r>
+          </a:p>
+          <a:p>
+            <a:pPr lvl="1"/>
+            <a:r>
+              <a:rPr lang="es-PE" dirty="0" smtClean="0"/>
+              <a:t>Interacción con terceros</a:t>
+            </a:r>
+          </a:p>
+          <a:p>
+            <a:pPr lvl="1"/>
+            <a:endParaRPr lang="es-PE" dirty="0" smtClean="0"/>
+          </a:p>
+          <a:p>
+            <a:pPr lvl="1"/>
+            <a:endParaRPr lang="es-PE" dirty="0" smtClean="0"/>
+          </a:p>
+          <a:p>
+            <a:pPr lvl="2"/>
+            <a:endParaRPr lang="es-PE" dirty="0" smtClean="0"/>
+          </a:p>
+          <a:p>
+            <a:pPr lvl="1"/>
+            <a:endParaRPr lang="es-PE" dirty="0" smtClean="0"/>
+          </a:p>
+          <a:p>
+            <a:endParaRPr lang="es-PE" dirty="0"/>
+          </a:p>
+        </p:txBody>
+      </p:sp>
+      <p:pic>
+        <p:nvPicPr>
+          <p:cNvPr id="2050" name="Picture 2"/>
+          <p:cNvPicPr>
+            <a:picLocks noChangeAspect="1" noChangeArrowheads="1"/>
+          </p:cNvPicPr>
+          <p:nvPr/>
+        </p:nvPicPr>
+        <p:blipFill>
+          <a:blip r:embed="rId3"/>
+          <a:srcRect/>
+          <a:stretch>
+            <a:fillRect/>
+          </a:stretch>
+        </p:blipFill>
+        <p:spPr bwMode="auto">
+          <a:xfrm>
+            <a:off x="5772150" y="1181365"/>
+            <a:ext cx="2914650" cy="4343400"/>
+          </a:xfrm>
+          <a:prstGeom prst="rect">
+            <a:avLst/>
+          </a:prstGeom>
+          <a:noFill/>
+          <a:ln w="9525">
+            <a:noFill/>
+            <a:miter lim="800000"/>
+            <a:headEnd/>
+            <a:tailEnd/>
+          </a:ln>
+        </p:spPr>
+      </p:pic>
+      <p:pic>
+        <p:nvPicPr>
+          <p:cNvPr id="2052" name="Picture 4"/>
+          <p:cNvPicPr>
+            <a:picLocks noChangeAspect="1" noChangeArrowheads="1"/>
+          </p:cNvPicPr>
+          <p:nvPr/>
+        </p:nvPicPr>
+        <p:blipFill>
+          <a:blip r:embed="rId4"/>
+          <a:srcRect/>
+          <a:stretch>
+            <a:fillRect/>
+          </a:stretch>
+        </p:blipFill>
+        <p:spPr bwMode="auto">
+          <a:xfrm>
+            <a:off x="378072" y="3893866"/>
+            <a:ext cx="6467475" cy="1428750"/>
+          </a:xfrm>
+          <a:prstGeom prst="rect">
+            <a:avLst/>
+          </a:prstGeom>
+          <a:noFill/>
+          <a:ln w="9525">
+            <a:noFill/>
+            <a:miter lim="800000"/>
+            <a:headEnd/>
+            <a:tailEnd/>
+          </a:ln>
+        </p:spPr>
+      </p:pic>
+    </p:spTree>
+    <p:extLst>
+      <p:ext uri="{BB962C8B-B14F-4D97-AF65-F5344CB8AC3E}">
+        <p14:creationId xmlns="" xmlns:p14="http://schemas.microsoft.com/office/powerpoint/2010/main" val="2332945952"/>
+      </p:ext>
+    </p:extLst>
+  </p:cSld>
+  <p:clrMapOvr>
+    <a:masterClrMapping/>
+  </p:clrMapOvr>
+  <p:timing>
+    <p:tnLst>
+      <p:par>
+        <p:cTn id="1" dur="indefinite" restart="never" nodeType="tmRoot"/>
+      </p:par>
+    </p:tnLst>
+  </p:timing>
+</p:sld>
+</file>
+
+<file path=ppt/slides/slide2.xml><?xml version="1.0" encoding="utf-8"?>
+<p:sld xmlns:a="http://schemas.openxmlformats.org/drawingml/2006/main" xmlns:r="http://schemas.openxmlformats.org/officeDocument/2006/relationships" xmlns:p="http://schemas.openxmlformats.org/presentationml/2006/main">
+  <p:cSld>
+    <p:spTree>
+      <p:nvGrpSpPr>
+        <p:cNvPr id="1" name=""/>
+        <p:cNvGrpSpPr/>
+        <p:nvPr/>
+      </p:nvGrpSpPr>
+      <p:grpSpPr>
+        <a:xfrm>
+          <a:off x="0" y="0"/>
+          <a:ext cx="0" cy="0"/>
+          <a:chOff x="0" y="0"/>
+          <a:chExt cx="0" cy="0"/>
+        </a:xfrm>
+      </p:grpSpPr>
+      <p:sp>
+        <p:nvSpPr>
+          <p:cNvPr id="2" name="1 Título"/>
+          <p:cNvSpPr>
+            <a:spLocks noGrp="1"/>
+          </p:cNvSpPr>
+          <p:nvPr>
+            <p:ph type="title"/>
+          </p:nvPr>
+        </p:nvSpPr>
+        <p:spPr/>
+        <p:txBody>
+          <a:bodyPr/>
+          <a:lstStyle/>
+          <a:p>
+            <a:r>
+              <a:rPr lang="es-PE" dirty="0" smtClean="0"/>
+              <a:t>Contenido:</a:t>
+            </a:r>
+            <a:endParaRPr lang="es-PE" dirty="0"/>
+          </a:p>
+        </p:txBody>
+      </p:sp>
+      <p:sp>
+        <p:nvSpPr>
+          <p:cNvPr id="3" name="2 Marcador de contenido"/>
+          <p:cNvSpPr>
+            <a:spLocks noGrp="1"/>
+          </p:cNvSpPr>
+          <p:nvPr>
+            <p:ph idx="1"/>
+          </p:nvPr>
+        </p:nvSpPr>
+        <p:spPr/>
+        <p:txBody>
+          <a:bodyPr/>
+          <a:lstStyle/>
+          <a:p>
+            <a:r>
+              <a:rPr lang="es-PE" dirty="0" smtClean="0"/>
+              <a:t>Requisitos del Desarrollo de Sistemas </a:t>
+            </a:r>
+          </a:p>
+          <a:p>
+            <a:pPr lvl="1"/>
+            <a:r>
+              <a:rPr lang="es-PE" dirty="0" smtClean="0"/>
+              <a:t>Requisitos de la Documentación </a:t>
+            </a:r>
+          </a:p>
+          <a:p>
+            <a:pPr lvl="2"/>
+            <a:r>
+              <a:rPr lang="es-PE" dirty="0" smtClean="0"/>
+              <a:t>Objetivos</a:t>
+            </a:r>
+          </a:p>
+          <a:p>
+            <a:pPr lvl="1"/>
+            <a:endParaRPr lang="es-PE" dirty="0" smtClean="0"/>
+          </a:p>
+          <a:p>
+            <a:pPr lvl="1"/>
+            <a:r>
+              <a:rPr lang="es-PE" dirty="0" smtClean="0"/>
+              <a:t>Modelo de Procesos de negocio (MPN)</a:t>
+            </a:r>
+          </a:p>
+          <a:p>
+            <a:pPr lvl="2"/>
+            <a:r>
+              <a:rPr lang="es-PE" dirty="0" smtClean="0"/>
+              <a:t>Requisitos</a:t>
+            </a:r>
+          </a:p>
+          <a:p>
+            <a:pPr lvl="1"/>
+            <a:endParaRPr lang="es-PE" dirty="0" smtClean="0"/>
+          </a:p>
+          <a:p>
+            <a:pPr lvl="1"/>
+            <a:r>
+              <a:rPr lang="es-PE" dirty="0" smtClean="0"/>
+              <a:t>Formato de Definición de Sistemas (F2)</a:t>
+            </a:r>
+          </a:p>
+          <a:p>
+            <a:pPr lvl="2"/>
+            <a:r>
+              <a:rPr lang="es-PE" dirty="0" smtClean="0"/>
+              <a:t>Requisitos</a:t>
+            </a:r>
+          </a:p>
+          <a:p>
+            <a:pPr lvl="1"/>
+            <a:endParaRPr lang="es-PE" dirty="0" smtClean="0"/>
+          </a:p>
+          <a:p>
+            <a:endParaRPr lang="es-PE" dirty="0"/>
+          </a:p>
+        </p:txBody>
+      </p:sp>
+      <p:pic>
+        <p:nvPicPr>
+          <p:cNvPr id="5" name="Picture 2" descr="Resultado de imagen para entregables de un proyecto">
+            <a:hlinkClick r:id="rId3"/>
+          </p:cNvPr>
+          <p:cNvPicPr>
+            <a:picLocks noChangeAspect="1" noChangeArrowheads="1"/>
+          </p:cNvPicPr>
+          <p:nvPr/>
+        </p:nvPicPr>
+        <p:blipFill>
+          <a:blip r:embed="rId4"/>
+          <a:srcRect/>
+          <a:stretch>
+            <a:fillRect/>
+          </a:stretch>
+        </p:blipFill>
+        <p:spPr bwMode="auto">
+          <a:xfrm>
+            <a:off x="4896743" y="2041395"/>
+            <a:ext cx="2962275" cy="2962276"/>
+          </a:xfrm>
+          <a:prstGeom prst="rect">
+            <a:avLst/>
+          </a:prstGeom>
+          <a:noFill/>
+        </p:spPr>
+      </p:pic>
+    </p:spTree>
+    <p:extLst>
+      <p:ext uri="{BB962C8B-B14F-4D97-AF65-F5344CB8AC3E}">
+        <p14:creationId xmlns="" xmlns:p14="http://schemas.microsoft.com/office/powerpoint/2010/main" val="2332945952"/>
+      </p:ext>
+    </p:extLst>
+  </p:cSld>
+  <p:clrMapOvr>
+    <a:masterClrMapping/>
+  </p:clrMapOvr>
+  <p:timing>
+    <p:tnLst>
+      <p:par>
+        <p:cTn id="1" dur="indefinite" restart="never" nodeType="tmRoot"/>
+      </p:par>
+    </p:tnLst>
+  </p:timing>
+</p:sld>
+</file>
+
+<file path=ppt/slides/slide20.xml><?xml version="1.0" encoding="utf-8"?>
 <p:sld xmlns:a="http://schemas.openxmlformats.org/drawingml/2006/main" xmlns:r="http://schemas.openxmlformats.org/officeDocument/2006/relationships" xmlns:p="http://schemas.openxmlformats.org/presentationml/2006/main">
   <p:cSld>
     <p:spTree>
@@ -6546,7 +8168,7 @@
 </p:sld>
 </file>
 
-<file path=ppt/slides/slide17.xml><?xml version="1.0" encoding="utf-8"?>
+<file path=ppt/slides/slide21.xml><?xml version="1.0" encoding="utf-8"?>
 <p:sld xmlns:a="http://schemas.openxmlformats.org/drawingml/2006/main" xmlns:r="http://schemas.openxmlformats.org/officeDocument/2006/relationships" xmlns:p="http://schemas.openxmlformats.org/presentationml/2006/main">
   <p:cSld>
     <p:spTree>
@@ -6618,173 +8240,6 @@
         </p:txBody>
       </p:sp>
     </p:spTree>
-  </p:cSld>
-  <p:clrMapOvr>
-    <a:masterClrMapping/>
-  </p:clrMapOvr>
-  <p:timing>
-    <p:tnLst>
-      <p:par>
-        <p:cTn id="1" dur="indefinite" restart="never" nodeType="tmRoot"/>
-      </p:par>
-    </p:tnLst>
-  </p:timing>
-</p:sld>
-</file>
-
-<file path=ppt/slides/slide2.xml><?xml version="1.0" encoding="utf-8"?>
-<p:sld xmlns:a="http://schemas.openxmlformats.org/drawingml/2006/main" xmlns:r="http://schemas.openxmlformats.org/officeDocument/2006/relationships" xmlns:p="http://schemas.openxmlformats.org/presentationml/2006/main">
-  <p:cSld>
-    <p:spTree>
-      <p:nvGrpSpPr>
-        <p:cNvPr id="1" name=""/>
-        <p:cNvGrpSpPr/>
-        <p:nvPr/>
-      </p:nvGrpSpPr>
-      <p:grpSpPr>
-        <a:xfrm>
-          <a:off x="0" y="0"/>
-          <a:ext cx="0" cy="0"/>
-          <a:chOff x="0" y="0"/>
-          <a:chExt cx="0" cy="0"/>
-        </a:xfrm>
-      </p:grpSpPr>
-      <p:sp>
-        <p:nvSpPr>
-          <p:cNvPr id="2" name="1 Título"/>
-          <p:cNvSpPr>
-            <a:spLocks noGrp="1"/>
-          </p:cNvSpPr>
-          <p:nvPr>
-            <p:ph type="title"/>
-          </p:nvPr>
-        </p:nvSpPr>
-        <p:spPr/>
-        <p:txBody>
-          <a:bodyPr/>
-          <a:lstStyle/>
-          <a:p>
-            <a:r>
-              <a:rPr lang="es-PE" dirty="0" smtClean="0"/>
-              <a:t>Contenido:</a:t>
-            </a:r>
-            <a:endParaRPr lang="es-PE" dirty="0"/>
-          </a:p>
-        </p:txBody>
-      </p:sp>
-      <p:sp>
-        <p:nvSpPr>
-          <p:cNvPr id="3" name="2 Marcador de contenido"/>
-          <p:cNvSpPr>
-            <a:spLocks noGrp="1"/>
-          </p:cNvSpPr>
-          <p:nvPr>
-            <p:ph idx="1"/>
-          </p:nvPr>
-        </p:nvSpPr>
-        <p:spPr/>
-        <p:txBody>
-          <a:bodyPr/>
-          <a:lstStyle/>
-          <a:p>
-            <a:r>
-              <a:rPr lang="es-PE" dirty="0" smtClean="0"/>
-              <a:t>Requisitos del Desarrollo de Sistemas </a:t>
-            </a:r>
-          </a:p>
-          <a:p>
-            <a:pPr lvl="1"/>
-            <a:r>
-              <a:rPr lang="es-PE" dirty="0" smtClean="0"/>
-              <a:t>Requisitos de la Documentación </a:t>
-            </a:r>
-          </a:p>
-          <a:p>
-            <a:pPr lvl="2"/>
-            <a:r>
-              <a:rPr lang="es-PE" dirty="0" smtClean="0"/>
-              <a:t>Objetivos</a:t>
-            </a:r>
-          </a:p>
-          <a:p>
-            <a:pPr lvl="1"/>
-            <a:endParaRPr lang="es-PE" dirty="0" smtClean="0"/>
-          </a:p>
-          <a:p>
-            <a:pPr lvl="1"/>
-            <a:r>
-              <a:rPr lang="es-PE" dirty="0" smtClean="0"/>
-              <a:t>Modelo de Procesos de negocio (MPN)</a:t>
-            </a:r>
-          </a:p>
-          <a:p>
-            <a:pPr lvl="2"/>
-            <a:r>
-              <a:rPr lang="es-PE" dirty="0" smtClean="0"/>
-              <a:t>Requisitos</a:t>
-            </a:r>
-          </a:p>
-          <a:p>
-            <a:pPr lvl="1"/>
-            <a:endParaRPr lang="es-PE" dirty="0" smtClean="0"/>
-          </a:p>
-          <a:p>
-            <a:pPr lvl="1"/>
-            <a:r>
-              <a:rPr lang="es-PE" dirty="0" smtClean="0"/>
-              <a:t>Formato de Definición de Sistemas (F2)</a:t>
-            </a:r>
-          </a:p>
-          <a:p>
-            <a:pPr lvl="2"/>
-            <a:r>
-              <a:rPr lang="es-PE" dirty="0" smtClean="0"/>
-              <a:t>Requisitos</a:t>
-            </a:r>
-          </a:p>
-          <a:p>
-            <a:pPr lvl="1"/>
-            <a:endParaRPr lang="es-PE" dirty="0" smtClean="0"/>
-          </a:p>
-          <a:p>
-            <a:endParaRPr lang="es-PE" dirty="0"/>
-          </a:p>
-        </p:txBody>
-      </p:sp>
-      <p:pic>
-        <p:nvPicPr>
-          <p:cNvPr id="5" name="Picture 2" descr="Resultado de imagen para entregables de un proyecto">
-            <a:hlinkClick r:id="rId3"/>
-          </p:cNvPr>
-          <p:cNvPicPr>
-            <a:picLocks noChangeAspect="1" noChangeArrowheads="1"/>
-          </p:cNvPicPr>
-          <p:nvPr/>
-        </p:nvPicPr>
-        <p:blipFill>
-          <a:blip r:embed="rId4"/>
-          <a:srcRect/>
-          <a:stretch>
-            <a:fillRect/>
-          </a:stretch>
-        </p:blipFill>
-        <p:spPr bwMode="auto">
-          <a:xfrm>
-            <a:off x="4896743" y="2041395"/>
-            <a:ext cx="2962275" cy="2962276"/>
-          </a:xfrm>
-          <a:prstGeom prst="rect">
-            <a:avLst/>
-          </a:prstGeom>
-          <a:noFill/>
-        </p:spPr>
-      </p:pic>
-    </p:spTree>
-    <p:extLst>
-      <p:ext uri="{BB962C8B-B14F-4D97-AF65-F5344CB8AC3E}">
-        <p14:creationId xmlns="" xmlns:p14="http://schemas.microsoft.com/office/powerpoint/2010/main" val="2332945952"/>
-      </p:ext>
-    </p:extLst>
   </p:cSld>
   <p:clrMapOvr>
     <a:masterClrMapping/>

--- a/InsiDesarrolloSistemas2019.pptx
+++ b/InsiDesarrolloSistemas2019.pptx
@@ -5,7 +5,7 @@
     <p:sldMasterId id="2147483648" r:id="rId4"/>
   </p:sldMasterIdLst>
   <p:notesMasterIdLst>
-    <p:notesMasterId r:id="rId26"/>
+    <p:notesMasterId r:id="rId28"/>
   </p:notesMasterIdLst>
   <p:sldIdLst>
     <p:sldId id="256" r:id="rId5"/>
@@ -13,22 +13,24 @@
     <p:sldId id="277" r:id="rId7"/>
     <p:sldId id="288" r:id="rId8"/>
     <p:sldId id="291" r:id="rId9"/>
-    <p:sldId id="294" r:id="rId10"/>
-    <p:sldId id="293" r:id="rId11"/>
+    <p:sldId id="293" r:id="rId10"/>
+    <p:sldId id="302" r:id="rId11"/>
     <p:sldId id="292" r:id="rId12"/>
-    <p:sldId id="295" r:id="rId13"/>
-    <p:sldId id="278" r:id="rId14"/>
-    <p:sldId id="281" r:id="rId15"/>
-    <p:sldId id="280" r:id="rId16"/>
-    <p:sldId id="296" r:id="rId17"/>
-    <p:sldId id="282" r:id="rId18"/>
-    <p:sldId id="297" r:id="rId19"/>
-    <p:sldId id="283" r:id="rId20"/>
-    <p:sldId id="298" r:id="rId21"/>
-    <p:sldId id="287" r:id="rId22"/>
-    <p:sldId id="299" r:id="rId23"/>
-    <p:sldId id="272" r:id="rId24"/>
-    <p:sldId id="269" r:id="rId25"/>
+    <p:sldId id="303" r:id="rId13"/>
+    <p:sldId id="295" r:id="rId14"/>
+    <p:sldId id="278" r:id="rId15"/>
+    <p:sldId id="281" r:id="rId16"/>
+    <p:sldId id="280" r:id="rId17"/>
+    <p:sldId id="296" r:id="rId18"/>
+    <p:sldId id="282" r:id="rId19"/>
+    <p:sldId id="297" r:id="rId20"/>
+    <p:sldId id="300" r:id="rId21"/>
+    <p:sldId id="283" r:id="rId22"/>
+    <p:sldId id="298" r:id="rId23"/>
+    <p:sldId id="287" r:id="rId24"/>
+    <p:sldId id="301" r:id="rId25"/>
+    <p:sldId id="272" r:id="rId26"/>
+    <p:sldId id="269" r:id="rId27"/>
   </p:sldIdLst>
   <p:sldSz cx="9144000" cy="5715000" type="screen16x10"/>
   <p:notesSz cx="6858000" cy="9144000"/>
@@ -213,7 +215,7 @@
             <a:fld id="{FF689DF1-2F30-41B2-B41C-37E7BEE505EF}" type="datetimeFigureOut">
               <a:rPr lang="en-US" smtClean="0"/>
               <a:pPr/>
-              <a:t>2/4/2019</a:t>
+              <a:t>2/14/2019</a:t>
             </a:fld>
             <a:endParaRPr lang="en-US"/>
           </a:p>
@@ -634,7 +636,7 @@
               <a:pPr/>
               <a:t>1</a:t>
             </a:fld>
-            <a:endParaRPr lang="en-US"/>
+            <a:endParaRPr lang="en-US" dirty="0"/>
           </a:p>
         </p:txBody>
       </p:sp>
@@ -690,7 +692,7 @@
           <a:bodyPr/>
           <a:lstStyle/>
           <a:p>
-            <a:endParaRPr lang="es-PE"/>
+            <a:endParaRPr lang="es-PE" dirty="0"/>
           </a:p>
         </p:txBody>
       </p:sp>
@@ -714,7 +716,7 @@
               <a:pPr/>
               <a:t>10</a:t>
             </a:fld>
-            <a:endParaRPr lang="en-US"/>
+            <a:endParaRPr lang="en-US" dirty="0"/>
           </a:p>
         </p:txBody>
       </p:sp>
@@ -775,7 +777,7 @@
           <a:bodyPr/>
           <a:lstStyle/>
           <a:p>
-            <a:endParaRPr lang="es-PE"/>
+            <a:endParaRPr lang="es-PE" dirty="0"/>
           </a:p>
         </p:txBody>
       </p:sp>
@@ -799,7 +801,7 @@
               <a:pPr/>
               <a:t>11</a:t>
             </a:fld>
-            <a:endParaRPr lang="en-US"/>
+            <a:endParaRPr lang="en-US" dirty="0"/>
           </a:p>
         </p:txBody>
       </p:sp>
@@ -860,7 +862,7 @@
           <a:bodyPr/>
           <a:lstStyle/>
           <a:p>
-            <a:endParaRPr lang="es-PE"/>
+            <a:endParaRPr lang="es-PE" dirty="0"/>
           </a:p>
         </p:txBody>
       </p:sp>
@@ -884,7 +886,7 @@
               <a:pPr/>
               <a:t>12</a:t>
             </a:fld>
-            <a:endParaRPr lang="en-US"/>
+            <a:endParaRPr lang="en-US" dirty="0"/>
           </a:p>
         </p:txBody>
       </p:sp>
@@ -945,7 +947,7 @@
           <a:bodyPr/>
           <a:lstStyle/>
           <a:p>
-            <a:endParaRPr lang="es-PE"/>
+            <a:endParaRPr lang="es-PE" dirty="0"/>
           </a:p>
         </p:txBody>
       </p:sp>
@@ -969,7 +971,7 @@
               <a:pPr/>
               <a:t>13</a:t>
             </a:fld>
-            <a:endParaRPr lang="en-US"/>
+            <a:endParaRPr lang="en-US" dirty="0"/>
           </a:p>
         </p:txBody>
       </p:sp>
@@ -1030,7 +1032,7 @@
           <a:bodyPr/>
           <a:lstStyle/>
           <a:p>
-            <a:endParaRPr lang="es-PE"/>
+            <a:endParaRPr lang="es-PE" dirty="0"/>
           </a:p>
         </p:txBody>
       </p:sp>
@@ -1054,7 +1056,7 @@
               <a:pPr/>
               <a:t>14</a:t>
             </a:fld>
-            <a:endParaRPr lang="en-US"/>
+            <a:endParaRPr lang="en-US" dirty="0"/>
           </a:p>
         </p:txBody>
       </p:sp>
@@ -1115,7 +1117,7 @@
           <a:bodyPr/>
           <a:lstStyle/>
           <a:p>
-            <a:endParaRPr lang="es-PE"/>
+            <a:endParaRPr lang="es-PE" dirty="0"/>
           </a:p>
         </p:txBody>
       </p:sp>
@@ -1139,7 +1141,7 @@
               <a:pPr/>
               <a:t>15</a:t>
             </a:fld>
-            <a:endParaRPr lang="en-US"/>
+            <a:endParaRPr lang="en-US" dirty="0"/>
           </a:p>
         </p:txBody>
       </p:sp>
@@ -1200,7 +1202,7 @@
           <a:bodyPr/>
           <a:lstStyle/>
           <a:p>
-            <a:endParaRPr lang="es-PE"/>
+            <a:endParaRPr lang="es-PE" dirty="0"/>
           </a:p>
         </p:txBody>
       </p:sp>
@@ -1224,7 +1226,7 @@
               <a:pPr/>
               <a:t>16</a:t>
             </a:fld>
-            <a:endParaRPr lang="en-US"/>
+            <a:endParaRPr lang="en-US" dirty="0"/>
           </a:p>
         </p:txBody>
       </p:sp>
@@ -1285,7 +1287,7 @@
           <a:bodyPr/>
           <a:lstStyle/>
           <a:p>
-            <a:endParaRPr lang="es-PE"/>
+            <a:endParaRPr lang="es-PE" dirty="0"/>
           </a:p>
         </p:txBody>
       </p:sp>
@@ -1309,7 +1311,7 @@
               <a:pPr/>
               <a:t>17</a:t>
             </a:fld>
-            <a:endParaRPr lang="en-US"/>
+            <a:endParaRPr lang="en-US" dirty="0"/>
           </a:p>
         </p:txBody>
       </p:sp>
@@ -1370,7 +1372,7 @@
           <a:bodyPr/>
           <a:lstStyle/>
           <a:p>
-            <a:endParaRPr lang="es-PE"/>
+            <a:endParaRPr lang="es-PE" dirty="0"/>
           </a:p>
         </p:txBody>
       </p:sp>
@@ -1394,7 +1396,7 @@
               <a:pPr/>
               <a:t>18</a:t>
             </a:fld>
-            <a:endParaRPr lang="en-US"/>
+            <a:endParaRPr lang="en-US" dirty="0"/>
           </a:p>
         </p:txBody>
       </p:sp>
@@ -1540,7 +1542,7 @@
           <a:bodyPr/>
           <a:lstStyle/>
           <a:p>
-            <a:endParaRPr lang="es-PE"/>
+            <a:endParaRPr lang="es-PE" dirty="0"/>
           </a:p>
         </p:txBody>
       </p:sp>
@@ -1564,7 +1566,7 @@
               <a:pPr/>
               <a:t>2</a:t>
             </a:fld>
-            <a:endParaRPr lang="en-US"/>
+            <a:endParaRPr lang="en-US" dirty="0"/>
           </a:p>
         </p:txBody>
       </p:sp>
@@ -1656,7 +1658,7 @@
     </p:spTree>
     <p:extLst>
       <p:ext uri="{BB962C8B-B14F-4D97-AF65-F5344CB8AC3E}">
-        <p14:creationId xmlns="" xmlns:p14="http://schemas.microsoft.com/office/powerpoint/2010/main" val="4248310929"/>
+        <p14:creationId xmlns="" xmlns:p14="http://schemas.microsoft.com/office/powerpoint/2010/main" val="3867640057"/>
       </p:ext>
     </p:extLst>
   </p:cSld>
@@ -1733,6 +1735,176 @@
               <a:rPr lang="en-US" smtClean="0"/>
               <a:pPr/>
               <a:t>21</a:t>
+            </a:fld>
+            <a:endParaRPr lang="en-US"/>
+          </a:p>
+        </p:txBody>
+      </p:sp>
+    </p:spTree>
+    <p:extLst>
+      <p:ext uri="{BB962C8B-B14F-4D97-AF65-F5344CB8AC3E}">
+        <p14:creationId xmlns="" xmlns:p14="http://schemas.microsoft.com/office/powerpoint/2010/main" val="3867640057"/>
+      </p:ext>
+    </p:extLst>
+  </p:cSld>
+  <p:clrMapOvr>
+    <a:masterClrMapping/>
+  </p:clrMapOvr>
+</p:notes>
+</file>
+
+<file path=ppt/notesSlides/notesSlide22.xml><?xml version="1.0" encoding="utf-8"?>
+<p:notes xmlns:a="http://schemas.openxmlformats.org/drawingml/2006/main" xmlns:r="http://schemas.openxmlformats.org/officeDocument/2006/relationships" xmlns:p="http://schemas.openxmlformats.org/presentationml/2006/main">
+  <p:cSld>
+    <p:spTree>
+      <p:nvGrpSpPr>
+        <p:cNvPr id="1" name=""/>
+        <p:cNvGrpSpPr/>
+        <p:nvPr/>
+      </p:nvGrpSpPr>
+      <p:grpSpPr>
+        <a:xfrm>
+          <a:off x="0" y="0"/>
+          <a:ext cx="0" cy="0"/>
+          <a:chOff x="0" y="0"/>
+          <a:chExt cx="0" cy="0"/>
+        </a:xfrm>
+      </p:grpSpPr>
+      <p:sp>
+        <p:nvSpPr>
+          <p:cNvPr id="2" name="1 Marcador de imagen de diapositiva"/>
+          <p:cNvSpPr>
+            <a:spLocks noGrp="1" noRot="1" noChangeAspect="1"/>
+          </p:cNvSpPr>
+          <p:nvPr>
+            <p:ph type="sldImg"/>
+          </p:nvPr>
+        </p:nvSpPr>
+        <p:spPr/>
+      </p:sp>
+      <p:sp>
+        <p:nvSpPr>
+          <p:cNvPr id="3" name="2 Marcador de notas"/>
+          <p:cNvSpPr>
+            <a:spLocks noGrp="1"/>
+          </p:cNvSpPr>
+          <p:nvPr>
+            <p:ph type="body" idx="1"/>
+          </p:nvPr>
+        </p:nvSpPr>
+        <p:spPr/>
+        <p:txBody>
+          <a:bodyPr/>
+          <a:lstStyle/>
+          <a:p>
+            <a:endParaRPr lang="es-PE"/>
+          </a:p>
+        </p:txBody>
+      </p:sp>
+      <p:sp>
+        <p:nvSpPr>
+          <p:cNvPr id="4" name="3 Marcador de número de diapositiva"/>
+          <p:cNvSpPr>
+            <a:spLocks noGrp="1"/>
+          </p:cNvSpPr>
+          <p:nvPr>
+            <p:ph type="sldNum" sz="quarter" idx="10"/>
+          </p:nvPr>
+        </p:nvSpPr>
+        <p:spPr/>
+        <p:txBody>
+          <a:bodyPr/>
+          <a:lstStyle/>
+          <a:p>
+            <a:fld id="{DDC57279-47F4-4862-837D-520E2032EA57}" type="slidenum">
+              <a:rPr lang="en-US" smtClean="0"/>
+              <a:pPr/>
+              <a:t>22</a:t>
+            </a:fld>
+            <a:endParaRPr lang="en-US"/>
+          </a:p>
+        </p:txBody>
+      </p:sp>
+    </p:spTree>
+    <p:extLst>
+      <p:ext uri="{BB962C8B-B14F-4D97-AF65-F5344CB8AC3E}">
+        <p14:creationId xmlns="" xmlns:p14="http://schemas.microsoft.com/office/powerpoint/2010/main" val="4248310929"/>
+      </p:ext>
+    </p:extLst>
+  </p:cSld>
+  <p:clrMapOvr>
+    <a:masterClrMapping/>
+  </p:clrMapOvr>
+</p:notes>
+</file>
+
+<file path=ppt/notesSlides/notesSlide23.xml><?xml version="1.0" encoding="utf-8"?>
+<p:notes xmlns:a="http://schemas.openxmlformats.org/drawingml/2006/main" xmlns:r="http://schemas.openxmlformats.org/officeDocument/2006/relationships" xmlns:p="http://schemas.openxmlformats.org/presentationml/2006/main">
+  <p:cSld>
+    <p:spTree>
+      <p:nvGrpSpPr>
+        <p:cNvPr id="1" name=""/>
+        <p:cNvGrpSpPr/>
+        <p:nvPr/>
+      </p:nvGrpSpPr>
+      <p:grpSpPr>
+        <a:xfrm>
+          <a:off x="0" y="0"/>
+          <a:ext cx="0" cy="0"/>
+          <a:chOff x="0" y="0"/>
+          <a:chExt cx="0" cy="0"/>
+        </a:xfrm>
+      </p:grpSpPr>
+      <p:sp>
+        <p:nvSpPr>
+          <p:cNvPr id="2" name="1 Marcador de imagen de diapositiva"/>
+          <p:cNvSpPr>
+            <a:spLocks noGrp="1" noRot="1" noChangeAspect="1"/>
+          </p:cNvSpPr>
+          <p:nvPr>
+            <p:ph type="sldImg"/>
+          </p:nvPr>
+        </p:nvSpPr>
+        <p:spPr/>
+      </p:sp>
+      <p:sp>
+        <p:nvSpPr>
+          <p:cNvPr id="3" name="2 Marcador de notas"/>
+          <p:cNvSpPr>
+            <a:spLocks noGrp="1"/>
+          </p:cNvSpPr>
+          <p:nvPr>
+            <p:ph type="body" idx="1"/>
+          </p:nvPr>
+        </p:nvSpPr>
+        <p:spPr/>
+        <p:txBody>
+          <a:bodyPr/>
+          <a:lstStyle/>
+          <a:p>
+            <a:endParaRPr lang="es-PE"/>
+          </a:p>
+        </p:txBody>
+      </p:sp>
+      <p:sp>
+        <p:nvSpPr>
+          <p:cNvPr id="4" name="3 Marcador de número de diapositiva"/>
+          <p:cNvSpPr>
+            <a:spLocks noGrp="1"/>
+          </p:cNvSpPr>
+          <p:nvPr>
+            <p:ph type="sldNum" sz="quarter" idx="10"/>
+          </p:nvPr>
+        </p:nvSpPr>
+        <p:spPr/>
+        <p:txBody>
+          <a:bodyPr/>
+          <a:lstStyle/>
+          <a:p>
+            <a:fld id="{DDC57279-47F4-4862-837D-520E2032EA57}" type="slidenum">
+              <a:rPr lang="en-US" smtClean="0"/>
+              <a:pPr/>
+              <a:t>23</a:t>
             </a:fld>
             <a:endParaRPr lang="en-US"/>
           </a:p>
@@ -1795,7 +1967,7 @@
           <a:bodyPr/>
           <a:lstStyle/>
           <a:p>
-            <a:endParaRPr lang="es-PE"/>
+            <a:endParaRPr lang="es-PE" dirty="0"/>
           </a:p>
         </p:txBody>
       </p:sp>
@@ -1819,7 +1991,7 @@
               <a:pPr/>
               <a:t>3</a:t>
             </a:fld>
-            <a:endParaRPr lang="en-US"/>
+            <a:endParaRPr lang="en-US" dirty="0"/>
           </a:p>
         </p:txBody>
       </p:sp>
@@ -1880,7 +2052,7 @@
           <a:bodyPr/>
           <a:lstStyle/>
           <a:p>
-            <a:endParaRPr lang="es-PE"/>
+            <a:endParaRPr lang="es-PE" dirty="0"/>
           </a:p>
         </p:txBody>
       </p:sp>
@@ -1904,7 +2076,7 @@
               <a:pPr/>
               <a:t>4</a:t>
             </a:fld>
-            <a:endParaRPr lang="en-US"/>
+            <a:endParaRPr lang="en-US" dirty="0"/>
           </a:p>
         </p:txBody>
       </p:sp>
@@ -1965,7 +2137,7 @@
           <a:bodyPr/>
           <a:lstStyle/>
           <a:p>
-            <a:endParaRPr lang="es-PE"/>
+            <a:endParaRPr lang="es-PE" dirty="0"/>
           </a:p>
         </p:txBody>
       </p:sp>
@@ -1989,7 +2161,7 @@
               <a:pPr/>
               <a:t>5</a:t>
             </a:fld>
-            <a:endParaRPr lang="en-US"/>
+            <a:endParaRPr lang="en-US" dirty="0"/>
           </a:p>
         </p:txBody>
       </p:sp>
@@ -2050,7 +2222,7 @@
           <a:bodyPr/>
           <a:lstStyle/>
           <a:p>
-            <a:endParaRPr lang="es-PE"/>
+            <a:endParaRPr lang="es-PE" dirty="0"/>
           </a:p>
         </p:txBody>
       </p:sp>
@@ -2074,7 +2246,7 @@
               <a:pPr/>
               <a:t>6</a:t>
             </a:fld>
-            <a:endParaRPr lang="en-US"/>
+            <a:endParaRPr lang="en-US" dirty="0"/>
           </a:p>
         </p:txBody>
       </p:sp>
@@ -2135,7 +2307,7 @@
           <a:bodyPr/>
           <a:lstStyle/>
           <a:p>
-            <a:endParaRPr lang="es-PE"/>
+            <a:endParaRPr lang="es-PE" dirty="0"/>
           </a:p>
         </p:txBody>
       </p:sp>
@@ -2159,7 +2331,7 @@
               <a:pPr/>
               <a:t>7</a:t>
             </a:fld>
-            <a:endParaRPr lang="en-US"/>
+            <a:endParaRPr lang="en-US" dirty="0"/>
           </a:p>
         </p:txBody>
       </p:sp>
@@ -2220,7 +2392,7 @@
           <a:bodyPr/>
           <a:lstStyle/>
           <a:p>
-            <a:endParaRPr lang="es-PE"/>
+            <a:endParaRPr lang="es-PE" dirty="0"/>
           </a:p>
         </p:txBody>
       </p:sp>
@@ -2244,7 +2416,7 @@
               <a:pPr/>
               <a:t>8</a:t>
             </a:fld>
-            <a:endParaRPr lang="en-US"/>
+            <a:endParaRPr lang="en-US" dirty="0"/>
           </a:p>
         </p:txBody>
       </p:sp>
@@ -2305,7 +2477,7 @@
           <a:bodyPr/>
           <a:lstStyle/>
           <a:p>
-            <a:endParaRPr lang="es-PE"/>
+            <a:endParaRPr lang="es-PE" dirty="0"/>
           </a:p>
         </p:txBody>
       </p:sp>
@@ -2329,7 +2501,7 @@
               <a:pPr/>
               <a:t>9</a:t>
             </a:fld>
-            <a:endParaRPr lang="en-US"/>
+            <a:endParaRPr lang="en-US" dirty="0"/>
           </a:p>
         </p:txBody>
       </p:sp>
@@ -2536,7 +2708,7 @@
             <a:fld id="{A5B4932B-C33C-584E-9877-A571BA3F4CA2}" type="datetimeFigureOut">
               <a:rPr lang="es-ES" smtClean="0"/>
               <a:pPr/>
-              <a:t>04/02/2019</a:t>
+              <a:t>14/02/2019</a:t>
             </a:fld>
             <a:endParaRPr lang="es-ES"/>
           </a:p>
@@ -2732,7 +2904,7 @@
             <a:fld id="{A5B4932B-C33C-584E-9877-A571BA3F4CA2}" type="datetimeFigureOut">
               <a:rPr lang="es-ES" smtClean="0"/>
               <a:pPr/>
-              <a:t>04/02/2019</a:t>
+              <a:t>14/02/2019</a:t>
             </a:fld>
             <a:endParaRPr lang="es-ES"/>
           </a:p>
@@ -2938,7 +3110,7 @@
             <a:fld id="{A5B4932B-C33C-584E-9877-A571BA3F4CA2}" type="datetimeFigureOut">
               <a:rPr lang="es-ES" smtClean="0"/>
               <a:pPr/>
-              <a:t>04/02/2019</a:t>
+              <a:t>14/02/2019</a:t>
             </a:fld>
             <a:endParaRPr lang="es-ES"/>
           </a:p>
@@ -3158,7 +3330,7 @@
             <a:fld id="{A5B4932B-C33C-584E-9877-A571BA3F4CA2}" type="datetimeFigureOut">
               <a:rPr lang="es-ES" smtClean="0"/>
               <a:pPr/>
-              <a:t>04/02/2019</a:t>
+              <a:t>14/02/2019</a:t>
             </a:fld>
             <a:endParaRPr lang="es-ES"/>
           </a:p>
@@ -3430,7 +3602,7 @@
             <a:fld id="{A5B4932B-C33C-584E-9877-A571BA3F4CA2}" type="datetimeFigureOut">
               <a:rPr lang="es-ES" smtClean="0"/>
               <a:pPr/>
-              <a:t>04/02/2019</a:t>
+              <a:t>14/02/2019</a:t>
             </a:fld>
             <a:endParaRPr lang="es-ES"/>
           </a:p>
@@ -3744,7 +3916,7 @@
             <a:fld id="{A5B4932B-C33C-584E-9877-A571BA3F4CA2}" type="datetimeFigureOut">
               <a:rPr lang="es-ES" smtClean="0"/>
               <a:pPr/>
-              <a:t>04/02/2019</a:t>
+              <a:t>14/02/2019</a:t>
             </a:fld>
             <a:endParaRPr lang="es-ES"/>
           </a:p>
@@ -4192,7 +4364,7 @@
             <a:fld id="{A5B4932B-C33C-584E-9877-A571BA3F4CA2}" type="datetimeFigureOut">
               <a:rPr lang="es-ES" smtClean="0"/>
               <a:pPr/>
-              <a:t>04/02/2019</a:t>
+              <a:t>14/02/2019</a:t>
             </a:fld>
             <a:endParaRPr lang="es-ES"/>
           </a:p>
@@ -4313,7 +4485,7 @@
             <a:fld id="{A5B4932B-C33C-584E-9877-A571BA3F4CA2}" type="datetimeFigureOut">
               <a:rPr lang="es-ES" smtClean="0"/>
               <a:pPr/>
-              <a:t>04/02/2019</a:t>
+              <a:t>14/02/2019</a:t>
             </a:fld>
             <a:endParaRPr lang="es-ES"/>
           </a:p>
@@ -4457,7 +4629,7 @@
             <a:fld id="{A5B4932B-C33C-584E-9877-A571BA3F4CA2}" type="datetimeFigureOut">
               <a:rPr lang="es-ES" smtClean="0"/>
               <a:pPr/>
-              <a:t>04/02/2019</a:t>
+              <a:t>14/02/2019</a:t>
             </a:fld>
             <a:endParaRPr lang="es-ES"/>
           </a:p>
@@ -4760,7 +4932,7 @@
             <a:fld id="{A5B4932B-C33C-584E-9877-A571BA3F4CA2}" type="datetimeFigureOut">
               <a:rPr lang="es-ES" smtClean="0"/>
               <a:pPr/>
-              <a:t>04/02/2019</a:t>
+              <a:t>14/02/2019</a:t>
             </a:fld>
             <a:endParaRPr lang="es-ES"/>
           </a:p>
@@ -5039,7 +5211,7 @@
             <a:fld id="{A5B4932B-C33C-584E-9877-A571BA3F4CA2}" type="datetimeFigureOut">
               <a:rPr lang="es-ES" smtClean="0"/>
               <a:pPr/>
-              <a:t>04/02/2019</a:t>
+              <a:t>14/02/2019</a:t>
             </a:fld>
             <a:endParaRPr lang="es-ES"/>
           </a:p>
@@ -5578,18 +5750,7 @@
                   </a:schemeClr>
                 </a:solidFill>
               </a:rPr>
-              <a:t>Desarrollo de Sistemas - </a:t>
-            </a:r>
-            <a:r>
-              <a:rPr lang="es-PE" sz="2400" dirty="0" smtClean="0">
-                <a:solidFill>
-                  <a:schemeClr val="tx1">
-                    <a:lumMod val="85000"/>
-                    <a:lumOff val="15000"/>
-                  </a:schemeClr>
-                </a:solidFill>
-              </a:rPr>
-              <a:t>Procesos</a:t>
+              <a:t>Desarrollo de Sistemas - Procesos</a:t>
             </a:r>
             <a:endParaRPr lang="es-ES" sz="2400" b="1" dirty="0">
               <a:solidFill>
@@ -5661,14 +5822,6 @@
               </a:rPr>
               <a:t>Febrero 2019</a:t>
             </a:r>
-            <a:endParaRPr lang="es-PE" sz="1800" dirty="0" smtClean="0">
-              <a:solidFill>
-                <a:schemeClr val="tx1">
-                  <a:lumMod val="75000"/>
-                  <a:lumOff val="25000"/>
-                </a:schemeClr>
-              </a:solidFill>
-            </a:endParaRPr>
           </a:p>
           <a:p>
             <a:pPr algn="l"/>
@@ -5732,153 +5885,247 @@
         </p:nvSpPr>
         <p:spPr/>
         <p:txBody>
+          <a:bodyPr/>
+          <a:lstStyle/>
+          <a:p>
+            <a:pPr lvl="0"/>
+            <a:r>
+              <a:rPr lang="es-PE" dirty="0" smtClean="0"/>
+              <a:t>Fácil de Modificar - ejemplo:</a:t>
+            </a:r>
+            <a:endParaRPr lang="es-ES" dirty="0" smtClean="0"/>
+          </a:p>
+        </p:txBody>
+      </p:sp>
+      <p:sp>
+        <p:nvSpPr>
+          <p:cNvPr id="5" name="4 Marcador de contenido"/>
+          <p:cNvSpPr>
+            <a:spLocks noGrp="1"/>
+          </p:cNvSpPr>
+          <p:nvPr>
+            <p:ph idx="1"/>
+          </p:nvPr>
+        </p:nvSpPr>
+        <p:spPr>
+          <a:xfrm>
+            <a:off x="801674" y="1534097"/>
+            <a:ext cx="8229600" cy="3636698"/>
+          </a:xfrm>
+        </p:spPr>
+        <p:txBody>
           <a:bodyPr>
             <a:normAutofit/>
           </a:bodyPr>
           <a:lstStyle/>
           <a:p>
             <a:pPr lvl="1"/>
-            <a:r>
-              <a:rPr lang="es-PE" sz="2000" b="1" kern="1200" dirty="0" smtClean="0">
-                <a:solidFill>
-                  <a:schemeClr val="bg1"/>
-                </a:solidFill>
-                <a:latin typeface="Arial"/>
-                <a:ea typeface="+mj-ea"/>
-                <a:cs typeface="Arial"/>
-              </a:rPr>
-              <a:t>Requisitos del MPN</a:t>
-            </a:r>
-            <a:endParaRPr lang="es-PE" sz="2000" b="1" kern="1200" dirty="0">
-              <a:solidFill>
-                <a:schemeClr val="bg1"/>
-              </a:solidFill>
-              <a:latin typeface="Arial"/>
-              <a:ea typeface="+mj-ea"/>
-              <a:cs typeface="Arial"/>
-            </a:endParaRPr>
-          </a:p>
-        </p:txBody>
-      </p:sp>
-      <p:sp>
-        <p:nvSpPr>
-          <p:cNvPr id="3" name="2 Marcador de contenido"/>
-          <p:cNvSpPr>
-            <a:spLocks noGrp="1"/>
-          </p:cNvSpPr>
-          <p:nvPr>
-            <p:ph idx="1"/>
-          </p:nvPr>
-        </p:nvSpPr>
-        <p:spPr/>
-        <p:txBody>
-          <a:bodyPr>
-            <a:normAutofit/>
-          </a:bodyPr>
-          <a:lstStyle/>
-          <a:p>
-            <a:pPr lvl="0"/>
-            <a:r>
-              <a:rPr lang="es-PE" dirty="0" smtClean="0"/>
-              <a:t>Historia de Usuario</a:t>
-            </a:r>
+            <a:endParaRPr lang="es-PE" dirty="0" smtClean="0"/>
+          </a:p>
+          <a:p>
+            <a:pPr lvl="1"/>
             <a:endParaRPr lang="es-ES" dirty="0" smtClean="0"/>
           </a:p>
           <a:p>
-            <a:pPr lvl="1"/>
-            <a:r>
-              <a:rPr lang="es-PE" dirty="0" smtClean="0"/>
-              <a:t>Modelo Propuesto, Diagrama de Actividades, Ficha de Determinación</a:t>
-            </a:r>
-          </a:p>
-          <a:p>
-            <a:pPr lvl="1"/>
+            <a:pPr>
+              <a:buNone/>
+            </a:pPr>
             <a:endParaRPr lang="es-ES" dirty="0" smtClean="0"/>
           </a:p>
-          <a:p>
-            <a:pPr lvl="0"/>
-            <a:r>
-              <a:rPr lang="es-PE" dirty="0" smtClean="0"/>
-              <a:t>Desarrollo Detallado  </a:t>
-            </a:r>
-            <a:r>
-              <a:rPr lang="es-PE" b="1" dirty="0" smtClean="0"/>
-              <a:t>( a Implementar)</a:t>
-            </a:r>
-            <a:endParaRPr lang="es-ES" dirty="0" smtClean="0"/>
-          </a:p>
-          <a:p>
-            <a:pPr lvl="1"/>
-            <a:r>
-              <a:rPr lang="es-PE" dirty="0" smtClean="0"/>
-              <a:t>Flujo de Actividad</a:t>
-            </a:r>
-            <a:endParaRPr lang="es-ES" dirty="0" smtClean="0"/>
-          </a:p>
-          <a:p>
-            <a:pPr lvl="1"/>
-            <a:r>
-              <a:rPr lang="es-PE" dirty="0" smtClean="0"/>
-              <a:t>Regla de Negocio</a:t>
-            </a:r>
-            <a:endParaRPr lang="es-ES" dirty="0" smtClean="0"/>
-          </a:p>
-          <a:p>
-            <a:pPr lvl="1"/>
-            <a:r>
-              <a:rPr lang="es-PE" dirty="0" smtClean="0"/>
-              <a:t>Formato Detallado</a:t>
-            </a:r>
-            <a:endParaRPr lang="es-ES" dirty="0" smtClean="0"/>
-          </a:p>
-          <a:p>
-            <a:pPr lvl="1"/>
-            <a:r>
-              <a:rPr lang="es-PE" dirty="0" smtClean="0"/>
-              <a:t>Características</a:t>
-            </a:r>
-            <a:r>
-              <a:rPr lang="es-PE" b="1" dirty="0" smtClean="0"/>
-              <a:t> </a:t>
-            </a:r>
-            <a:r>
-              <a:rPr lang="es-PE" dirty="0" smtClean="0"/>
-              <a:t>del Proceso </a:t>
-            </a:r>
-          </a:p>
-          <a:p>
-            <a:pPr lvl="1"/>
-            <a:endParaRPr lang="es-ES" dirty="0" smtClean="0"/>
-          </a:p>
-          <a:p>
-            <a:pPr lvl="0"/>
-            <a:r>
-              <a:rPr lang="es-PE" dirty="0" smtClean="0"/>
-              <a:t>Requerimientos Informáticos (RIN)</a:t>
-            </a:r>
-            <a:endParaRPr lang="es-ES" dirty="0" smtClean="0"/>
-          </a:p>
-          <a:p>
-            <a:pPr lvl="1"/>
-            <a:endParaRPr lang="es-PE" dirty="0" smtClean="0"/>
-          </a:p>
-          <a:p>
-            <a:pPr lvl="1"/>
-            <a:endParaRPr lang="es-PE" dirty="0" smtClean="0"/>
-          </a:p>
-          <a:p>
-            <a:pPr lvl="2"/>
-            <a:endParaRPr lang="es-PE" dirty="0" smtClean="0"/>
-          </a:p>
-          <a:p>
-            <a:pPr lvl="1"/>
-            <a:endParaRPr lang="es-PE" dirty="0" smtClean="0"/>
-          </a:p>
-          <a:p>
-            <a:endParaRPr lang="es-PE" dirty="0"/>
-          </a:p>
-        </p:txBody>
-      </p:sp>
+        </p:txBody>
+      </p:sp>
+      <p:pic>
+        <p:nvPicPr>
+          <p:cNvPr id="1030" name="Picture 6"/>
+          <p:cNvPicPr>
+            <a:picLocks noChangeAspect="1" noChangeArrowheads="1"/>
+          </p:cNvPicPr>
+          <p:nvPr/>
+        </p:nvPicPr>
+        <p:blipFill>
+          <a:blip r:embed="rId3"/>
+          <a:srcRect/>
+          <a:stretch>
+            <a:fillRect/>
+          </a:stretch>
+        </p:blipFill>
+        <p:spPr bwMode="auto">
+          <a:xfrm>
+            <a:off x="1684321" y="1391221"/>
+            <a:ext cx="5201298" cy="447103"/>
+          </a:xfrm>
+          <a:prstGeom prst="rect">
+            <a:avLst/>
+          </a:prstGeom>
+          <a:noFill/>
+          <a:ln w="9525">
+            <a:noFill/>
+            <a:miter lim="800000"/>
+            <a:headEnd/>
+            <a:tailEnd/>
+          </a:ln>
+        </p:spPr>
+      </p:pic>
+      <p:pic>
+        <p:nvPicPr>
+          <p:cNvPr id="1032" name="Picture 8"/>
+          <p:cNvPicPr>
+            <a:picLocks noChangeAspect="1" noChangeArrowheads="1"/>
+          </p:cNvPicPr>
+          <p:nvPr/>
+        </p:nvPicPr>
+        <p:blipFill>
+          <a:blip r:embed="rId4"/>
+          <a:srcRect/>
+          <a:stretch>
+            <a:fillRect/>
+          </a:stretch>
+        </p:blipFill>
+        <p:spPr bwMode="auto">
+          <a:xfrm>
+            <a:off x="1684321" y="1854652"/>
+            <a:ext cx="5534026" cy="1181233"/>
+          </a:xfrm>
+          <a:prstGeom prst="rect">
+            <a:avLst/>
+          </a:prstGeom>
+          <a:noFill/>
+          <a:ln w="9525">
+            <a:noFill/>
+            <a:miter lim="800000"/>
+            <a:headEnd/>
+            <a:tailEnd/>
+          </a:ln>
+        </p:spPr>
+      </p:pic>
+      <p:pic>
+        <p:nvPicPr>
+          <p:cNvPr id="1033" name="Picture 9"/>
+          <p:cNvPicPr>
+            <a:picLocks noChangeAspect="1" noChangeArrowheads="1"/>
+          </p:cNvPicPr>
+          <p:nvPr/>
+        </p:nvPicPr>
+        <p:blipFill>
+          <a:blip r:embed="rId5"/>
+          <a:srcRect/>
+          <a:stretch>
+            <a:fillRect/>
+          </a:stretch>
+        </p:blipFill>
+        <p:spPr bwMode="auto">
+          <a:xfrm>
+            <a:off x="1684321" y="3035884"/>
+            <a:ext cx="6059504" cy="678865"/>
+          </a:xfrm>
+          <a:prstGeom prst="rect">
+            <a:avLst/>
+          </a:prstGeom>
+          <a:noFill/>
+          <a:ln w="9525">
+            <a:noFill/>
+            <a:miter lim="800000"/>
+            <a:headEnd/>
+            <a:tailEnd/>
+          </a:ln>
+        </p:spPr>
+      </p:pic>
+      <p:pic>
+        <p:nvPicPr>
+          <p:cNvPr id="1034" name="Picture 10"/>
+          <p:cNvPicPr>
+            <a:picLocks noChangeAspect="1" noChangeArrowheads="1"/>
+          </p:cNvPicPr>
+          <p:nvPr/>
+        </p:nvPicPr>
+        <p:blipFill>
+          <a:blip r:embed="rId6"/>
+          <a:srcRect/>
+          <a:stretch>
+            <a:fillRect/>
+          </a:stretch>
+        </p:blipFill>
+        <p:spPr bwMode="auto">
+          <a:xfrm>
+            <a:off x="1684321" y="3952315"/>
+            <a:ext cx="3048001" cy="341704"/>
+          </a:xfrm>
+          <a:prstGeom prst="rect">
+            <a:avLst/>
+          </a:prstGeom>
+          <a:noFill/>
+          <a:ln w="9525">
+            <a:noFill/>
+            <a:miter lim="800000"/>
+            <a:headEnd/>
+            <a:tailEnd/>
+          </a:ln>
+        </p:spPr>
+      </p:pic>
+      <p:pic>
+        <p:nvPicPr>
+          <p:cNvPr id="1036" name="Picture 12"/>
+          <p:cNvPicPr>
+            <a:picLocks noChangeAspect="1" noChangeArrowheads="1"/>
+          </p:cNvPicPr>
+          <p:nvPr/>
+        </p:nvPicPr>
+        <p:blipFill>
+          <a:blip r:embed="rId7"/>
+          <a:srcRect/>
+          <a:stretch>
+            <a:fillRect/>
+          </a:stretch>
+        </p:blipFill>
+        <p:spPr bwMode="auto">
+          <a:xfrm>
+            <a:off x="1570022" y="4294019"/>
+            <a:ext cx="4175184" cy="533876"/>
+          </a:xfrm>
+          <a:prstGeom prst="rect">
+            <a:avLst/>
+          </a:prstGeom>
+          <a:noFill/>
+          <a:ln w="9525">
+            <a:noFill/>
+            <a:miter lim="800000"/>
+            <a:headEnd/>
+            <a:tailEnd/>
+          </a:ln>
+        </p:spPr>
+      </p:pic>
+      <p:pic>
+        <p:nvPicPr>
+          <p:cNvPr id="1037" name="Picture 13"/>
+          <p:cNvPicPr>
+            <a:picLocks noChangeAspect="1" noChangeArrowheads="1"/>
+          </p:cNvPicPr>
+          <p:nvPr/>
+        </p:nvPicPr>
+        <p:blipFill>
+          <a:blip r:embed="rId8"/>
+          <a:srcRect/>
+          <a:stretch>
+            <a:fillRect/>
+          </a:stretch>
+        </p:blipFill>
+        <p:spPr bwMode="auto">
+          <a:xfrm>
+            <a:off x="1655746" y="4773695"/>
+            <a:ext cx="3533776" cy="464291"/>
+          </a:xfrm>
+          <a:prstGeom prst="rect">
+            <a:avLst/>
+          </a:prstGeom>
+          <a:noFill/>
+          <a:ln w="9525">
+            <a:noFill/>
+            <a:miter lim="800000"/>
+            <a:headEnd/>
+            <a:tailEnd/>
+          </a:ln>
+        </p:spPr>
+      </p:pic>
     </p:spTree>
     <p:extLst>
       <p:ext uri="{BB962C8B-B14F-4D97-AF65-F5344CB8AC3E}">
@@ -5928,120 +6175,130 @@
         </p:nvSpPr>
         <p:spPr/>
         <p:txBody>
-          <a:bodyPr/>
-          <a:lstStyle/>
-          <a:p>
-            <a:r>
-              <a:rPr lang="es-ES" dirty="0" smtClean="0"/>
-              <a:t>MPN -  Desarrollo Detallado </a:t>
-            </a:r>
-            <a:endParaRPr lang="es-PE" dirty="0" smtClean="0"/>
-          </a:p>
-        </p:txBody>
-      </p:sp>
-      <p:sp>
-        <p:nvSpPr>
-          <p:cNvPr id="3" name="2 Marcador de contenido"/>
-          <p:cNvSpPr>
-            <a:spLocks noGrp="1"/>
-          </p:cNvSpPr>
-          <p:nvPr>
-            <p:ph idx="1"/>
-          </p:nvPr>
-        </p:nvSpPr>
-        <p:spPr/>
-        <p:txBody>
           <a:bodyPr>
             <a:normAutofit/>
           </a:bodyPr>
           <a:lstStyle/>
           <a:p>
-            <a:r>
-              <a:rPr lang="es-ES" dirty="0" smtClean="0"/>
-              <a:t>Objetivo.- Conocer la Actividad para </a:t>
-            </a:r>
-            <a:r>
-              <a:rPr lang="es-ES" dirty="0" smtClean="0"/>
-              <a:t>medirlo</a:t>
-            </a:r>
-          </a:p>
-          <a:p>
-            <a:r>
-              <a:rPr lang="es-ES" dirty="0" smtClean="0"/>
-              <a:t>Especificación </a:t>
-            </a:r>
-            <a:r>
-              <a:rPr lang="es-ES" dirty="0" smtClean="0"/>
-              <a:t>de la actividad </a:t>
+            <a:pPr lvl="1"/>
+            <a:r>
+              <a:rPr lang="es-PE" sz="2000" b="1" kern="1200" dirty="0" smtClean="0">
+                <a:solidFill>
+                  <a:schemeClr val="bg1"/>
+                </a:solidFill>
+                <a:latin typeface="Arial"/>
+                <a:ea typeface="+mj-ea"/>
+                <a:cs typeface="Arial"/>
+              </a:rPr>
+              <a:t>Requisitos del MPN</a:t>
+            </a:r>
+            <a:endParaRPr lang="es-PE" sz="2000" b="1" kern="1200" dirty="0">
+              <a:solidFill>
+                <a:schemeClr val="bg1"/>
+              </a:solidFill>
+              <a:latin typeface="Arial"/>
+              <a:ea typeface="+mj-ea"/>
+              <a:cs typeface="Arial"/>
+            </a:endParaRPr>
+          </a:p>
+        </p:txBody>
+      </p:sp>
+      <p:sp>
+        <p:nvSpPr>
+          <p:cNvPr id="3" name="2 Marcador de contenido"/>
+          <p:cNvSpPr>
+            <a:spLocks noGrp="1"/>
+          </p:cNvSpPr>
+          <p:nvPr>
+            <p:ph idx="1"/>
+          </p:nvPr>
+        </p:nvSpPr>
+        <p:spPr/>
+        <p:txBody>
+          <a:bodyPr>
+            <a:normAutofit/>
+          </a:bodyPr>
+          <a:lstStyle/>
+          <a:p>
+            <a:pPr lvl="0"/>
+            <a:r>
+              <a:rPr lang="es-PE" dirty="0" smtClean="0"/>
+              <a:t>Historia de Usuario</a:t>
             </a:r>
             <a:endParaRPr lang="es-ES" dirty="0" smtClean="0"/>
           </a:p>
           <a:p>
             <a:pPr lvl="1"/>
             <a:r>
-              <a:rPr lang="es-ES" dirty="0" smtClean="0"/>
-              <a:t>Única</a:t>
-            </a:r>
-          </a:p>
-          <a:p>
-            <a:pPr lvl="1"/>
-            <a:r>
-              <a:rPr lang="es-ES" dirty="0" smtClean="0"/>
-              <a:t>Correcta</a:t>
-            </a:r>
-          </a:p>
-          <a:p>
-            <a:pPr lvl="1"/>
-            <a:r>
-              <a:rPr lang="es-ES" dirty="0" smtClean="0"/>
-              <a:t>Completa</a:t>
-            </a:r>
-          </a:p>
-          <a:p>
-            <a:pPr lvl="1"/>
-            <a:r>
-              <a:rPr lang="es-ES" dirty="0" smtClean="0"/>
-              <a:t>Consistente</a:t>
-            </a:r>
-          </a:p>
-          <a:p>
-            <a:pPr lvl="1"/>
-            <a:r>
-              <a:rPr lang="es-ES" dirty="0" smtClean="0"/>
-              <a:t>Sin ambigüedad</a:t>
-            </a:r>
-          </a:p>
-          <a:p>
-            <a:pPr lvl="1"/>
-            <a:r>
-              <a:rPr lang="es-PE" dirty="0" smtClean="0"/>
-              <a:t>Probado</a:t>
-            </a:r>
+              <a:rPr lang="es-PE" dirty="0" smtClean="0"/>
+              <a:t>Modelo Propuesto, Diagrama de Actividades, Ficha de Determinación</a:t>
+            </a:r>
+          </a:p>
+          <a:p>
+            <a:pPr lvl="1"/>
             <a:endParaRPr lang="es-ES" dirty="0" smtClean="0"/>
           </a:p>
           <a:p>
-            <a:pPr lvl="1"/>
+            <a:pPr lvl="0"/>
+            <a:r>
+              <a:rPr lang="es-PE" dirty="0" smtClean="0"/>
+              <a:t>Desarrollo Detallado  </a:t>
+            </a:r>
+            <a:r>
+              <a:rPr lang="es-PE" b="1" dirty="0" smtClean="0"/>
+              <a:t>( a Implementar)</a:t>
+            </a:r>
             <a:endParaRPr lang="es-ES" dirty="0" smtClean="0"/>
           </a:p>
           <a:p>
-            <a:r>
-              <a:rPr lang="es-PE" dirty="0" smtClean="0"/>
-              <a:t>El </a:t>
-            </a:r>
-            <a:r>
-              <a:rPr lang="es-PE" dirty="0" smtClean="0"/>
-              <a:t>especialista </a:t>
-            </a:r>
-            <a:r>
-              <a:rPr lang="es-PE" dirty="0" smtClean="0"/>
-              <a:t>realiza el análisis detallado del proceso.</a:t>
-            </a:r>
-            <a:endParaRPr lang="es-PE" dirty="0" smtClean="0"/>
-          </a:p>
-          <a:p>
+            <a:pPr lvl="1"/>
+            <a:r>
+              <a:rPr lang="es-PE" dirty="0" smtClean="0"/>
+              <a:t>Flujo de Actividad</a:t>
+            </a:r>
             <a:endParaRPr lang="es-ES" dirty="0" smtClean="0"/>
           </a:p>
           <a:p>
+            <a:pPr lvl="1"/>
+            <a:r>
+              <a:rPr lang="es-PE" dirty="0" smtClean="0"/>
+              <a:t>Regla de Negocio</a:t>
+            </a:r>
+            <a:endParaRPr lang="es-ES" dirty="0" smtClean="0"/>
+          </a:p>
+          <a:p>
+            <a:pPr lvl="1"/>
+            <a:r>
+              <a:rPr lang="es-PE" dirty="0" smtClean="0"/>
+              <a:t>Formato Detallado</a:t>
+            </a:r>
+            <a:endParaRPr lang="es-ES" dirty="0" smtClean="0"/>
+          </a:p>
+          <a:p>
+            <a:pPr lvl="1"/>
+            <a:r>
+              <a:rPr lang="es-PE" dirty="0" smtClean="0"/>
+              <a:t>Características</a:t>
+            </a:r>
+            <a:r>
+              <a:rPr lang="es-PE" b="1" dirty="0" smtClean="0"/>
+              <a:t> </a:t>
+            </a:r>
+            <a:r>
+              <a:rPr lang="es-PE" dirty="0" smtClean="0"/>
+              <a:t>del Proceso </a:t>
+            </a:r>
+          </a:p>
+          <a:p>
+            <a:pPr lvl="1"/>
+            <a:endParaRPr lang="es-ES" dirty="0" smtClean="0"/>
+          </a:p>
+          <a:p>
+            <a:pPr lvl="0"/>
+            <a:r>
+              <a:rPr lang="es-PE" dirty="0" smtClean="0"/>
+              <a:t>Requerimientos Informáticos (RIN)</a:t>
+            </a:r>
             <a:endParaRPr lang="es-ES" dirty="0" smtClean="0"/>
           </a:p>
           <a:p>
@@ -6119,9 +6376,9 @@
           <a:p>
             <a:r>
               <a:rPr lang="es-ES" dirty="0" smtClean="0"/>
-              <a:t>MPN - Flujo de la actividad</a:t>
-            </a:r>
-            <a:endParaRPr lang="es-ES" dirty="0"/>
+              <a:t>MPN -  Desarrollo Detallado </a:t>
+            </a:r>
+            <a:endParaRPr lang="es-PE" dirty="0" smtClean="0"/>
           </a:p>
         </p:txBody>
       </p:sp>
@@ -6137,102 +6394,80 @@
         </p:nvSpPr>
         <p:spPr/>
         <p:txBody>
-          <a:bodyPr/>
-          <a:lstStyle/>
-          <a:p>
-            <a:r>
-              <a:rPr lang="es-PE" dirty="0" smtClean="0"/>
-              <a:t>Objetivo.- Conocer </a:t>
-            </a:r>
-            <a:r>
-              <a:rPr lang="es-PE" dirty="0" smtClean="0"/>
-              <a:t>el número y la secuencia de pasos de la </a:t>
-            </a:r>
-            <a:r>
-              <a:rPr lang="es-PE" dirty="0" smtClean="0"/>
-              <a:t>actividad en orden lógico. </a:t>
-            </a:r>
-            <a:endParaRPr lang="es-PE" dirty="0" smtClean="0"/>
-          </a:p>
-          <a:p>
-            <a:r>
-              <a:rPr lang="es-PE" dirty="0" smtClean="0"/>
-              <a:t>Secuencia </a:t>
-            </a:r>
-            <a:r>
-              <a:rPr lang="es-PE" dirty="0" smtClean="0"/>
-              <a:t>de </a:t>
-            </a:r>
-            <a:r>
-              <a:rPr lang="es-PE" dirty="0" smtClean="0"/>
-              <a:t>Pasos:</a:t>
-            </a:r>
-          </a:p>
-          <a:p>
-            <a:pPr lvl="1"/>
-            <a:r>
-              <a:rPr lang="es-PE" dirty="0" smtClean="0"/>
-              <a:t>Inicio </a:t>
-            </a:r>
-            <a:r>
-              <a:rPr lang="es-PE" dirty="0" smtClean="0"/>
-              <a:t>en el Paso 1</a:t>
-            </a:r>
-          </a:p>
-          <a:p>
-            <a:pPr lvl="1"/>
-            <a:r>
-              <a:rPr lang="es-PE" dirty="0" smtClean="0"/>
-              <a:t>El paso </a:t>
-            </a:r>
-            <a:r>
-              <a:rPr lang="es-PE" dirty="0" smtClean="0"/>
-              <a:t>sólo </a:t>
-            </a:r>
-            <a:r>
-              <a:rPr lang="es-PE" dirty="0" smtClean="0"/>
-              <a:t>describe su acción</a:t>
-            </a:r>
-          </a:p>
-          <a:p>
-            <a:pPr lvl="1"/>
-            <a:r>
-              <a:rPr lang="es-PE" dirty="0" smtClean="0"/>
-              <a:t>El Paso siguiente es consecuencia de la acción del Paso actual</a:t>
-            </a:r>
-          </a:p>
-          <a:p>
-            <a:pPr lvl="1"/>
-            <a:r>
-              <a:rPr lang="es-PE" dirty="0" smtClean="0"/>
-              <a:t>Fin en </a:t>
-            </a:r>
-            <a:r>
-              <a:rPr lang="es-PE" dirty="0" smtClean="0"/>
-              <a:t>el último Paso de la secuencia</a:t>
-            </a:r>
-          </a:p>
-          <a:p>
-            <a:endParaRPr lang="es-PE" dirty="0" smtClean="0"/>
-          </a:p>
-          <a:p>
-            <a:r>
-              <a:rPr lang="es-PE" dirty="0" smtClean="0"/>
-              <a:t>El especialista </a:t>
-            </a:r>
-            <a:r>
-              <a:rPr lang="es-PE" dirty="0" smtClean="0"/>
-              <a:t>prueba </a:t>
-            </a:r>
-            <a:r>
-              <a:rPr lang="es-PE" dirty="0" smtClean="0"/>
-              <a:t>que se </a:t>
-            </a:r>
-            <a:r>
-              <a:rPr lang="es-PE" dirty="0" smtClean="0"/>
-              <a:t>cumpla.</a:t>
-            </a:r>
-            <a:endParaRPr lang="es-PE" dirty="0" smtClean="0"/>
+          <a:bodyPr>
+            <a:normAutofit/>
+          </a:bodyPr>
+          <a:lstStyle/>
+          <a:p>
+            <a:r>
+              <a:rPr lang="es-ES" dirty="0" smtClean="0"/>
+              <a:t>Objetivo.- Conocer la Actividad para medirlo</a:t>
+            </a:r>
+          </a:p>
+          <a:p>
+            <a:r>
+              <a:rPr lang="es-ES" dirty="0" smtClean="0"/>
+              <a:t>Especificación de la actividad </a:t>
+            </a:r>
+          </a:p>
+          <a:p>
+            <a:pPr lvl="1"/>
+            <a:r>
+              <a:rPr lang="es-ES" dirty="0" smtClean="0"/>
+              <a:t>Única</a:t>
+            </a:r>
+          </a:p>
+          <a:p>
+            <a:pPr lvl="1"/>
+            <a:r>
+              <a:rPr lang="es-ES" dirty="0" smtClean="0"/>
+              <a:t>Correcta</a:t>
+            </a:r>
+          </a:p>
+          <a:p>
+            <a:pPr lvl="1"/>
+            <a:r>
+              <a:rPr lang="es-ES" dirty="0" smtClean="0"/>
+              <a:t>Completa</a:t>
+            </a:r>
+          </a:p>
+          <a:p>
+            <a:pPr lvl="1"/>
+            <a:r>
+              <a:rPr lang="es-ES" dirty="0" smtClean="0"/>
+              <a:t>Consistente</a:t>
+            </a:r>
+          </a:p>
+          <a:p>
+            <a:pPr lvl="1"/>
+            <a:r>
+              <a:rPr lang="es-ES" dirty="0" smtClean="0"/>
+              <a:t>Sin ambigüedad</a:t>
+            </a:r>
+          </a:p>
+          <a:p>
+            <a:pPr lvl="1"/>
+            <a:r>
+              <a:rPr lang="es-PE" dirty="0" smtClean="0"/>
+              <a:t>Probado</a:t>
+            </a:r>
+            <a:endParaRPr lang="es-ES" dirty="0" smtClean="0"/>
+          </a:p>
+          <a:p>
+            <a:pPr lvl="1"/>
+            <a:endParaRPr lang="es-ES" dirty="0" smtClean="0"/>
+          </a:p>
+          <a:p>
+            <a:r>
+              <a:rPr lang="es-PE" dirty="0" smtClean="0"/>
+              <a:t>El especialista realiza el análisis detallado del proceso.</a:t>
+            </a:r>
+          </a:p>
+          <a:p>
+            <a:endParaRPr lang="es-ES" dirty="0" smtClean="0"/>
+          </a:p>
+          <a:p>
+            <a:endParaRPr lang="es-ES" dirty="0" smtClean="0"/>
           </a:p>
           <a:p>
             <a:pPr lvl="1"/>
@@ -6309,11 +6544,7 @@
           <a:p>
             <a:r>
               <a:rPr lang="es-ES" dirty="0" smtClean="0"/>
-              <a:t>MPN - Flujo de la </a:t>
-            </a:r>
-            <a:r>
-              <a:rPr lang="es-ES" dirty="0" smtClean="0"/>
-              <a:t>actividad - ejemplo</a:t>
+              <a:t>MPN - Flujo de la actividad</a:t>
             </a:r>
             <a:endParaRPr lang="es-ES" dirty="0"/>
           </a:p>
@@ -6333,6 +6564,55 @@
         <p:txBody>
           <a:bodyPr/>
           <a:lstStyle/>
+          <a:p>
+            <a:r>
+              <a:rPr lang="es-PE" dirty="0" smtClean="0"/>
+              <a:t>Objetivo.- Conocer el número y la secuencia de pasos de la actividad en orden lógico. </a:t>
+            </a:r>
+          </a:p>
+          <a:p>
+            <a:r>
+              <a:rPr lang="es-PE" dirty="0" smtClean="0"/>
+              <a:t>Secuencia de Pasos:</a:t>
+            </a:r>
+          </a:p>
+          <a:p>
+            <a:pPr lvl="1"/>
+            <a:r>
+              <a:rPr lang="es-PE" dirty="0" smtClean="0"/>
+              <a:t>Inicio en el Paso 1</a:t>
+            </a:r>
+          </a:p>
+          <a:p>
+            <a:pPr lvl="1"/>
+            <a:r>
+              <a:rPr lang="es-PE" dirty="0" smtClean="0"/>
+              <a:t>El paso sólo describe su acción</a:t>
+            </a:r>
+          </a:p>
+          <a:p>
+            <a:pPr lvl="1"/>
+            <a:r>
+              <a:rPr lang="es-PE" dirty="0" smtClean="0"/>
+              <a:t>El Paso siguiente es consecuencia de la acción del Paso actual</a:t>
+            </a:r>
+          </a:p>
+          <a:p>
+            <a:pPr lvl="1"/>
+            <a:r>
+              <a:rPr lang="es-PE" dirty="0" smtClean="0"/>
+              <a:t>Fin en el último Paso de la secuencia</a:t>
+            </a:r>
+          </a:p>
+          <a:p>
+            <a:endParaRPr lang="es-PE" dirty="0" smtClean="0"/>
+          </a:p>
+          <a:p>
+            <a:r>
+              <a:rPr lang="es-PE" dirty="0" smtClean="0"/>
+              <a:t>El especialista prueba que se cumpla.</a:t>
+            </a:r>
+          </a:p>
           <a:p>
             <a:pPr lvl="1"/>
             <a:endParaRPr lang="es-PE" dirty="0" smtClean="0"/>
@@ -6351,383 +6631,6 @@
           </a:p>
           <a:p>
             <a:endParaRPr lang="es-PE" dirty="0"/>
-          </a:p>
-        </p:txBody>
-      </p:sp>
-      <p:sp>
-        <p:nvSpPr>
-          <p:cNvPr id="4" name="3 Rectángulo"/>
-          <p:cNvSpPr/>
-          <p:nvPr/>
-        </p:nvSpPr>
-        <p:spPr>
-          <a:xfrm>
-            <a:off x="846428" y="2546189"/>
-            <a:ext cx="7840372" cy="2585323"/>
-          </a:xfrm>
-          <a:prstGeom prst="rect">
-            <a:avLst/>
-          </a:prstGeom>
-        </p:spPr>
-        <p:txBody>
-          <a:bodyPr wrap="square">
-            <a:spAutoFit/>
-          </a:bodyPr>
-          <a:lstStyle/>
-          <a:p>
-            <a:pPr marL="342900" lvl="0" indent="-342900">
-              <a:buFont typeface="+mj-lt"/>
-              <a:buAutoNum type="arabicPeriod"/>
-            </a:pPr>
-            <a:r>
-              <a:rPr lang="es-ES" dirty="0" smtClean="0"/>
-              <a:t>El ahorrista se presenta al cajero automático</a:t>
-            </a:r>
-          </a:p>
-          <a:p>
-            <a:pPr marL="342900" lvl="0" indent="-342900">
-              <a:buFont typeface="+mj-lt"/>
-              <a:buAutoNum type="arabicPeriod"/>
-            </a:pPr>
-            <a:r>
-              <a:rPr lang="es-ES" dirty="0" smtClean="0"/>
-              <a:t>El cajero solicita "ingrese número de cuenta y clave de usuario"</a:t>
-            </a:r>
-          </a:p>
-          <a:p>
-            <a:pPr marL="342900" lvl="0" indent="-342900">
-              <a:buFont typeface="+mj-lt"/>
-              <a:buAutoNum type="arabicPeriod"/>
-            </a:pPr>
-            <a:r>
-              <a:rPr lang="es-ES" dirty="0" smtClean="0"/>
-              <a:t>El ahorrista ingresa un número de cuenta y la clave de usuario</a:t>
-            </a:r>
-          </a:p>
-          <a:p>
-            <a:pPr marL="342900" lvl="0" indent="-342900">
-              <a:buFont typeface="+mj-lt"/>
-              <a:buAutoNum type="arabicPeriod"/>
-            </a:pPr>
-            <a:r>
-              <a:rPr lang="es-ES" dirty="0" smtClean="0"/>
-              <a:t>El cajero muestra las opciones y solicita "seleccione atención a realizar"</a:t>
-            </a:r>
-          </a:p>
-          <a:p>
-            <a:pPr marL="342900" lvl="0" indent="-342900">
-              <a:buFont typeface="+mj-lt"/>
-              <a:buAutoNum type="arabicPeriod"/>
-            </a:pPr>
-            <a:r>
-              <a:rPr lang="es-ES" dirty="0" smtClean="0"/>
-              <a:t>El ahorrista selecciona la opción "retiro de cuenta" </a:t>
-            </a:r>
-          </a:p>
-          <a:p>
-            <a:pPr marL="342900" lvl="0" indent="-342900">
-              <a:buFont typeface="+mj-lt"/>
-              <a:buAutoNum type="arabicPeriod"/>
-            </a:pPr>
-            <a:r>
-              <a:rPr lang="es-ES" dirty="0" smtClean="0"/>
-              <a:t>El cajero solicita "ingrese cantidad a retirar"</a:t>
-            </a:r>
-          </a:p>
-          <a:p>
-            <a:pPr marL="342900" lvl="0" indent="-342900">
-              <a:buFont typeface="+mj-lt"/>
-              <a:buAutoNum type="arabicPeriod"/>
-            </a:pPr>
-            <a:r>
-              <a:rPr lang="es-ES" dirty="0" smtClean="0"/>
-              <a:t>El ahorrista ingresa la cantidad a retirar </a:t>
-            </a:r>
-          </a:p>
-          <a:p>
-            <a:pPr marL="342900" lvl="0" indent="-342900">
-              <a:buFont typeface="+mj-lt"/>
-              <a:buAutoNum type="arabicPeriod"/>
-            </a:pPr>
-            <a:r>
-              <a:rPr lang="es-ES" dirty="0" smtClean="0"/>
-              <a:t>El cajero entrega el dinero y la boleta,</a:t>
-            </a:r>
-          </a:p>
-          <a:p>
-            <a:pPr marL="342900" lvl="0" indent="-342900">
-              <a:buFont typeface="+mj-lt"/>
-              <a:buAutoNum type="arabicPeriod"/>
-            </a:pPr>
-            <a:r>
-              <a:rPr lang="es-ES" dirty="0" smtClean="0"/>
-              <a:t>El cajero responde "retire su dinero y boleta, hasta luego"</a:t>
-            </a:r>
-            <a:endParaRPr lang="es-ES" dirty="0"/>
-          </a:p>
-        </p:txBody>
-      </p:sp>
-      <p:sp>
-        <p:nvSpPr>
-          <p:cNvPr id="5" name="4 Marcador de contenido"/>
-          <p:cNvSpPr txBox="1">
-            <a:spLocks/>
-          </p:cNvSpPr>
-          <p:nvPr/>
-        </p:nvSpPr>
-        <p:spPr>
-          <a:xfrm>
-            <a:off x="609600" y="1349298"/>
-            <a:ext cx="8229600" cy="3934614"/>
-          </a:xfrm>
-          <a:prstGeom prst="rect">
-            <a:avLst/>
-          </a:prstGeom>
-        </p:spPr>
-        <p:txBody>
-          <a:bodyPr vert="horz" lIns="91440" tIns="45720" rIns="91440" bIns="45720" rtlCol="0">
-            <a:normAutofit/>
-          </a:bodyPr>
-          <a:lstStyle/>
-          <a:p>
-            <a:pPr marL="0" marR="0" lvl="0" indent="0" algn="l" defTabSz="457200" rtl="0" eaLnBrk="1" fontAlgn="auto" latinLnBrk="0" hangingPunct="1">
-              <a:lnSpc>
-                <a:spcPct val="100000"/>
-              </a:lnSpc>
-              <a:spcBef>
-                <a:spcPts val="0"/>
-              </a:spcBef>
-              <a:spcAft>
-                <a:spcPts val="1200"/>
-              </a:spcAft>
-              <a:buClr>
-                <a:srgbClr val="00B0F0"/>
-              </a:buClr>
-              <a:buSzPct val="120000"/>
-              <a:buFont typeface="Webdings" pitchFamily="18" charset="2"/>
-              <a:buChar char="4"/>
-              <a:tabLst/>
-              <a:defRPr/>
-            </a:pPr>
-            <a:r>
-              <a:rPr kumimoji="0" lang="es-PE" sz="1600" b="0" i="0" u="none" strike="noStrike" kern="1200" cap="none" spc="0" normalizeH="0" baseline="0" noProof="0" dirty="0" smtClean="0">
-                <a:ln>
-                  <a:noFill/>
-                </a:ln>
-                <a:solidFill>
-                  <a:schemeClr val="tx1"/>
-                </a:solidFill>
-                <a:effectLst/>
-                <a:uLnTx/>
-                <a:uFillTx/>
-                <a:latin typeface="Arial"/>
-                <a:ea typeface="+mn-ea"/>
-                <a:cs typeface="Arial"/>
-              </a:rPr>
-              <a:t>Obtener el Caso de éxito principal de</a:t>
-            </a:r>
-            <a:r>
-              <a:rPr kumimoji="0" lang="es-PE" sz="1600" b="0" i="0" u="none" strike="noStrike" kern="1200" cap="none" spc="0" normalizeH="0" noProof="0" dirty="0" smtClean="0">
-                <a:ln>
-                  <a:noFill/>
-                </a:ln>
-                <a:solidFill>
-                  <a:schemeClr val="tx1"/>
-                </a:solidFill>
-                <a:effectLst/>
-                <a:uLnTx/>
-                <a:uFillTx/>
-                <a:latin typeface="Arial"/>
-                <a:ea typeface="+mn-ea"/>
-                <a:cs typeface="Arial"/>
-              </a:rPr>
-              <a:t> la actividad </a:t>
-            </a:r>
-          </a:p>
-          <a:p>
-            <a:pPr marL="0" marR="0" lvl="0" indent="0" algn="l" defTabSz="457200" rtl="0" eaLnBrk="1" fontAlgn="auto" latinLnBrk="0" hangingPunct="1">
-              <a:lnSpc>
-                <a:spcPct val="100000"/>
-              </a:lnSpc>
-              <a:spcBef>
-                <a:spcPts val="0"/>
-              </a:spcBef>
-              <a:spcAft>
-                <a:spcPts val="1200"/>
-              </a:spcAft>
-              <a:buClr>
-                <a:srgbClr val="00B0F0"/>
-              </a:buClr>
-              <a:buSzPct val="120000"/>
-              <a:buFont typeface="Webdings" pitchFamily="18" charset="2"/>
-              <a:buChar char="4"/>
-              <a:tabLst/>
-              <a:defRPr/>
-            </a:pPr>
-            <a:r>
-              <a:rPr kumimoji="0" lang="es-PE" sz="1600" b="0" i="0" u="none" strike="noStrike" kern="1200" cap="none" spc="0" normalizeH="0" baseline="0" noProof="0" dirty="0" smtClean="0">
-                <a:ln>
-                  <a:noFill/>
-                </a:ln>
-                <a:solidFill>
-                  <a:schemeClr val="tx1"/>
-                </a:solidFill>
-                <a:effectLst/>
-                <a:uLnTx/>
-                <a:uFillTx/>
-                <a:latin typeface="Arial"/>
-                <a:ea typeface="+mn-ea"/>
-                <a:cs typeface="Arial"/>
-              </a:rPr>
-              <a:t>Obtener los Casos alternativos al principal</a:t>
-            </a:r>
-          </a:p>
-          <a:p>
-            <a:pPr marL="0" marR="0" lvl="0" indent="0" algn="l" defTabSz="457200" rtl="0" eaLnBrk="1" fontAlgn="auto" latinLnBrk="0" hangingPunct="1">
-              <a:lnSpc>
-                <a:spcPct val="100000"/>
-              </a:lnSpc>
-              <a:spcBef>
-                <a:spcPts val="0"/>
-              </a:spcBef>
-              <a:spcAft>
-                <a:spcPts val="1200"/>
-              </a:spcAft>
-              <a:buClr>
-                <a:srgbClr val="00B0F0"/>
-              </a:buClr>
-              <a:buSzPct val="120000"/>
-              <a:buFont typeface="Webdings" pitchFamily="18" charset="2"/>
-              <a:buChar char="4"/>
-              <a:tabLst/>
-              <a:defRPr/>
-            </a:pPr>
-            <a:r>
-              <a:rPr lang="es-PE" sz="1600" dirty="0" smtClean="0">
-                <a:latin typeface="Arial"/>
-                <a:cs typeface="Arial"/>
-              </a:rPr>
-              <a:t>Caso Principal opción “Retiro de dinero de Cajero Automático”.</a:t>
-            </a:r>
-            <a:endParaRPr kumimoji="0" lang="es-PE" sz="1600" b="0" i="0" u="none" strike="noStrike" kern="1200" cap="none" spc="0" normalizeH="0" baseline="0" noProof="0" dirty="0" smtClean="0">
-              <a:ln>
-                <a:noFill/>
-              </a:ln>
-              <a:solidFill>
-                <a:schemeClr val="tx1"/>
-              </a:solidFill>
-              <a:effectLst/>
-              <a:uLnTx/>
-              <a:uFillTx/>
-              <a:latin typeface="Arial"/>
-              <a:ea typeface="+mn-ea"/>
-              <a:cs typeface="Arial"/>
-            </a:endParaRPr>
-          </a:p>
-          <a:p>
-            <a:pPr marL="447675" marR="0" lvl="1" indent="-174625" algn="l" defTabSz="457200" rtl="0" eaLnBrk="1" fontAlgn="auto" latinLnBrk="0" hangingPunct="1">
-              <a:lnSpc>
-                <a:spcPct val="100000"/>
-              </a:lnSpc>
-              <a:spcBef>
-                <a:spcPct val="20000"/>
-              </a:spcBef>
-              <a:spcAft>
-                <a:spcPts val="0"/>
-              </a:spcAft>
-              <a:buClr>
-                <a:srgbClr val="00B0F0"/>
-              </a:buClr>
-              <a:buSzPct val="90000"/>
-              <a:buFont typeface="Arial" pitchFamily="34" charset="0"/>
-              <a:buChar char="●"/>
-              <a:tabLst/>
-              <a:defRPr/>
-            </a:pPr>
-            <a:endParaRPr kumimoji="0" lang="es-PE" sz="1600" b="0" i="0" u="none" strike="noStrike" kern="1200" cap="none" spc="0" normalizeH="0" baseline="0" noProof="0" dirty="0" smtClean="0">
-              <a:ln>
-                <a:noFill/>
-              </a:ln>
-              <a:solidFill>
-                <a:schemeClr val="tx1"/>
-              </a:solidFill>
-              <a:effectLst/>
-              <a:uLnTx/>
-              <a:uFillTx/>
-              <a:latin typeface="Arial"/>
-              <a:ea typeface="+mn-ea"/>
-              <a:cs typeface="Arial"/>
-            </a:endParaRPr>
-          </a:p>
-          <a:p>
-            <a:pPr marL="447675" marR="0" lvl="1" indent="-174625" algn="l" defTabSz="457200" rtl="0" eaLnBrk="1" fontAlgn="auto" latinLnBrk="0" hangingPunct="1">
-              <a:lnSpc>
-                <a:spcPct val="100000"/>
-              </a:lnSpc>
-              <a:spcBef>
-                <a:spcPct val="20000"/>
-              </a:spcBef>
-              <a:spcAft>
-                <a:spcPts val="0"/>
-              </a:spcAft>
-              <a:buClr>
-                <a:srgbClr val="00B0F0"/>
-              </a:buClr>
-              <a:buSzPct val="90000"/>
-              <a:buFont typeface="Arial" pitchFamily="34" charset="0"/>
-              <a:buChar char="●"/>
-              <a:tabLst/>
-              <a:defRPr/>
-            </a:pPr>
-            <a:endParaRPr kumimoji="0" lang="es-ES" sz="1600" b="0" i="0" u="none" strike="noStrike" kern="1200" cap="none" spc="0" normalizeH="0" baseline="0" noProof="0" dirty="0" smtClean="0">
-              <a:ln>
-                <a:noFill/>
-              </a:ln>
-              <a:solidFill>
-                <a:schemeClr val="tx1"/>
-              </a:solidFill>
-              <a:effectLst/>
-              <a:uLnTx/>
-              <a:uFillTx/>
-              <a:latin typeface="Arial"/>
-              <a:ea typeface="+mn-ea"/>
-              <a:cs typeface="Arial"/>
-            </a:endParaRPr>
-          </a:p>
-          <a:p>
-            <a:pPr marL="0" marR="0" lvl="0" indent="0" algn="l" defTabSz="457200" rtl="0" eaLnBrk="1" fontAlgn="auto" latinLnBrk="0" hangingPunct="1">
-              <a:lnSpc>
-                <a:spcPct val="100000"/>
-              </a:lnSpc>
-              <a:spcBef>
-                <a:spcPts val="0"/>
-              </a:spcBef>
-              <a:spcAft>
-                <a:spcPts val="1200"/>
-              </a:spcAft>
-              <a:buClr>
-                <a:srgbClr val="00B0F0"/>
-              </a:buClr>
-              <a:buSzPct val="120000"/>
-              <a:buFont typeface="Webdings" pitchFamily="18" charset="2"/>
-              <a:buNone/>
-              <a:tabLst/>
-              <a:defRPr/>
-            </a:pPr>
-            <a:endParaRPr kumimoji="0" lang="es-ES" sz="1600" b="0" i="0" u="none" strike="noStrike" kern="1200" cap="none" spc="0" normalizeH="0" baseline="0" noProof="0" dirty="0" smtClean="0">
-              <a:ln>
-                <a:noFill/>
-              </a:ln>
-              <a:solidFill>
-                <a:schemeClr val="tx1"/>
-              </a:solidFill>
-              <a:effectLst/>
-              <a:uLnTx/>
-              <a:uFillTx/>
-              <a:latin typeface="Arial"/>
-              <a:ea typeface="+mn-ea"/>
-              <a:cs typeface="Arial"/>
-            </a:endParaRPr>
           </a:p>
         </p:txBody>
       </p:sp>
@@ -6785,9 +6688,9 @@
           <a:p>
             <a:r>
               <a:rPr lang="es-ES" dirty="0" smtClean="0"/>
-              <a:t>MPN - La Regla de Negocio</a:t>
-            </a:r>
-            <a:endParaRPr lang="es-PE" dirty="0" smtClean="0"/>
+              <a:t>MPN - Flujo de la actividad - ejemplo</a:t>
+            </a:r>
+            <a:endParaRPr lang="es-ES" dirty="0"/>
           </a:p>
         </p:txBody>
       </p:sp>
@@ -6805,42 +6708,6 @@
         <p:txBody>
           <a:bodyPr/>
           <a:lstStyle/>
-          <a:p>
-            <a:r>
-              <a:rPr lang="es-PE" dirty="0" smtClean="0"/>
-              <a:t>Condición a cumplir por el proceso</a:t>
-            </a:r>
-          </a:p>
-          <a:p>
-            <a:r>
-              <a:rPr lang="es-PE" dirty="0" smtClean="0"/>
-              <a:t>Único y propio de un Proceso</a:t>
-            </a:r>
-          </a:p>
-          <a:p>
-            <a:r>
-              <a:rPr lang="es-PE" dirty="0" smtClean="0"/>
-              <a:t>Especifico para cada caso de aplicación.</a:t>
-            </a:r>
-          </a:p>
-          <a:p>
-            <a:r>
-              <a:rPr lang="es-PE" dirty="0" smtClean="0"/>
-              <a:t>Consistente ante reglas similares y contradictorias</a:t>
-            </a:r>
-          </a:p>
-          <a:p>
-            <a:r>
-              <a:rPr lang="es-PE" dirty="0" smtClean="0"/>
-              <a:t>Probado en todos sus casos</a:t>
-            </a:r>
-          </a:p>
-          <a:p>
-            <a:endParaRPr lang="es-PE" dirty="0" smtClean="0"/>
-          </a:p>
-          <a:p>
-            <a:endParaRPr lang="es-PE" dirty="0" smtClean="0"/>
-          </a:p>
           <a:p>
             <a:pPr lvl="1"/>
             <a:endParaRPr lang="es-PE" dirty="0" smtClean="0"/>
@@ -6859,6 +6726,383 @@
           </a:p>
           <a:p>
             <a:endParaRPr lang="es-PE" dirty="0"/>
+          </a:p>
+        </p:txBody>
+      </p:sp>
+      <p:sp>
+        <p:nvSpPr>
+          <p:cNvPr id="4" name="3 Rectángulo"/>
+          <p:cNvSpPr/>
+          <p:nvPr/>
+        </p:nvSpPr>
+        <p:spPr>
+          <a:xfrm>
+            <a:off x="846428" y="2546189"/>
+            <a:ext cx="7840372" cy="2585323"/>
+          </a:xfrm>
+          <a:prstGeom prst="rect">
+            <a:avLst/>
+          </a:prstGeom>
+        </p:spPr>
+        <p:txBody>
+          <a:bodyPr wrap="square">
+            <a:spAutoFit/>
+          </a:bodyPr>
+          <a:lstStyle/>
+          <a:p>
+            <a:pPr marL="342900" lvl="0" indent="-342900">
+              <a:buFont typeface="+mj-lt"/>
+              <a:buAutoNum type="arabicPeriod"/>
+            </a:pPr>
+            <a:r>
+              <a:rPr lang="es-ES" dirty="0" smtClean="0"/>
+              <a:t>El ahorrista se presenta al cajero automático</a:t>
+            </a:r>
+          </a:p>
+          <a:p>
+            <a:pPr marL="342900" lvl="0" indent="-342900">
+              <a:buFont typeface="+mj-lt"/>
+              <a:buAutoNum type="arabicPeriod"/>
+            </a:pPr>
+            <a:r>
+              <a:rPr lang="es-ES" dirty="0" smtClean="0"/>
+              <a:t>El cajero solicita "ingrese número de cuenta y clave de usuario"</a:t>
+            </a:r>
+          </a:p>
+          <a:p>
+            <a:pPr marL="342900" lvl="0" indent="-342900">
+              <a:buFont typeface="+mj-lt"/>
+              <a:buAutoNum type="arabicPeriod"/>
+            </a:pPr>
+            <a:r>
+              <a:rPr lang="es-ES" dirty="0" smtClean="0"/>
+              <a:t>El ahorrista ingresa un número de cuenta y la clave de usuario</a:t>
+            </a:r>
+          </a:p>
+          <a:p>
+            <a:pPr marL="342900" lvl="0" indent="-342900">
+              <a:buFont typeface="+mj-lt"/>
+              <a:buAutoNum type="arabicPeriod"/>
+            </a:pPr>
+            <a:r>
+              <a:rPr lang="es-ES" dirty="0" smtClean="0"/>
+              <a:t>El cajero muestra las opciones y solicita "seleccione atención a realizar"</a:t>
+            </a:r>
+          </a:p>
+          <a:p>
+            <a:pPr marL="342900" lvl="0" indent="-342900">
+              <a:buFont typeface="+mj-lt"/>
+              <a:buAutoNum type="arabicPeriod"/>
+            </a:pPr>
+            <a:r>
+              <a:rPr lang="es-ES" dirty="0" smtClean="0"/>
+              <a:t>El ahorrista selecciona la opción "retiro de cuenta" </a:t>
+            </a:r>
+          </a:p>
+          <a:p>
+            <a:pPr marL="342900" lvl="0" indent="-342900">
+              <a:buFont typeface="+mj-lt"/>
+              <a:buAutoNum type="arabicPeriod"/>
+            </a:pPr>
+            <a:r>
+              <a:rPr lang="es-ES" dirty="0" smtClean="0"/>
+              <a:t>El cajero solicita "ingrese cantidad a retirar"</a:t>
+            </a:r>
+          </a:p>
+          <a:p>
+            <a:pPr marL="342900" lvl="0" indent="-342900">
+              <a:buFont typeface="+mj-lt"/>
+              <a:buAutoNum type="arabicPeriod"/>
+            </a:pPr>
+            <a:r>
+              <a:rPr lang="es-ES" dirty="0" smtClean="0"/>
+              <a:t>El ahorrista ingresa la cantidad a retirar </a:t>
+            </a:r>
+          </a:p>
+          <a:p>
+            <a:pPr marL="342900" lvl="0" indent="-342900">
+              <a:buFont typeface="+mj-lt"/>
+              <a:buAutoNum type="arabicPeriod"/>
+            </a:pPr>
+            <a:r>
+              <a:rPr lang="es-ES" dirty="0" smtClean="0"/>
+              <a:t>El cajero entrega el dinero y la boleta,</a:t>
+            </a:r>
+          </a:p>
+          <a:p>
+            <a:pPr marL="342900" lvl="0" indent="-342900">
+              <a:buFont typeface="+mj-lt"/>
+              <a:buAutoNum type="arabicPeriod"/>
+            </a:pPr>
+            <a:r>
+              <a:rPr lang="es-ES" dirty="0" smtClean="0"/>
+              <a:t>El cajero responde "retire su dinero y boleta, hasta luego"</a:t>
+            </a:r>
+            <a:endParaRPr lang="es-ES" dirty="0"/>
+          </a:p>
+        </p:txBody>
+      </p:sp>
+      <p:sp>
+        <p:nvSpPr>
+          <p:cNvPr id="5" name="4 Marcador de contenido"/>
+          <p:cNvSpPr txBox="1">
+            <a:spLocks/>
+          </p:cNvSpPr>
+          <p:nvPr/>
+        </p:nvSpPr>
+        <p:spPr>
+          <a:xfrm>
+            <a:off x="609600" y="1349298"/>
+            <a:ext cx="8229600" cy="3934614"/>
+          </a:xfrm>
+          <a:prstGeom prst="rect">
+            <a:avLst/>
+          </a:prstGeom>
+        </p:spPr>
+        <p:txBody>
+          <a:bodyPr vert="horz" lIns="91440" tIns="45720" rIns="91440" bIns="45720" rtlCol="0">
+            <a:normAutofit/>
+          </a:bodyPr>
+          <a:lstStyle/>
+          <a:p>
+            <a:pPr marL="0" marR="0" lvl="0" indent="0" algn="l" defTabSz="457200" rtl="0" eaLnBrk="1" fontAlgn="auto" latinLnBrk="0" hangingPunct="1">
+              <a:lnSpc>
+                <a:spcPct val="100000"/>
+              </a:lnSpc>
+              <a:spcBef>
+                <a:spcPts val="0"/>
+              </a:spcBef>
+              <a:spcAft>
+                <a:spcPts val="1200"/>
+              </a:spcAft>
+              <a:buClr>
+                <a:srgbClr val="00B0F0"/>
+              </a:buClr>
+              <a:buSzPct val="120000"/>
+              <a:buFont typeface="Webdings" pitchFamily="18" charset="2"/>
+              <a:buChar char="4"/>
+              <a:tabLst/>
+              <a:defRPr/>
+            </a:pPr>
+            <a:r>
+              <a:rPr kumimoji="0" lang="es-PE" sz="1600" b="0" i="0" u="none" strike="noStrike" kern="1200" cap="none" spc="0" normalizeH="0" baseline="0" noProof="0" dirty="0" smtClean="0">
+                <a:ln>
+                  <a:noFill/>
+                </a:ln>
+                <a:solidFill>
+                  <a:schemeClr val="tx1"/>
+                </a:solidFill>
+                <a:effectLst/>
+                <a:uLnTx/>
+                <a:uFillTx/>
+                <a:latin typeface="Arial"/>
+                <a:ea typeface="+mn-ea"/>
+                <a:cs typeface="Arial"/>
+              </a:rPr>
+              <a:t>Obtener el Caso de éxito principal de</a:t>
+            </a:r>
+            <a:r>
+              <a:rPr kumimoji="0" lang="es-PE" sz="1600" b="0" i="0" u="none" strike="noStrike" kern="1200" cap="none" spc="0" normalizeH="0" noProof="0" dirty="0" smtClean="0">
+                <a:ln>
+                  <a:noFill/>
+                </a:ln>
+                <a:solidFill>
+                  <a:schemeClr val="tx1"/>
+                </a:solidFill>
+                <a:effectLst/>
+                <a:uLnTx/>
+                <a:uFillTx/>
+                <a:latin typeface="Arial"/>
+                <a:ea typeface="+mn-ea"/>
+                <a:cs typeface="Arial"/>
+              </a:rPr>
+              <a:t> la actividad </a:t>
+            </a:r>
+          </a:p>
+          <a:p>
+            <a:pPr marL="0" marR="0" lvl="0" indent="0" algn="l" defTabSz="457200" rtl="0" eaLnBrk="1" fontAlgn="auto" latinLnBrk="0" hangingPunct="1">
+              <a:lnSpc>
+                <a:spcPct val="100000"/>
+              </a:lnSpc>
+              <a:spcBef>
+                <a:spcPts val="0"/>
+              </a:spcBef>
+              <a:spcAft>
+                <a:spcPts val="1200"/>
+              </a:spcAft>
+              <a:buClr>
+                <a:srgbClr val="00B0F0"/>
+              </a:buClr>
+              <a:buSzPct val="120000"/>
+              <a:buFont typeface="Webdings" pitchFamily="18" charset="2"/>
+              <a:buChar char="4"/>
+              <a:tabLst/>
+              <a:defRPr/>
+            </a:pPr>
+            <a:r>
+              <a:rPr kumimoji="0" lang="es-PE" sz="1600" b="0" i="0" u="none" strike="noStrike" kern="1200" cap="none" spc="0" normalizeH="0" baseline="0" noProof="0" dirty="0" smtClean="0">
+                <a:ln>
+                  <a:noFill/>
+                </a:ln>
+                <a:solidFill>
+                  <a:schemeClr val="tx1"/>
+                </a:solidFill>
+                <a:effectLst/>
+                <a:uLnTx/>
+                <a:uFillTx/>
+                <a:latin typeface="Arial"/>
+                <a:ea typeface="+mn-ea"/>
+                <a:cs typeface="Arial"/>
+              </a:rPr>
+              <a:t>Obtener los Casos alternativos al principal</a:t>
+            </a:r>
+          </a:p>
+          <a:p>
+            <a:pPr marL="0" marR="0" lvl="0" indent="0" algn="l" defTabSz="457200" rtl="0" eaLnBrk="1" fontAlgn="auto" latinLnBrk="0" hangingPunct="1">
+              <a:lnSpc>
+                <a:spcPct val="100000"/>
+              </a:lnSpc>
+              <a:spcBef>
+                <a:spcPts val="0"/>
+              </a:spcBef>
+              <a:spcAft>
+                <a:spcPts val="1200"/>
+              </a:spcAft>
+              <a:buClr>
+                <a:srgbClr val="00B0F0"/>
+              </a:buClr>
+              <a:buSzPct val="120000"/>
+              <a:buFont typeface="Webdings" pitchFamily="18" charset="2"/>
+              <a:buChar char="4"/>
+              <a:tabLst/>
+              <a:defRPr/>
+            </a:pPr>
+            <a:r>
+              <a:rPr lang="es-PE" sz="1600" dirty="0" smtClean="0">
+                <a:latin typeface="Arial"/>
+                <a:cs typeface="Arial"/>
+              </a:rPr>
+              <a:t>Caso Principal opción “Retiro de dinero de Cajero Automático”.</a:t>
+            </a:r>
+            <a:endParaRPr kumimoji="0" lang="es-PE" sz="1600" b="0" i="0" u="none" strike="noStrike" kern="1200" cap="none" spc="0" normalizeH="0" baseline="0" noProof="0" dirty="0" smtClean="0">
+              <a:ln>
+                <a:noFill/>
+              </a:ln>
+              <a:solidFill>
+                <a:schemeClr val="tx1"/>
+              </a:solidFill>
+              <a:effectLst/>
+              <a:uLnTx/>
+              <a:uFillTx/>
+              <a:latin typeface="Arial"/>
+              <a:ea typeface="+mn-ea"/>
+              <a:cs typeface="Arial"/>
+            </a:endParaRPr>
+          </a:p>
+          <a:p>
+            <a:pPr marL="447675" marR="0" lvl="1" indent="-174625" algn="l" defTabSz="457200" rtl="0" eaLnBrk="1" fontAlgn="auto" latinLnBrk="0" hangingPunct="1">
+              <a:lnSpc>
+                <a:spcPct val="100000"/>
+              </a:lnSpc>
+              <a:spcBef>
+                <a:spcPct val="20000"/>
+              </a:spcBef>
+              <a:spcAft>
+                <a:spcPts val="0"/>
+              </a:spcAft>
+              <a:buClr>
+                <a:srgbClr val="00B0F0"/>
+              </a:buClr>
+              <a:buSzPct val="90000"/>
+              <a:buFont typeface="Arial" pitchFamily="34" charset="0"/>
+              <a:buChar char="●"/>
+              <a:tabLst/>
+              <a:defRPr/>
+            </a:pPr>
+            <a:endParaRPr kumimoji="0" lang="es-PE" sz="1600" b="0" i="0" u="none" strike="noStrike" kern="1200" cap="none" spc="0" normalizeH="0" baseline="0" noProof="0" dirty="0" smtClean="0">
+              <a:ln>
+                <a:noFill/>
+              </a:ln>
+              <a:solidFill>
+                <a:schemeClr val="tx1"/>
+              </a:solidFill>
+              <a:effectLst/>
+              <a:uLnTx/>
+              <a:uFillTx/>
+              <a:latin typeface="Arial"/>
+              <a:ea typeface="+mn-ea"/>
+              <a:cs typeface="Arial"/>
+            </a:endParaRPr>
+          </a:p>
+          <a:p>
+            <a:pPr marL="447675" marR="0" lvl="1" indent="-174625" algn="l" defTabSz="457200" rtl="0" eaLnBrk="1" fontAlgn="auto" latinLnBrk="0" hangingPunct="1">
+              <a:lnSpc>
+                <a:spcPct val="100000"/>
+              </a:lnSpc>
+              <a:spcBef>
+                <a:spcPct val="20000"/>
+              </a:spcBef>
+              <a:spcAft>
+                <a:spcPts val="0"/>
+              </a:spcAft>
+              <a:buClr>
+                <a:srgbClr val="00B0F0"/>
+              </a:buClr>
+              <a:buSzPct val="90000"/>
+              <a:buFont typeface="Arial" pitchFamily="34" charset="0"/>
+              <a:buChar char="●"/>
+              <a:tabLst/>
+              <a:defRPr/>
+            </a:pPr>
+            <a:endParaRPr kumimoji="0" lang="es-ES" sz="1600" b="0" i="0" u="none" strike="noStrike" kern="1200" cap="none" spc="0" normalizeH="0" baseline="0" noProof="0" dirty="0" smtClean="0">
+              <a:ln>
+                <a:noFill/>
+              </a:ln>
+              <a:solidFill>
+                <a:schemeClr val="tx1"/>
+              </a:solidFill>
+              <a:effectLst/>
+              <a:uLnTx/>
+              <a:uFillTx/>
+              <a:latin typeface="Arial"/>
+              <a:ea typeface="+mn-ea"/>
+              <a:cs typeface="Arial"/>
+            </a:endParaRPr>
+          </a:p>
+          <a:p>
+            <a:pPr marL="0" marR="0" lvl="0" indent="0" algn="l" defTabSz="457200" rtl="0" eaLnBrk="1" fontAlgn="auto" latinLnBrk="0" hangingPunct="1">
+              <a:lnSpc>
+                <a:spcPct val="100000"/>
+              </a:lnSpc>
+              <a:spcBef>
+                <a:spcPts val="0"/>
+              </a:spcBef>
+              <a:spcAft>
+                <a:spcPts val="1200"/>
+              </a:spcAft>
+              <a:buClr>
+                <a:srgbClr val="00B0F0"/>
+              </a:buClr>
+              <a:buSzPct val="120000"/>
+              <a:buFont typeface="Webdings" pitchFamily="18" charset="2"/>
+              <a:buNone/>
+              <a:tabLst/>
+              <a:defRPr/>
+            </a:pPr>
+            <a:endParaRPr kumimoji="0" lang="es-ES" sz="1600" b="0" i="0" u="none" strike="noStrike" kern="1200" cap="none" spc="0" normalizeH="0" baseline="0" noProof="0" dirty="0" smtClean="0">
+              <a:ln>
+                <a:noFill/>
+              </a:ln>
+              <a:solidFill>
+                <a:schemeClr val="tx1"/>
+              </a:solidFill>
+              <a:effectLst/>
+              <a:uLnTx/>
+              <a:uFillTx/>
+              <a:latin typeface="Arial"/>
+              <a:ea typeface="+mn-ea"/>
+              <a:cs typeface="Arial"/>
+            </a:endParaRPr>
           </a:p>
         </p:txBody>
       </p:sp>
@@ -6916,11 +7160,7 @@
           <a:p>
             <a:r>
               <a:rPr lang="es-ES" dirty="0" smtClean="0"/>
-              <a:t>MPN - La Regla de </a:t>
-            </a:r>
-            <a:r>
-              <a:rPr lang="es-ES" dirty="0" smtClean="0"/>
-              <a:t>Negocio - Ejemplo</a:t>
+              <a:t>MPN - La Regla de Negocio</a:t>
             </a:r>
             <a:endParaRPr lang="es-PE" dirty="0" smtClean="0"/>
           </a:p>
@@ -6941,96 +7181,51 @@
           <a:bodyPr/>
           <a:lstStyle/>
           <a:p>
-            <a:pPr marL="342900" indent="-342900">
-              <a:buFont typeface="+mj-lt"/>
-              <a:buAutoNum type="arabicPeriod"/>
-            </a:pPr>
-            <a:r>
-              <a:rPr lang="es-PE" dirty="0" smtClean="0"/>
-              <a:t>La cuenta del ahorrista es activa</a:t>
-            </a:r>
-          </a:p>
-          <a:p>
-            <a:pPr marL="342900" indent="-342900">
-              <a:buFont typeface="+mj-lt"/>
-              <a:buAutoNum type="arabicPeriod"/>
-            </a:pPr>
-            <a:r>
-              <a:rPr lang="es-PE" dirty="0" smtClean="0"/>
-              <a:t>La clave de usuario del ahorrista es válida</a:t>
-            </a:r>
-          </a:p>
-          <a:p>
-            <a:pPr marL="342900" indent="-342900">
-              <a:buFont typeface="+mj-lt"/>
-              <a:buAutoNum type="arabicPeriod"/>
-            </a:pPr>
-            <a:r>
-              <a:rPr lang="es-PE" dirty="0" smtClean="0"/>
-              <a:t>La cantidad del dinero en la cuenta del ahorrista es mayor que la cantidad a retirar</a:t>
-            </a:r>
-          </a:p>
-          <a:p>
-            <a:pPr marL="342900" indent="-342900">
-              <a:buFont typeface="+mj-lt"/>
-              <a:buAutoNum type="arabicPeriod"/>
-            </a:pPr>
-            <a:r>
-              <a:rPr lang="es-PE" dirty="0" smtClean="0"/>
-              <a:t>La cantidad del dinero en </a:t>
-            </a:r>
-            <a:r>
-              <a:rPr lang="es-PE" dirty="0" smtClean="0"/>
-              <a:t>el cajero es </a:t>
-            </a:r>
-            <a:r>
-              <a:rPr lang="es-PE" dirty="0" smtClean="0"/>
-              <a:t>mayor que la cantidad a retirar</a:t>
-            </a:r>
-          </a:p>
-          <a:p>
-            <a:pPr marL="342900" indent="-342900">
-              <a:buFont typeface="+mj-lt"/>
-              <a:buAutoNum type="arabicPeriod"/>
-            </a:pPr>
-            <a:r>
-              <a:rPr lang="es-PE" dirty="0" smtClean="0"/>
-              <a:t>La boleta se encuentra disponible. </a:t>
-            </a:r>
-          </a:p>
-          <a:p>
-            <a:pPr marL="342900" indent="-342900">
-              <a:buFont typeface="+mj-lt"/>
-              <a:buAutoNum type="arabicPeriod"/>
-            </a:pPr>
-            <a:r>
-              <a:rPr lang="es-PE" dirty="0" smtClean="0"/>
-              <a:t>La cantidad del dinero en la cuenta del ahorrista es mayor a cero</a:t>
-            </a:r>
-          </a:p>
-          <a:p>
-            <a:pPr marL="342900" indent="-342900">
-              <a:buFont typeface="+mj-lt"/>
-              <a:buAutoNum type="arabicPeriod"/>
-            </a:pPr>
-            <a:r>
-              <a:rPr lang="es-PE" dirty="0" smtClean="0"/>
-              <a:t>La cantidad del dinero en </a:t>
-            </a:r>
-            <a:r>
-              <a:rPr lang="es-PE" dirty="0" smtClean="0"/>
-              <a:t>el cajero </a:t>
-            </a:r>
-            <a:r>
-              <a:rPr lang="es-PE" dirty="0" smtClean="0"/>
-              <a:t>es mayor a cero</a:t>
-            </a:r>
-          </a:p>
-          <a:p>
+            <a:r>
+              <a:rPr lang="es-PE" dirty="0" smtClean="0"/>
+              <a:t>Condición a cumplir por </a:t>
+            </a:r>
+            <a:r>
+              <a:rPr lang="es-PE" dirty="0" smtClean="0"/>
+              <a:t>la actividad</a:t>
+            </a:r>
             <a:endParaRPr lang="es-PE" dirty="0" smtClean="0"/>
           </a:p>
           <a:p>
-            <a:endParaRPr lang="es-PE" dirty="0" smtClean="0"/>
+            <a:r>
+              <a:rPr lang="es-PE" dirty="0" smtClean="0"/>
+              <a:t>Único y propio de un Proceso</a:t>
+            </a:r>
+          </a:p>
+          <a:p>
+            <a:r>
+              <a:rPr lang="es-PE" dirty="0" smtClean="0"/>
+              <a:t>Especifico para cada caso de aplicación.</a:t>
+            </a:r>
+          </a:p>
+          <a:p>
+            <a:r>
+              <a:rPr lang="es-PE" dirty="0" smtClean="0"/>
+              <a:t>Consistente ante reglas similares y contradictorias</a:t>
+            </a:r>
+          </a:p>
+          <a:p>
+            <a:r>
+              <a:rPr lang="es-PE" dirty="0" smtClean="0"/>
+              <a:t>Clara, evita la ambigüedad o interpretaciones.</a:t>
+            </a:r>
+          </a:p>
+          <a:p>
+            <a:r>
+              <a:rPr lang="es-PE" dirty="0" smtClean="0"/>
+              <a:t>Probado, en todos sus casos</a:t>
+            </a:r>
+          </a:p>
+          <a:p>
+            <a:r>
+              <a:rPr lang="es-PE" dirty="0" smtClean="0"/>
+              <a:t>Temporalidad, tiene valor durante un tiempo</a:t>
+            </a:r>
           </a:p>
           <a:p>
             <a:endParaRPr lang="es-PE" dirty="0" smtClean="0"/>
@@ -7112,9 +7307,10 @@
           <a:lstStyle/>
           <a:p>
             <a:r>
-              <a:rPr lang="es-PE" dirty="0" smtClean="0"/>
-              <a:t>MPN - Formatos Detallados</a:t>
-            </a:r>
+              <a:rPr lang="es-ES" dirty="0" smtClean="0"/>
+              <a:t>MPN - La Regla de Negocio - Ejemplo</a:t>
+            </a:r>
+            <a:endParaRPr lang="es-PE" dirty="0" smtClean="0"/>
           </a:p>
         </p:txBody>
       </p:sp>
@@ -7133,55 +7329,86 @@
           <a:bodyPr/>
           <a:lstStyle/>
           <a:p>
-            <a:r>
-              <a:rPr lang="es-PE" dirty="0" smtClean="0"/>
-              <a:t>Formato para recibir información / Formato de Salida de Información</a:t>
-            </a:r>
-          </a:p>
-          <a:p>
-            <a:r>
-              <a:rPr lang="es-PE" dirty="0" smtClean="0"/>
-              <a:t>Identificación del Formato</a:t>
-            </a:r>
-          </a:p>
-          <a:p>
-            <a:r>
-              <a:rPr lang="es-PE" dirty="0" smtClean="0"/>
-              <a:t>Nombre del Formato</a:t>
-            </a:r>
-          </a:p>
-          <a:p>
-            <a:r>
-              <a:rPr lang="es-PE" dirty="0" smtClean="0"/>
-              <a:t>Descripción del Formato</a:t>
-            </a:r>
-          </a:p>
-          <a:p>
-            <a:r>
-              <a:rPr lang="es-PE" dirty="0" smtClean="0"/>
-              <a:t>Descripción de atributos</a:t>
-            </a:r>
-          </a:p>
-          <a:p>
-            <a:pPr lvl="1"/>
-            <a:r>
-              <a:rPr lang="es-PE" dirty="0" smtClean="0"/>
-              <a:t>Nombre</a:t>
-            </a:r>
-          </a:p>
-          <a:p>
-            <a:pPr lvl="1"/>
-            <a:r>
-              <a:rPr lang="es-PE" dirty="0" smtClean="0"/>
-              <a:t>Descripción</a:t>
-            </a:r>
-          </a:p>
-          <a:p>
-            <a:pPr lvl="1"/>
-            <a:r>
-              <a:rPr lang="es-PE" dirty="0" smtClean="0"/>
-              <a:t>Valores permitidos</a:t>
-            </a:r>
+            <a:pPr marL="342900" indent="-342900">
+              <a:buFont typeface="+mj-lt"/>
+              <a:buAutoNum type="arabicPeriod"/>
+            </a:pPr>
+            <a:r>
+              <a:rPr lang="es-PE" dirty="0" smtClean="0"/>
+              <a:t>La cuenta del ahorrista es activa</a:t>
+            </a:r>
+          </a:p>
+          <a:p>
+            <a:pPr marL="342900" indent="-342900">
+              <a:buFont typeface="+mj-lt"/>
+              <a:buAutoNum type="arabicPeriod"/>
+            </a:pPr>
+            <a:r>
+              <a:rPr lang="es-PE" dirty="0" smtClean="0"/>
+              <a:t>La clave de usuario del ahorrista es válida</a:t>
+            </a:r>
+          </a:p>
+          <a:p>
+            <a:pPr marL="342900" indent="-342900">
+              <a:buFont typeface="+mj-lt"/>
+              <a:buAutoNum type="arabicPeriod"/>
+            </a:pPr>
+            <a:r>
+              <a:rPr lang="es-PE" dirty="0" smtClean="0"/>
+              <a:t>La cantidad del dinero en la cuenta del ahorrista es mayor que la cantidad a retirar</a:t>
+            </a:r>
+          </a:p>
+          <a:p>
+            <a:pPr marL="342900" indent="-342900">
+              <a:buFont typeface="+mj-lt"/>
+              <a:buAutoNum type="arabicPeriod"/>
+            </a:pPr>
+            <a:r>
+              <a:rPr lang="es-PE" dirty="0" smtClean="0"/>
+              <a:t>La cantidad del dinero en el cajero es mayor que la cantidad a retirar</a:t>
+            </a:r>
+          </a:p>
+          <a:p>
+            <a:pPr marL="342900" indent="-342900">
+              <a:buFont typeface="+mj-lt"/>
+              <a:buAutoNum type="arabicPeriod"/>
+            </a:pPr>
+            <a:r>
+              <a:rPr lang="es-PE" dirty="0" smtClean="0"/>
+              <a:t>La boleta se encuentra disponible. </a:t>
+            </a:r>
+          </a:p>
+          <a:p>
+            <a:pPr marL="342900" indent="-342900">
+              <a:buFont typeface="+mj-lt"/>
+              <a:buAutoNum type="arabicPeriod"/>
+            </a:pPr>
+            <a:r>
+              <a:rPr lang="es-PE" dirty="0" smtClean="0"/>
+              <a:t>La cantidad del dinero en la cuenta del ahorrista es mayor a cero</a:t>
+            </a:r>
+          </a:p>
+          <a:p>
+            <a:pPr marL="342900" indent="-342900">
+              <a:buFont typeface="+mj-lt"/>
+              <a:buAutoNum type="arabicPeriod"/>
+            </a:pPr>
+            <a:r>
+              <a:rPr lang="es-PE" dirty="0" smtClean="0"/>
+              <a:t>La cantidad del dinero en el cajero es mayor a cero</a:t>
+            </a:r>
+          </a:p>
+          <a:p>
+            <a:endParaRPr lang="es-PE" dirty="0" smtClean="0"/>
+          </a:p>
+          <a:p>
+            <a:endParaRPr lang="es-PE" dirty="0" smtClean="0"/>
+          </a:p>
+          <a:p>
+            <a:endParaRPr lang="es-PE" dirty="0" smtClean="0"/>
+          </a:p>
+          <a:p>
+            <a:endParaRPr lang="es-PE" dirty="0" smtClean="0"/>
           </a:p>
           <a:p>
             <a:pPr lvl="1"/>
@@ -7257,12 +7484,8 @@
           <a:lstStyle/>
           <a:p>
             <a:r>
-              <a:rPr lang="es-PE" dirty="0" smtClean="0"/>
-              <a:t>MPN - Formatos </a:t>
-            </a:r>
-            <a:r>
-              <a:rPr lang="es-PE" dirty="0" smtClean="0"/>
-              <a:t>Detallados - ejemplo</a:t>
+              <a:rPr lang="es-ES" dirty="0" smtClean="0"/>
+              <a:t>MPN - La Regla de Negocio - Ejemplo</a:t>
             </a:r>
             <a:endParaRPr lang="es-PE" dirty="0" smtClean="0"/>
           </a:p>
@@ -7283,55 +7506,107 @@
           <a:bodyPr/>
           <a:lstStyle/>
           <a:p>
-            <a:r>
-              <a:rPr lang="es-PE" dirty="0" smtClean="0"/>
-              <a:t>Formato para recibir información / Formato de Salida de Información</a:t>
-            </a:r>
-          </a:p>
-          <a:p>
-            <a:r>
-              <a:rPr lang="es-PE" dirty="0" smtClean="0"/>
-              <a:t>Identificación del Formato</a:t>
-            </a:r>
-          </a:p>
-          <a:p>
-            <a:r>
-              <a:rPr lang="es-PE" dirty="0" smtClean="0"/>
-              <a:t>Nombre del Formato</a:t>
-            </a:r>
-          </a:p>
-          <a:p>
-            <a:r>
-              <a:rPr lang="es-PE" dirty="0" smtClean="0"/>
-              <a:t>Descripción del Formato</a:t>
-            </a:r>
-          </a:p>
-          <a:p>
-            <a:r>
-              <a:rPr lang="es-PE" dirty="0" smtClean="0"/>
-              <a:t>Descripción de atributos</a:t>
-            </a:r>
-          </a:p>
-          <a:p>
-            <a:pPr lvl="1"/>
-            <a:r>
-              <a:rPr lang="es-PE" dirty="0" smtClean="0"/>
-              <a:t>Nombre</a:t>
-            </a:r>
-          </a:p>
-          <a:p>
-            <a:pPr lvl="1"/>
-            <a:r>
-              <a:rPr lang="es-PE" dirty="0" smtClean="0"/>
-              <a:t>Descripción</a:t>
-            </a:r>
-          </a:p>
-          <a:p>
-            <a:pPr lvl="1"/>
-            <a:r>
-              <a:rPr lang="es-PE" dirty="0" smtClean="0"/>
-              <a:t>Valores permitidos</a:t>
-            </a:r>
+            <a:pPr marL="342900" indent="-342900">
+              <a:buFont typeface="+mj-lt"/>
+              <a:buAutoNum type="arabicPeriod"/>
+            </a:pPr>
+            <a:r>
+              <a:rPr lang="es-PE" dirty="0" smtClean="0"/>
+              <a:t>Un cliente nuevo no puede realizar una orden de compra superior a 1000 soles</a:t>
+            </a:r>
+          </a:p>
+          <a:p>
+            <a:pPr marL="790575" lvl="1" indent="-342900"/>
+            <a:r>
+              <a:rPr lang="es-PE" b="1" dirty="0" smtClean="0"/>
+              <a:t>La orden de compra de un cliente nuevo es menor o igual a 1000 soles</a:t>
+            </a:r>
+          </a:p>
+          <a:p>
+            <a:pPr marL="790575" lvl="1" indent="-342900"/>
+            <a:endParaRPr lang="es-PE" dirty="0" smtClean="0"/>
+          </a:p>
+          <a:p>
+            <a:pPr marL="342900" indent="-342900">
+              <a:buFont typeface="+mj-lt"/>
+              <a:buAutoNum type="arabicPeriod"/>
+            </a:pPr>
+            <a:r>
+              <a:rPr lang="es-PE" dirty="0" smtClean="0"/>
+              <a:t>No enviar órdenes a cliente que no hayan pagado la última </a:t>
+            </a:r>
+            <a:r>
+              <a:rPr lang="es-PE" b="1" dirty="0" smtClean="0"/>
+              <a:t>factura</a:t>
+            </a:r>
+          </a:p>
+          <a:p>
+            <a:pPr marL="790575" lvl="1" indent="-342900"/>
+            <a:r>
+              <a:rPr lang="es-PE" b="1" dirty="0" smtClean="0"/>
+              <a:t>La orden se envía a clientes con última factura pagada.</a:t>
+            </a:r>
+          </a:p>
+          <a:p>
+            <a:pPr marL="790575" lvl="1" indent="-342900"/>
+            <a:endParaRPr lang="es-PE" dirty="0" smtClean="0"/>
+          </a:p>
+          <a:p>
+            <a:pPr marL="342900" indent="-342900">
+              <a:buFont typeface="+mj-lt"/>
+              <a:buAutoNum type="arabicPeriod"/>
+            </a:pPr>
+            <a:r>
+              <a:rPr lang="es-PE" dirty="0" smtClean="0"/>
+              <a:t>El total de una orden de compra es la suma de sus líneas – </a:t>
+            </a:r>
+            <a:r>
+              <a:rPr lang="es-PE" sz="2400" b="1" dirty="0" smtClean="0">
+                <a:solidFill>
+                  <a:srgbClr val="FF0000"/>
+                </a:solidFill>
+              </a:rPr>
+              <a:t>X</a:t>
+            </a:r>
+          </a:p>
+          <a:p>
+            <a:pPr marL="342900" indent="-342900">
+              <a:buFont typeface="+mj-lt"/>
+              <a:buAutoNum type="arabicPeriod"/>
+            </a:pPr>
+            <a:r>
+              <a:rPr lang="es-PE" dirty="0" smtClean="0"/>
+              <a:t>Los clientes </a:t>
+            </a:r>
+            <a:r>
+              <a:rPr lang="es-PE" dirty="0" smtClean="0"/>
+              <a:t>se </a:t>
+            </a:r>
+            <a:r>
+              <a:rPr lang="es-PE" dirty="0" smtClean="0"/>
+              <a:t>identifican por su dirección, código postal y contacto - </a:t>
+            </a:r>
+            <a:r>
+              <a:rPr lang="es-PE" sz="2400" b="1" dirty="0" smtClean="0">
+                <a:solidFill>
+                  <a:srgbClr val="FF0000"/>
+                </a:solidFill>
+              </a:rPr>
+              <a:t>X</a:t>
+            </a:r>
+            <a:endParaRPr lang="es-PE" sz="2400" dirty="0" smtClean="0"/>
+          </a:p>
+          <a:p>
+            <a:endParaRPr lang="es-PE" dirty="0" smtClean="0"/>
+          </a:p>
+          <a:p>
+            <a:endParaRPr lang="es-PE" dirty="0" smtClean="0"/>
+          </a:p>
+          <a:p>
+            <a:endParaRPr lang="es-PE" dirty="0" smtClean="0"/>
+          </a:p>
+          <a:p>
+            <a:endParaRPr lang="es-PE" dirty="0" smtClean="0"/>
           </a:p>
           <a:p>
             <a:pPr lvl="1"/>
@@ -7408,7 +7683,7 @@
           <a:p>
             <a:r>
               <a:rPr lang="es-PE" dirty="0" smtClean="0"/>
-              <a:t>Características del Proceso:</a:t>
+              <a:t>MPN - Formatos Detallados</a:t>
             </a:r>
           </a:p>
         </p:txBody>
@@ -7428,66 +7703,54 @@
           <a:bodyPr/>
           <a:lstStyle/>
           <a:p>
-            <a:pPr lvl="1"/>
-            <a:r>
-              <a:rPr lang="es-PE" dirty="0" smtClean="0"/>
-              <a:t>Indicadores de: </a:t>
-            </a:r>
-          </a:p>
-          <a:p>
-            <a:pPr lvl="1"/>
-            <a:r>
-              <a:rPr lang="es-PE" dirty="0" smtClean="0"/>
-              <a:t>Cantidad de ítems a procesar</a:t>
-            </a:r>
-          </a:p>
-          <a:p>
-            <a:pPr lvl="1"/>
-            <a:r>
-              <a:rPr lang="es-PE" dirty="0" smtClean="0"/>
-              <a:t>Tipos de usuario</a:t>
-            </a:r>
-          </a:p>
-          <a:p>
-            <a:pPr lvl="1"/>
-            <a:r>
-              <a:rPr lang="es-PE" dirty="0" smtClean="0"/>
-              <a:t>Cantidad de usuarios</a:t>
-            </a:r>
-          </a:p>
-          <a:p>
-            <a:pPr lvl="1"/>
-            <a:r>
-              <a:rPr lang="es-PE" dirty="0" smtClean="0"/>
-              <a:t>Tiempo de respuesta</a:t>
-            </a:r>
-          </a:p>
-          <a:p>
-            <a:pPr lvl="1"/>
-            <a:r>
-              <a:rPr lang="es-PE" dirty="0" smtClean="0"/>
-              <a:t>Seguridad requerida</a:t>
-            </a:r>
-          </a:p>
-          <a:p>
-            <a:pPr lvl="1"/>
-            <a:r>
-              <a:rPr lang="es-PE" dirty="0" smtClean="0"/>
-              <a:t>Ubicación de usuarios</a:t>
-            </a:r>
-          </a:p>
-          <a:p>
-            <a:pPr lvl="1"/>
-            <a:r>
-              <a:rPr lang="es-PE" dirty="0" smtClean="0"/>
-              <a:t>Alcance geográfico</a:t>
-            </a:r>
-          </a:p>
-          <a:p>
-            <a:pPr lvl="1"/>
-            <a:r>
-              <a:rPr lang="es-PE" dirty="0" smtClean="0"/>
-              <a:t>Interacción con terceros</a:t>
+            <a:r>
+              <a:rPr lang="es-PE" dirty="0" smtClean="0"/>
+              <a:t>Formato para recibir información / Formato de Salida de Información</a:t>
+            </a:r>
+          </a:p>
+          <a:p>
+            <a:r>
+              <a:rPr lang="es-PE" dirty="0" smtClean="0"/>
+              <a:t>Identificación del Formato</a:t>
+            </a:r>
+          </a:p>
+          <a:p>
+            <a:r>
+              <a:rPr lang="es-PE" dirty="0" smtClean="0"/>
+              <a:t>Nombre del Formato</a:t>
+            </a:r>
+          </a:p>
+          <a:p>
+            <a:r>
+              <a:rPr lang="es-PE" dirty="0" smtClean="0"/>
+              <a:t>Descripción del Formato</a:t>
+            </a:r>
+          </a:p>
+          <a:p>
+            <a:r>
+              <a:rPr lang="es-PE" dirty="0" smtClean="0"/>
+              <a:t>Descripción de atributos</a:t>
+            </a:r>
+          </a:p>
+          <a:p>
+            <a:pPr lvl="1"/>
+            <a:r>
+              <a:rPr lang="es-PE" dirty="0" smtClean="0"/>
+              <a:t>Nombre</a:t>
+            </a:r>
+          </a:p>
+          <a:p>
+            <a:pPr lvl="1"/>
+            <a:r>
+              <a:rPr lang="es-PE" dirty="0" smtClean="0"/>
+              <a:t>Descripción</a:t>
+            </a:r>
+          </a:p>
+          <a:p>
+            <a:pPr lvl="1"/>
+            <a:r>
+              <a:rPr lang="es-PE" dirty="0" smtClean="0"/>
+              <a:t>Valores permitidos</a:t>
             </a:r>
           </a:p>
           <a:p>
@@ -7565,13 +7828,8 @@
           <a:p>
             <a:r>
               <a:rPr lang="es-PE" dirty="0" smtClean="0"/>
-              <a:t>Características del </a:t>
-            </a:r>
-            <a:r>
-              <a:rPr lang="es-PE" dirty="0" smtClean="0"/>
-              <a:t>Proceso - ejemplo:</a:t>
-            </a:r>
-            <a:endParaRPr lang="es-PE" dirty="0" smtClean="0"/>
+              <a:t>MPN - Formatos Detallados - ejemplo</a:t>
+            </a:r>
           </a:p>
         </p:txBody>
       </p:sp>
@@ -7590,66 +7848,45 @@
           <a:bodyPr/>
           <a:lstStyle/>
           <a:p>
-            <a:pPr lvl="1"/>
-            <a:r>
-              <a:rPr lang="es-PE" dirty="0" smtClean="0"/>
-              <a:t>Indicadores de: </a:t>
-            </a:r>
-          </a:p>
-          <a:p>
-            <a:pPr lvl="1"/>
-            <a:r>
-              <a:rPr lang="es-PE" dirty="0" smtClean="0"/>
-              <a:t>Cantidad de ítems a procesar</a:t>
-            </a:r>
-          </a:p>
-          <a:p>
-            <a:pPr lvl="1"/>
-            <a:r>
-              <a:rPr lang="es-PE" dirty="0" smtClean="0"/>
-              <a:t>Tipos de usuario</a:t>
-            </a:r>
-          </a:p>
-          <a:p>
-            <a:pPr lvl="1"/>
-            <a:r>
-              <a:rPr lang="es-PE" dirty="0" smtClean="0"/>
-              <a:t>Cantidad de usuarios</a:t>
-            </a:r>
-          </a:p>
-          <a:p>
-            <a:pPr lvl="1"/>
-            <a:r>
-              <a:rPr lang="es-PE" dirty="0" smtClean="0"/>
-              <a:t>Tiempo de respuesta</a:t>
-            </a:r>
-          </a:p>
-          <a:p>
-            <a:pPr lvl="1"/>
-            <a:r>
-              <a:rPr lang="es-PE" dirty="0" smtClean="0"/>
-              <a:t>Seguridad requerida</a:t>
-            </a:r>
-          </a:p>
-          <a:p>
-            <a:pPr lvl="1"/>
-            <a:r>
-              <a:rPr lang="es-PE" dirty="0" smtClean="0"/>
-              <a:t>Ubicación de usuarios</a:t>
-            </a:r>
-          </a:p>
-          <a:p>
-            <a:pPr lvl="1"/>
-            <a:r>
-              <a:rPr lang="es-PE" dirty="0" smtClean="0"/>
-              <a:t>Alcance geográfico</a:t>
-            </a:r>
-          </a:p>
-          <a:p>
-            <a:pPr lvl="1"/>
-            <a:r>
-              <a:rPr lang="es-PE" dirty="0" smtClean="0"/>
-              <a:t>Interacción con terceros</a:t>
+            <a:r>
+              <a:rPr lang="es-PE" dirty="0" smtClean="0"/>
+              <a:t>Boleta de Retiro</a:t>
+            </a:r>
+          </a:p>
+          <a:p>
+            <a:pPr lvl="1"/>
+            <a:r>
+              <a:rPr lang="es-PE" dirty="0" smtClean="0"/>
+              <a:t>Tipo de Operación (Etiqueta), Fecha (día/mes/año)</a:t>
+            </a:r>
+          </a:p>
+          <a:p>
+            <a:pPr lvl="1"/>
+            <a:r>
+              <a:rPr lang="es-PE" dirty="0" smtClean="0"/>
+              <a:t>Número de Cuenta (Número Compuesto), Moneda (tipo Moneda)</a:t>
+            </a:r>
+          </a:p>
+          <a:p>
+            <a:pPr lvl="1"/>
+            <a:r>
+              <a:rPr lang="es-PE" dirty="0" smtClean="0"/>
+              <a:t>Importe del Retiro (símbolo, Cantidad), </a:t>
+            </a:r>
+            <a:r>
+              <a:rPr lang="es-PE" dirty="0" err="1" smtClean="0"/>
+              <a:t>Itf</a:t>
+            </a:r>
+            <a:r>
+              <a:rPr lang="es-PE" dirty="0" smtClean="0"/>
+              <a:t> (símbolo, Cantidad)</a:t>
+            </a:r>
+          </a:p>
+          <a:p>
+            <a:pPr lvl="1"/>
+            <a:r>
+              <a:rPr lang="es-PE" dirty="0" smtClean="0"/>
+              <a:t>Cargo (Texto, Cantidad, tipo Moneda)</a:t>
             </a:r>
           </a:p>
           <a:p>
@@ -7675,7 +7912,7 @@
       </p:sp>
       <p:pic>
         <p:nvPicPr>
-          <p:cNvPr id="2050" name="Picture 2"/>
+          <p:cNvPr id="5" name="Picture 4"/>
           <p:cNvPicPr>
             <a:picLocks noChangeAspect="1" noChangeArrowheads="1"/>
           </p:cNvPicPr>
@@ -7690,40 +7927,8 @@
         </p:blipFill>
         <p:spPr bwMode="auto">
           <a:xfrm>
-            <a:off x="5772150" y="1181365"/>
-            <a:ext cx="2914650" cy="4343400"/>
-          </a:xfrm>
-          <a:prstGeom prst="rect">
-            <a:avLst/>
-          </a:prstGeom>
-          <a:noFill/>
-          <a:ln w="9525">
-            <a:noFill/>
-            <a:miter lim="800000"/>
-            <a:headEnd/>
-            <a:tailEnd/>
-          </a:ln>
-        </p:spPr>
-      </p:pic>
-      <p:pic>
-        <p:nvPicPr>
-          <p:cNvPr id="2052" name="Picture 4"/>
-          <p:cNvPicPr>
-            <a:picLocks noChangeAspect="1" noChangeArrowheads="1"/>
-          </p:cNvPicPr>
-          <p:nvPr/>
-        </p:nvPicPr>
-        <p:blipFill>
-          <a:blip r:embed="rId4"/>
-          <a:srcRect/>
-          <a:stretch>
-            <a:fillRect/>
-          </a:stretch>
-        </p:blipFill>
-        <p:spPr bwMode="auto">
-          <a:xfrm>
-            <a:off x="378072" y="3893866"/>
-            <a:ext cx="6467475" cy="1428750"/>
+            <a:off x="531595" y="3334771"/>
+            <a:ext cx="8133248" cy="1796741"/>
           </a:xfrm>
           <a:prstGeom prst="rect">
             <a:avLst/>
@@ -7958,6 +8163,308 @@
           <a:p>
             <a:r>
               <a:rPr lang="es-PE" dirty="0" smtClean="0"/>
+              <a:t>Características del Proceso:</a:t>
+            </a:r>
+          </a:p>
+        </p:txBody>
+      </p:sp>
+      <p:sp>
+        <p:nvSpPr>
+          <p:cNvPr id="3" name="2 Marcador de contenido"/>
+          <p:cNvSpPr>
+            <a:spLocks noGrp="1"/>
+          </p:cNvSpPr>
+          <p:nvPr>
+            <p:ph idx="1"/>
+          </p:nvPr>
+        </p:nvSpPr>
+        <p:spPr/>
+        <p:txBody>
+          <a:bodyPr/>
+          <a:lstStyle/>
+          <a:p>
+            <a:r>
+              <a:rPr lang="es-PE" dirty="0" smtClean="0"/>
+              <a:t>Indicadores de: </a:t>
+            </a:r>
+          </a:p>
+          <a:p>
+            <a:pPr lvl="1"/>
+            <a:r>
+              <a:rPr lang="es-PE" dirty="0" smtClean="0"/>
+              <a:t>Cantidad de ítems</a:t>
+            </a:r>
+          </a:p>
+          <a:p>
+            <a:pPr lvl="1"/>
+            <a:r>
+              <a:rPr lang="es-PE" dirty="0" smtClean="0"/>
+              <a:t>Cantidad de transacciones</a:t>
+            </a:r>
+          </a:p>
+          <a:p>
+            <a:pPr lvl="1"/>
+            <a:r>
+              <a:rPr lang="es-PE" dirty="0" smtClean="0"/>
+              <a:t>Tipos de usuario</a:t>
+            </a:r>
+          </a:p>
+          <a:p>
+            <a:pPr lvl="1"/>
+            <a:r>
+              <a:rPr lang="es-PE" dirty="0" smtClean="0"/>
+              <a:t>Cantidad de usuarios por tipo</a:t>
+            </a:r>
+          </a:p>
+          <a:p>
+            <a:pPr lvl="1"/>
+            <a:r>
+              <a:rPr lang="es-PE" dirty="0" smtClean="0"/>
+              <a:t>Tiempo de respuesta esperada</a:t>
+            </a:r>
+          </a:p>
+          <a:p>
+            <a:pPr lvl="1"/>
+            <a:r>
+              <a:rPr lang="es-PE" dirty="0" smtClean="0"/>
+              <a:t>Seguridad de información requerida</a:t>
+            </a:r>
+          </a:p>
+          <a:p>
+            <a:pPr lvl="1"/>
+            <a:r>
+              <a:rPr lang="es-PE" dirty="0" smtClean="0"/>
+              <a:t>Ubicación geográfica de usuarios</a:t>
+            </a:r>
+          </a:p>
+          <a:p>
+            <a:pPr lvl="1"/>
+            <a:endParaRPr lang="es-PE" dirty="0" smtClean="0"/>
+          </a:p>
+          <a:p>
+            <a:pPr lvl="1"/>
+            <a:endParaRPr lang="es-PE" dirty="0" smtClean="0"/>
+          </a:p>
+          <a:p>
+            <a:pPr lvl="2"/>
+            <a:endParaRPr lang="es-PE" dirty="0" smtClean="0"/>
+          </a:p>
+          <a:p>
+            <a:pPr lvl="1"/>
+            <a:endParaRPr lang="es-PE" dirty="0" smtClean="0"/>
+          </a:p>
+          <a:p>
+            <a:endParaRPr lang="es-PE" dirty="0"/>
+          </a:p>
+        </p:txBody>
+      </p:sp>
+    </p:spTree>
+    <p:extLst>
+      <p:ext uri="{BB962C8B-B14F-4D97-AF65-F5344CB8AC3E}">
+        <p14:creationId xmlns="" xmlns:p14="http://schemas.microsoft.com/office/powerpoint/2010/main" val="2332945952"/>
+      </p:ext>
+    </p:extLst>
+  </p:cSld>
+  <p:clrMapOvr>
+    <a:masterClrMapping/>
+  </p:clrMapOvr>
+  <p:timing>
+    <p:tnLst>
+      <p:par>
+        <p:cTn id="1" dur="indefinite" restart="never" nodeType="tmRoot"/>
+      </p:par>
+    </p:tnLst>
+  </p:timing>
+</p:sld>
+</file>
+
+<file path=ppt/slides/slide21.xml><?xml version="1.0" encoding="utf-8"?>
+<p:sld xmlns:a="http://schemas.openxmlformats.org/drawingml/2006/main" xmlns:r="http://schemas.openxmlformats.org/officeDocument/2006/relationships" xmlns:p="http://schemas.openxmlformats.org/presentationml/2006/main">
+  <p:cSld>
+    <p:spTree>
+      <p:nvGrpSpPr>
+        <p:cNvPr id="1" name=""/>
+        <p:cNvGrpSpPr/>
+        <p:nvPr/>
+      </p:nvGrpSpPr>
+      <p:grpSpPr>
+        <a:xfrm>
+          <a:off x="0" y="0"/>
+          <a:ext cx="0" cy="0"/>
+          <a:chOff x="0" y="0"/>
+          <a:chExt cx="0" cy="0"/>
+        </a:xfrm>
+      </p:grpSpPr>
+      <p:sp>
+        <p:nvSpPr>
+          <p:cNvPr id="2" name="1 Título"/>
+          <p:cNvSpPr>
+            <a:spLocks noGrp="1"/>
+          </p:cNvSpPr>
+          <p:nvPr>
+            <p:ph type="title"/>
+          </p:nvPr>
+        </p:nvSpPr>
+        <p:spPr/>
+        <p:txBody>
+          <a:bodyPr/>
+          <a:lstStyle/>
+          <a:p>
+            <a:r>
+              <a:rPr lang="es-PE" dirty="0" smtClean="0"/>
+              <a:t>Características del Proceso:</a:t>
+            </a:r>
+          </a:p>
+        </p:txBody>
+      </p:sp>
+      <p:sp>
+        <p:nvSpPr>
+          <p:cNvPr id="3" name="2 Marcador de contenido"/>
+          <p:cNvSpPr>
+            <a:spLocks noGrp="1"/>
+          </p:cNvSpPr>
+          <p:nvPr>
+            <p:ph idx="1"/>
+          </p:nvPr>
+        </p:nvSpPr>
+        <p:spPr/>
+        <p:txBody>
+          <a:bodyPr>
+            <a:normAutofit/>
+          </a:bodyPr>
+          <a:lstStyle/>
+          <a:p>
+            <a:r>
+              <a:rPr lang="es-PE" dirty="0" smtClean="0"/>
+              <a:t>Permite el conocimiento de los tamaños y características del Proceso</a:t>
+            </a:r>
+          </a:p>
+          <a:p>
+            <a:r>
+              <a:rPr lang="es-PE" dirty="0" smtClean="0"/>
+              <a:t>Determina la solución de sistemas</a:t>
+            </a:r>
+          </a:p>
+          <a:p>
+            <a:pPr lvl="1"/>
+            <a:r>
+              <a:rPr lang="es-PE" dirty="0" smtClean="0"/>
+              <a:t>Tecnología a emplear</a:t>
+            </a:r>
+          </a:p>
+          <a:p>
+            <a:pPr lvl="1"/>
+            <a:r>
+              <a:rPr lang="es-PE" dirty="0" smtClean="0"/>
+              <a:t>El tipo de arquitectura</a:t>
+            </a:r>
+          </a:p>
+          <a:p>
+            <a:pPr lvl="1"/>
+            <a:r>
+              <a:rPr lang="es-PE" dirty="0" smtClean="0"/>
+              <a:t>El tipo de programación</a:t>
+            </a:r>
+          </a:p>
+          <a:p>
+            <a:pPr lvl="1"/>
+            <a:r>
+              <a:rPr lang="es-PE" dirty="0" smtClean="0"/>
+              <a:t>El tamaño de la base de datos</a:t>
+            </a:r>
+          </a:p>
+          <a:p>
+            <a:pPr lvl="1"/>
+            <a:r>
+              <a:rPr lang="es-PE" dirty="0" smtClean="0"/>
+              <a:t>El diseño de la interfaz de usuario</a:t>
+            </a:r>
+          </a:p>
+          <a:p>
+            <a:pPr lvl="1"/>
+            <a:endParaRPr lang="es-PE" dirty="0" smtClean="0"/>
+          </a:p>
+          <a:p>
+            <a:endParaRPr lang="es-PE" dirty="0" smtClean="0"/>
+          </a:p>
+          <a:p>
+            <a:endParaRPr lang="es-PE" dirty="0" smtClean="0"/>
+          </a:p>
+          <a:p>
+            <a:pPr lvl="1"/>
+            <a:endParaRPr lang="es-PE" dirty="0" smtClean="0"/>
+          </a:p>
+          <a:p>
+            <a:pPr lvl="1"/>
+            <a:endParaRPr lang="es-PE" dirty="0" smtClean="0"/>
+          </a:p>
+          <a:p>
+            <a:pPr lvl="2"/>
+            <a:endParaRPr lang="es-PE" dirty="0" smtClean="0"/>
+          </a:p>
+          <a:p>
+            <a:pPr lvl="1"/>
+            <a:endParaRPr lang="es-PE" dirty="0" smtClean="0"/>
+          </a:p>
+          <a:p>
+            <a:endParaRPr lang="es-PE" dirty="0"/>
+          </a:p>
+        </p:txBody>
+      </p:sp>
+    </p:spTree>
+    <p:extLst>
+      <p:ext uri="{BB962C8B-B14F-4D97-AF65-F5344CB8AC3E}">
+        <p14:creationId xmlns="" xmlns:p14="http://schemas.microsoft.com/office/powerpoint/2010/main" val="2332945952"/>
+      </p:ext>
+    </p:extLst>
+  </p:cSld>
+  <p:clrMapOvr>
+    <a:masterClrMapping/>
+  </p:clrMapOvr>
+  <p:timing>
+    <p:tnLst>
+      <p:par>
+        <p:cTn id="1" dur="indefinite" restart="never" nodeType="tmRoot"/>
+      </p:par>
+    </p:tnLst>
+  </p:timing>
+</p:sld>
+</file>
+
+<file path=ppt/slides/slide22.xml><?xml version="1.0" encoding="utf-8"?>
+<p:sld xmlns:a="http://schemas.openxmlformats.org/drawingml/2006/main" xmlns:r="http://schemas.openxmlformats.org/officeDocument/2006/relationships" xmlns:p="http://schemas.openxmlformats.org/presentationml/2006/main">
+  <p:cSld>
+    <p:spTree>
+      <p:nvGrpSpPr>
+        <p:cNvPr id="1" name=""/>
+        <p:cNvGrpSpPr/>
+        <p:nvPr/>
+      </p:nvGrpSpPr>
+      <p:grpSpPr>
+        <a:xfrm>
+          <a:off x="0" y="0"/>
+          <a:ext cx="0" cy="0"/>
+          <a:chOff x="0" y="0"/>
+          <a:chExt cx="0" cy="0"/>
+        </a:xfrm>
+      </p:grpSpPr>
+      <p:sp>
+        <p:nvSpPr>
+          <p:cNvPr id="2" name="1 Título"/>
+          <p:cNvSpPr>
+            <a:spLocks noGrp="1"/>
+          </p:cNvSpPr>
+          <p:nvPr>
+            <p:ph type="title"/>
+          </p:nvPr>
+        </p:nvSpPr>
+        <p:spPr/>
+        <p:txBody>
+          <a:bodyPr/>
+          <a:lstStyle/>
+          <a:p>
+            <a:r>
+              <a:rPr lang="es-PE" dirty="0" smtClean="0"/>
               <a:t>Preguntas?</a:t>
             </a:r>
             <a:endParaRPr lang="es-PE" dirty="0"/>
@@ -8168,7 +8675,7 @@
 </p:sld>
 </file>
 
-<file path=ppt/slides/slide21.xml><?xml version="1.0" encoding="utf-8"?>
+<file path=ppt/slides/slide23.xml><?xml version="1.0" encoding="utf-8"?>
 <p:sld xmlns:a="http://schemas.openxmlformats.org/drawingml/2006/main" xmlns:r="http://schemas.openxmlformats.org/officeDocument/2006/relationships" xmlns:p="http://schemas.openxmlformats.org/presentationml/2006/main">
   <p:cSld>
     <p:spTree>
@@ -8421,11 +8928,7 @@
             <a:pPr lvl="0"/>
             <a:r>
               <a:rPr lang="es-PE" dirty="0" smtClean="0"/>
-              <a:t>Fácil de </a:t>
-            </a:r>
-            <a:r>
-              <a:rPr lang="es-PE" dirty="0" smtClean="0"/>
-              <a:t>registrar:</a:t>
+              <a:t>Fácil de registrar:</a:t>
             </a:r>
             <a:endParaRPr lang="es-ES" dirty="0" smtClean="0"/>
           </a:p>
@@ -8553,11 +9056,7 @@
             <a:pPr lvl="0"/>
             <a:r>
               <a:rPr lang="es-PE" dirty="0" smtClean="0"/>
-              <a:t>Fácil de </a:t>
-            </a:r>
-            <a:r>
-              <a:rPr lang="es-PE" dirty="0" smtClean="0"/>
-              <a:t>Leer:</a:t>
+              <a:t>Fácil de Leer:</a:t>
             </a:r>
             <a:endParaRPr lang="es-ES" dirty="0" smtClean="0"/>
           </a:p>
@@ -8590,7 +9089,11 @@
             <a:pPr lvl="1"/>
             <a:r>
               <a:rPr lang="es-PE" dirty="0" smtClean="0"/>
-              <a:t>Selección de Ideas Principales, uso </a:t>
+              <a:t>Selección de Ideas Principales, </a:t>
+            </a:r>
+            <a:r>
+              <a:rPr lang="es-PE" dirty="0" smtClean="0"/>
+              <a:t>contenido </a:t>
             </a:r>
             <a:r>
               <a:rPr lang="es-PE" dirty="0" smtClean="0"/>
@@ -8602,22 +9105,14 @@
             <a:pPr lvl="1"/>
             <a:r>
               <a:rPr lang="es-ES" dirty="0" smtClean="0"/>
-              <a:t>Frases cortas: una línea, sujeto </a:t>
-            </a:r>
-            <a:r>
-              <a:rPr lang="es-ES" dirty="0" smtClean="0"/>
-              <a:t>más verbo más </a:t>
-            </a:r>
-            <a:r>
-              <a:rPr lang="es-ES" dirty="0" smtClean="0"/>
-              <a:t>complementos</a:t>
-            </a:r>
-          </a:p>
-          <a:p>
-            <a:pPr lvl="1"/>
-            <a:r>
-              <a:rPr lang="es-PE" dirty="0" smtClean="0"/>
-              <a:t>Alinear a la izquierda, ordenar en secuencia lógica </a:t>
+              <a:t>Frase corta, (una línea, sujeto más verbo más complementos)</a:t>
+            </a:r>
+          </a:p>
+          <a:p>
+            <a:pPr lvl="1"/>
+            <a:r>
+              <a:rPr lang="es-PE" dirty="0" smtClean="0"/>
+              <a:t>Alinear a la izquierda, ordenar en secuencia lógica. </a:t>
             </a:r>
             <a:endParaRPr lang="es-ES" dirty="0" smtClean="0"/>
           </a:p>
@@ -8717,11 +9212,7 @@
             <a:pPr lvl="0"/>
             <a:r>
               <a:rPr lang="es-PE" dirty="0" smtClean="0"/>
-              <a:t>Fácil de </a:t>
-            </a:r>
-            <a:r>
-              <a:rPr lang="es-PE" dirty="0" smtClean="0"/>
-              <a:t>Leer – Ejemplos:</a:t>
+              <a:t>Fácil de Leer – Ejemplos:</a:t>
             </a:r>
             <a:endParaRPr lang="es-ES" dirty="0" smtClean="0"/>
           </a:p>
@@ -8748,6 +9239,90 @@
               <a:buFont typeface="+mj-lt"/>
               <a:buAutoNum type="arabicPeriod"/>
             </a:pPr>
+            <a:r>
+              <a:rPr lang="es-ES" dirty="0" smtClean="0"/>
+              <a:t>El ahorrista se presenta al cajero automático</a:t>
+            </a:r>
+          </a:p>
+          <a:p>
+            <a:pPr marL="342900" lvl="0" indent="-342900">
+              <a:buFont typeface="+mj-lt"/>
+              <a:buAutoNum type="arabicPeriod"/>
+            </a:pPr>
+            <a:r>
+              <a:rPr lang="es-ES" dirty="0" smtClean="0"/>
+              <a:t>El cajero solicita "ingrese número de cuenta y clave de usuario"</a:t>
+            </a:r>
+          </a:p>
+          <a:p>
+            <a:pPr marL="342900" lvl="0" indent="-342900">
+              <a:buFont typeface="+mj-lt"/>
+              <a:buAutoNum type="arabicPeriod"/>
+            </a:pPr>
+            <a:r>
+              <a:rPr lang="es-ES" dirty="0" smtClean="0"/>
+              <a:t>El ahorrista ingresa un número de cuenta y la clave de usuario</a:t>
+            </a:r>
+          </a:p>
+          <a:p>
+            <a:pPr marL="342900" lvl="0" indent="-342900">
+              <a:buFont typeface="+mj-lt"/>
+              <a:buAutoNum type="arabicPeriod"/>
+            </a:pPr>
+            <a:r>
+              <a:rPr lang="es-ES" dirty="0" smtClean="0"/>
+              <a:t>El cajero muestra las opciones y solicita "seleccione atención a realizar"</a:t>
+            </a:r>
+          </a:p>
+          <a:p>
+            <a:pPr marL="342900" lvl="0" indent="-342900">
+              <a:buFont typeface="+mj-lt"/>
+              <a:buAutoNum type="arabicPeriod"/>
+            </a:pPr>
+            <a:r>
+              <a:rPr lang="es-ES" dirty="0" smtClean="0"/>
+              <a:t>El ahorrista selecciona la opción "retiro de cuenta" </a:t>
+            </a:r>
+          </a:p>
+          <a:p>
+            <a:pPr marL="342900" lvl="0" indent="-342900">
+              <a:buFont typeface="+mj-lt"/>
+              <a:buAutoNum type="arabicPeriod"/>
+            </a:pPr>
+            <a:r>
+              <a:rPr lang="es-ES" dirty="0" smtClean="0"/>
+              <a:t>El cajero solicita "ingrese cantidad a retirar"</a:t>
+            </a:r>
+          </a:p>
+          <a:p>
+            <a:pPr marL="342900" lvl="0" indent="-342900">
+              <a:buFont typeface="+mj-lt"/>
+              <a:buAutoNum type="arabicPeriod"/>
+            </a:pPr>
+            <a:r>
+              <a:rPr lang="es-ES" dirty="0" smtClean="0"/>
+              <a:t>El ahorrista ingresa la cantidad a retirar </a:t>
+            </a:r>
+          </a:p>
+          <a:p>
+            <a:pPr marL="342900" lvl="0" indent="-342900">
+              <a:buFont typeface="+mj-lt"/>
+              <a:buAutoNum type="arabicPeriod"/>
+            </a:pPr>
+            <a:r>
+              <a:rPr lang="es-ES" dirty="0" smtClean="0"/>
+              <a:t>El cajero entrega el dinero y la boleta,</a:t>
+            </a:r>
+          </a:p>
+          <a:p>
+            <a:pPr marL="342900" lvl="0" indent="-342900">
+              <a:buFont typeface="+mj-lt"/>
+              <a:buAutoNum type="arabicPeriod"/>
+            </a:pPr>
+            <a:r>
+              <a:rPr lang="es-ES" dirty="0" smtClean="0"/>
+              <a:t>El cajero responde "retire su dinero y boleta, hasta luego"</a:t>
+            </a:r>
             <a:endParaRPr lang="es-ES" dirty="0"/>
           </a:p>
         </p:txBody>
@@ -8804,22 +9379,16 @@
           <a:bodyPr/>
           <a:lstStyle/>
           <a:p>
-            <a:pPr lvl="0"/>
-            <a:r>
-              <a:rPr lang="es-PE" dirty="0" smtClean="0"/>
-              <a:t>Fácil de </a:t>
-            </a:r>
-            <a:r>
-              <a:rPr lang="es-PE" dirty="0" smtClean="0"/>
-              <a:t>Leer – Ejemplos:</a:t>
-            </a:r>
-            <a:endParaRPr lang="es-ES" dirty="0" smtClean="0"/>
-          </a:p>
-        </p:txBody>
-      </p:sp>
-      <p:sp>
-        <p:nvSpPr>
-          <p:cNvPr id="5" name="4 Marcador de contenido"/>
+            <a:r>
+              <a:rPr lang="es-PE" dirty="0" smtClean="0"/>
+              <a:t>Fácil de Leer – Ejemplos:</a:t>
+            </a:r>
+          </a:p>
+        </p:txBody>
+      </p:sp>
+      <p:sp>
+        <p:nvSpPr>
+          <p:cNvPr id="3" name="2 Marcador de contenido"/>
           <p:cNvSpPr>
             <a:spLocks noGrp="1"/>
           </p:cNvSpPr>
@@ -8830,99 +9399,141 @@
         <p:spPr/>
         <p:txBody>
           <a:bodyPr>
-            <a:normAutofit/>
+            <a:normAutofit lnSpcReduction="10000"/>
           </a:bodyPr>
           <a:lstStyle/>
           <a:p>
-            <a:pPr marL="342900" lvl="0" indent="-342900">
+            <a:pPr marL="342900" indent="-342900">
               <a:buFont typeface="+mj-lt"/>
               <a:buAutoNum type="arabicPeriod"/>
             </a:pPr>
             <a:r>
-              <a:rPr lang="es-ES" dirty="0" smtClean="0"/>
-              <a:t>El ahorrista se presenta al cajero automático</a:t>
-            </a:r>
-          </a:p>
-          <a:p>
-            <a:pPr marL="342900" lvl="0" indent="-342900">
+              <a:rPr lang="es-PE" dirty="0" smtClean="0"/>
+              <a:t>Un cliente nuevo no puede realizar una orden de compra superior a 1000 soles</a:t>
+            </a:r>
+          </a:p>
+          <a:p>
+            <a:pPr marL="790575" lvl="1" indent="-342900"/>
+            <a:r>
+              <a:rPr lang="es-PE" b="1" dirty="0" smtClean="0"/>
+              <a:t>La orden de compra de un cliente nuevo es menor o igual a 1000 soles</a:t>
+            </a:r>
+          </a:p>
+          <a:p>
+            <a:pPr marL="790575" lvl="1" indent="-342900"/>
+            <a:endParaRPr lang="es-PE" dirty="0" smtClean="0"/>
+          </a:p>
+          <a:p>
+            <a:pPr marL="342900" indent="-342900">
               <a:buFont typeface="+mj-lt"/>
               <a:buAutoNum type="arabicPeriod"/>
             </a:pPr>
             <a:r>
-              <a:rPr lang="es-ES" dirty="0" smtClean="0"/>
-              <a:t>El cajero solicita "ingrese número de cuenta y clave de usuario"</a:t>
-            </a:r>
-          </a:p>
-          <a:p>
-            <a:pPr marL="342900" lvl="0" indent="-342900">
+              <a:rPr lang="es-PE" dirty="0" smtClean="0"/>
+              <a:t>No enviar órdenes a cliente que no hayan pagado la última </a:t>
+            </a:r>
+            <a:r>
+              <a:rPr lang="es-PE" b="1" dirty="0" smtClean="0"/>
+              <a:t>factura</a:t>
+            </a:r>
+          </a:p>
+          <a:p>
+            <a:pPr marL="790575" lvl="1" indent="-342900"/>
+            <a:r>
+              <a:rPr lang="es-PE" b="1" dirty="0" smtClean="0"/>
+              <a:t>La orden se envía a clientes con última factura pagada.</a:t>
+            </a:r>
+          </a:p>
+          <a:p>
+            <a:pPr marL="790575" lvl="1" indent="-342900"/>
+            <a:endParaRPr lang="es-PE" dirty="0" smtClean="0"/>
+          </a:p>
+          <a:p>
+            <a:pPr marL="342900" indent="-342900">
               <a:buFont typeface="+mj-lt"/>
               <a:buAutoNum type="arabicPeriod"/>
             </a:pPr>
             <a:r>
-              <a:rPr lang="es-ES" dirty="0" smtClean="0"/>
-              <a:t>El ahorrista ingresa un número de cuenta y la clave de usuario</a:t>
-            </a:r>
-          </a:p>
-          <a:p>
-            <a:pPr marL="342900" lvl="0" indent="-342900">
-              <a:buFont typeface="+mj-lt"/>
-              <a:buAutoNum type="arabicPeriod"/>
-            </a:pPr>
-            <a:r>
-              <a:rPr lang="es-ES" dirty="0" smtClean="0"/>
-              <a:t>El cajero muestra las opciones y solicita "seleccione atención a realizar"</a:t>
-            </a:r>
-          </a:p>
-          <a:p>
-            <a:pPr marL="342900" lvl="0" indent="-342900">
-              <a:buFont typeface="+mj-lt"/>
-              <a:buAutoNum type="arabicPeriod"/>
-            </a:pPr>
-            <a:r>
-              <a:rPr lang="es-ES" dirty="0" smtClean="0"/>
-              <a:t>El ahorrista selecciona la opción "retiro de cuenta" </a:t>
-            </a:r>
-          </a:p>
-          <a:p>
-            <a:pPr marL="342900" lvl="0" indent="-342900">
-              <a:buFont typeface="+mj-lt"/>
-              <a:buAutoNum type="arabicPeriod"/>
-            </a:pPr>
-            <a:r>
-              <a:rPr lang="es-ES" dirty="0" smtClean="0"/>
-              <a:t>El cajero solicita "ingrese cantidad a retirar"</a:t>
-            </a:r>
-          </a:p>
-          <a:p>
-            <a:pPr marL="342900" lvl="0" indent="-342900">
-              <a:buFont typeface="+mj-lt"/>
-              <a:buAutoNum type="arabicPeriod"/>
-            </a:pPr>
-            <a:r>
-              <a:rPr lang="es-ES" dirty="0" smtClean="0"/>
-              <a:t>El ahorrista ingresa la cantidad a retirar </a:t>
-            </a:r>
-          </a:p>
-          <a:p>
-            <a:pPr marL="342900" lvl="0" indent="-342900">
-              <a:buFont typeface="+mj-lt"/>
-              <a:buAutoNum type="arabicPeriod"/>
-            </a:pPr>
-            <a:r>
-              <a:rPr lang="es-ES" dirty="0" smtClean="0"/>
-              <a:t>El cajero entrega el dinero y la boleta,</a:t>
-            </a:r>
-          </a:p>
-          <a:p>
-            <a:pPr marL="342900" lvl="0" indent="-342900">
-              <a:buFont typeface="+mj-lt"/>
-              <a:buAutoNum type="arabicPeriod"/>
-            </a:pPr>
-            <a:r>
-              <a:rPr lang="es-ES" dirty="0" smtClean="0"/>
-              <a:t>El cajero responde "retire su dinero y boleta, hasta luego"</a:t>
-            </a:r>
-            <a:endParaRPr lang="es-ES" dirty="0"/>
+              <a:rPr lang="es-PE" dirty="0" smtClean="0"/>
+              <a:t>El total de una orden de compra es la suma de sus líneas – </a:t>
+            </a:r>
+            <a:r>
+              <a:rPr lang="es-PE" sz="2400" b="1" dirty="0" smtClean="0">
+                <a:solidFill>
+                  <a:srgbClr val="FF0000"/>
+                </a:solidFill>
+              </a:rPr>
+              <a:t>X</a:t>
+            </a:r>
+          </a:p>
+          <a:p>
+            <a:r>
+              <a:rPr lang="es-PE" dirty="0" smtClean="0"/>
+              <a:t>Tener en cuenta todos los propósitos del contenido, </a:t>
+            </a:r>
+          </a:p>
+          <a:p>
+            <a:pPr lvl="1"/>
+            <a:r>
+              <a:rPr lang="es-PE" dirty="0" smtClean="0"/>
+              <a:t>Los usuarios que van a leer </a:t>
+            </a:r>
+            <a:endParaRPr lang="es-PE" dirty="0" smtClean="0"/>
+          </a:p>
+          <a:p>
+            <a:pPr lvl="1"/>
+            <a:r>
+              <a:rPr lang="es-PE" dirty="0" smtClean="0"/>
+              <a:t>el uso </a:t>
+            </a:r>
+            <a:r>
+              <a:rPr lang="es-PE" dirty="0" smtClean="0"/>
+              <a:t>inmediato del contenido</a:t>
+            </a:r>
+            <a:endParaRPr lang="es-PE" dirty="0" smtClean="0"/>
+          </a:p>
+          <a:p>
+            <a:pPr lvl="1"/>
+            <a:r>
+              <a:rPr lang="es-PE" dirty="0" smtClean="0"/>
+              <a:t>La forma del mensaje (positivo / negativo?, que es / como es</a:t>
+            </a:r>
+            <a:r>
+              <a:rPr lang="es-PE" dirty="0" smtClean="0"/>
+              <a:t>?, directo /indirecto?)</a:t>
+            </a:r>
+          </a:p>
+          <a:p>
+            <a:pPr lvl="1"/>
+            <a:endParaRPr lang="es-PE" dirty="0" smtClean="0"/>
+          </a:p>
+          <a:p>
+            <a:endParaRPr lang="es-PE" dirty="0" smtClean="0"/>
+          </a:p>
+          <a:p>
+            <a:endParaRPr lang="es-PE" dirty="0" smtClean="0"/>
+          </a:p>
+          <a:p>
+            <a:endParaRPr lang="es-PE" dirty="0" smtClean="0"/>
+          </a:p>
+          <a:p>
+            <a:pPr lvl="1"/>
+            <a:endParaRPr lang="es-PE" dirty="0" smtClean="0"/>
+          </a:p>
+          <a:p>
+            <a:pPr lvl="1"/>
+            <a:endParaRPr lang="es-PE" dirty="0" smtClean="0"/>
+          </a:p>
+          <a:p>
+            <a:pPr lvl="2"/>
+            <a:endParaRPr lang="es-PE" dirty="0" smtClean="0"/>
+          </a:p>
+          <a:p>
+            <a:pPr lvl="1"/>
+            <a:endParaRPr lang="es-PE" dirty="0" smtClean="0"/>
+          </a:p>
+          <a:p>
+            <a:endParaRPr lang="es-PE" dirty="0"/>
           </a:p>
         </p:txBody>
       </p:sp>
@@ -8981,11 +9592,7 @@
             <a:pPr lvl="0"/>
             <a:r>
               <a:rPr lang="es-PE" dirty="0" smtClean="0"/>
-              <a:t>Fácil de </a:t>
-            </a:r>
-            <a:r>
-              <a:rPr lang="es-PE" dirty="0" smtClean="0"/>
-              <a:t>Modificar:</a:t>
+              <a:t>Fácil de Modificar:</a:t>
             </a:r>
             <a:endParaRPr lang="es-ES" dirty="0" smtClean="0"/>
           </a:p>
@@ -9050,8 +9657,16 @@
           <a:p>
             <a:r>
               <a:rPr lang="es-PE" dirty="0" smtClean="0"/>
-              <a:t>Comunicación a los Interesados</a:t>
-            </a:r>
+              <a:t>Comunicación a los </a:t>
+            </a:r>
+            <a:r>
+              <a:rPr lang="es-PE" dirty="0" smtClean="0"/>
+              <a:t>Interesados</a:t>
+            </a:r>
+          </a:p>
+          <a:p>
+            <a:pPr lvl="1"/>
+            <a:endParaRPr lang="es-PE" dirty="0" smtClean="0"/>
           </a:p>
           <a:p>
             <a:pPr lvl="1"/>
@@ -9124,11 +9739,7 @@
             <a:pPr lvl="0"/>
             <a:r>
               <a:rPr lang="es-PE" dirty="0" smtClean="0"/>
-              <a:t>Fácil de </a:t>
-            </a:r>
-            <a:r>
-              <a:rPr lang="es-PE" dirty="0" smtClean="0"/>
-              <a:t>Modificar - ejemplo:</a:t>
+              <a:t>Fácil de Modificar - ejemplo:</a:t>
             </a:r>
             <a:endParaRPr lang="es-ES" dirty="0" smtClean="0"/>
           </a:p>
@@ -9150,12 +9761,6 @@
             <a:normAutofit/>
           </a:bodyPr>
           <a:lstStyle/>
-          <a:p>
-            <a:r>
-              <a:rPr lang="es-PE" dirty="0" smtClean="0"/>
-              <a:t>Documento fácil de registrar y fácil  de leer</a:t>
-            </a:r>
-          </a:p>
           <a:p>
             <a:pPr lvl="1"/>
             <a:endParaRPr lang="es-PE" dirty="0" smtClean="0"/>
@@ -9172,6 +9777,345 @@
           </a:p>
         </p:txBody>
       </p:sp>
+      <p:sp>
+        <p:nvSpPr>
+          <p:cNvPr id="1026" name="AutoShape 2"/>
+          <p:cNvSpPr>
+            <a:spLocks noChangeArrowheads="1"/>
+          </p:cNvSpPr>
+          <p:nvPr/>
+        </p:nvSpPr>
+        <p:spPr bwMode="auto">
+          <a:xfrm>
+            <a:off x="2090196" y="1743492"/>
+            <a:ext cx="4343400" cy="1423988"/>
+          </a:xfrm>
+          <a:prstGeom prst="roundRect">
+            <a:avLst>
+              <a:gd name="adj" fmla="val 16667"/>
+            </a:avLst>
+          </a:prstGeom>
+          <a:solidFill>
+            <a:srgbClr val="FFFFFF"/>
+          </a:solidFill>
+          <a:ln w="28575">
+            <a:solidFill>
+              <a:srgbClr val="000000"/>
+            </a:solidFill>
+            <a:round/>
+            <a:headEnd/>
+            <a:tailEnd/>
+          </a:ln>
+          <a:effectLst/>
+        </p:spPr>
+        <p:txBody>
+          <a:bodyPr vert="horz" wrap="square" lIns="91440" tIns="45720" rIns="91440" bIns="45720" numCol="1" anchor="t" anchorCtr="0" compatLnSpc="1">
+            <a:prstTxWarp prst="textNoShape">
+              <a:avLst/>
+            </a:prstTxWarp>
+          </a:bodyPr>
+          <a:lstStyle/>
+          <a:p>
+            <a:pPr marL="0" marR="0" lvl="0" indent="0" algn="ctr" defTabSz="914400" rtl="0" eaLnBrk="1" fontAlgn="base" latinLnBrk="0" hangingPunct="1">
+              <a:lnSpc>
+                <a:spcPct val="100000"/>
+              </a:lnSpc>
+              <a:spcBef>
+                <a:spcPct val="0"/>
+              </a:spcBef>
+              <a:spcAft>
+                <a:spcPts val="1000"/>
+              </a:spcAft>
+              <a:buClrTx/>
+              <a:buSzTx/>
+              <a:buFontTx/>
+              <a:buNone/>
+              <a:tabLst/>
+            </a:pPr>
+            <a:r>
+              <a:rPr kumimoji="0" lang="es-ES_tradnl" sz="1600" b="1" i="0" u="none" strike="noStrike" cap="none" normalizeH="0" baseline="0" dirty="0" smtClean="0">
+                <a:ln>
+                  <a:noFill/>
+                </a:ln>
+                <a:solidFill>
+                  <a:schemeClr val="tx1"/>
+                </a:solidFill>
+                <a:effectLst/>
+                <a:latin typeface="Arial Narrow" pitchFamily="34" charset="0"/>
+                <a:cs typeface="Arial" pitchFamily="34" charset="0"/>
+              </a:rPr>
+              <a:t>Sistema: 32 - SICOBF</a:t>
+            </a:r>
+          </a:p>
+          <a:p>
+            <a:pPr marL="0" marR="0" lvl="0" indent="0" algn="ctr" defTabSz="914400" rtl="0" eaLnBrk="1" fontAlgn="base" latinLnBrk="0" hangingPunct="1">
+              <a:lnSpc>
+                <a:spcPct val="100000"/>
+              </a:lnSpc>
+              <a:spcBef>
+                <a:spcPct val="0"/>
+              </a:spcBef>
+              <a:spcAft>
+                <a:spcPts val="1000"/>
+              </a:spcAft>
+              <a:buClrTx/>
+              <a:buSzTx/>
+              <a:buFontTx/>
+              <a:buNone/>
+              <a:tabLst/>
+            </a:pPr>
+            <a:r>
+              <a:rPr kumimoji="0" lang="es-ES_tradnl" sz="1600" b="1" i="0" u="none" strike="noStrike" cap="none" normalizeH="0" baseline="0" dirty="0" smtClean="0">
+                <a:ln>
+                  <a:noFill/>
+                </a:ln>
+                <a:solidFill>
+                  <a:schemeClr val="tx1"/>
+                </a:solidFill>
+                <a:effectLst/>
+                <a:latin typeface="Arial Narrow" pitchFamily="34" charset="0"/>
+                <a:cs typeface="Arial" pitchFamily="34" charset="0"/>
+              </a:rPr>
+              <a:t>Subsistema: 3201 - REGISTRO DE LA SOLICITUD</a:t>
+            </a:r>
+          </a:p>
+          <a:p>
+            <a:pPr marL="457200" marR="0" lvl="1" indent="0" algn="ctr" defTabSz="914400" rtl="0" eaLnBrk="1" fontAlgn="base" latinLnBrk="0" hangingPunct="1">
+              <a:lnSpc>
+                <a:spcPct val="100000"/>
+              </a:lnSpc>
+              <a:spcBef>
+                <a:spcPct val="0"/>
+              </a:spcBef>
+              <a:spcAft>
+                <a:spcPts val="1000"/>
+              </a:spcAft>
+              <a:buClrTx/>
+              <a:buSzTx/>
+              <a:buFontTx/>
+              <a:buNone/>
+              <a:tabLst/>
+            </a:pPr>
+            <a:r>
+              <a:rPr kumimoji="0" lang="es-ES_tradnl" sz="1600" b="1" i="0" u="none" strike="noStrike" cap="none" normalizeH="0" baseline="0" dirty="0" smtClean="0">
+                <a:ln>
+                  <a:noFill/>
+                </a:ln>
+                <a:solidFill>
+                  <a:schemeClr val="tx1"/>
+                </a:solidFill>
+                <a:effectLst/>
+                <a:latin typeface="Arial Narrow" pitchFamily="34" charset="0"/>
+                <a:cs typeface="Arial" pitchFamily="34" charset="0"/>
+              </a:rPr>
+              <a:t>  </a:t>
+            </a:r>
+            <a:r>
+              <a:rPr kumimoji="0" lang="es-ES" sz="1600" b="1" i="0" u="none" strike="noStrike" cap="none" normalizeH="0" baseline="0" dirty="0" smtClean="0">
+                <a:ln>
+                  <a:noFill/>
+                </a:ln>
+                <a:solidFill>
+                  <a:schemeClr val="tx1"/>
+                </a:solidFill>
+                <a:effectLst/>
+                <a:latin typeface="Arial Narrow" pitchFamily="34" charset="0"/>
+                <a:cs typeface="Arial" pitchFamily="34" charset="0"/>
+              </a:rPr>
+              <a:t>Módulo: 320114 – RENOVACIÓN DE LA INSCRIPCIÓN</a:t>
+            </a:r>
+            <a:endParaRPr kumimoji="0" lang="es-ES_tradnl" sz="1400" b="0" i="0" u="none" strike="noStrike" cap="none" normalizeH="0" baseline="0" dirty="0" smtClean="0">
+              <a:ln>
+                <a:noFill/>
+              </a:ln>
+              <a:solidFill>
+                <a:schemeClr val="tx1"/>
+              </a:solidFill>
+              <a:effectLst/>
+              <a:latin typeface="Times New Roman" pitchFamily="18" charset="0"/>
+              <a:cs typeface="Arial" pitchFamily="34" charset="0"/>
+            </a:endParaRPr>
+          </a:p>
+          <a:p>
+            <a:pPr marL="0" marR="0" lvl="0" indent="0" algn="l" defTabSz="914400" rtl="0" eaLnBrk="1" fontAlgn="base" latinLnBrk="0" hangingPunct="1">
+              <a:lnSpc>
+                <a:spcPct val="100000"/>
+              </a:lnSpc>
+              <a:spcBef>
+                <a:spcPct val="0"/>
+              </a:spcBef>
+              <a:spcAft>
+                <a:spcPct val="0"/>
+              </a:spcAft>
+              <a:buClrTx/>
+              <a:buSzTx/>
+              <a:buFontTx/>
+              <a:buNone/>
+              <a:tabLst/>
+            </a:pPr>
+            <a:endParaRPr kumimoji="0" lang="es-ES" sz="1800" b="0" i="0" u="none" strike="noStrike" cap="none" normalizeH="0" baseline="0" dirty="0" smtClean="0">
+              <a:ln>
+                <a:noFill/>
+              </a:ln>
+              <a:solidFill>
+                <a:schemeClr val="tx1"/>
+              </a:solidFill>
+              <a:effectLst/>
+              <a:latin typeface="Arial" pitchFamily="34" charset="0"/>
+              <a:cs typeface="Arial" pitchFamily="34" charset="0"/>
+            </a:endParaRPr>
+          </a:p>
+        </p:txBody>
+      </p:sp>
+      <p:sp>
+        <p:nvSpPr>
+          <p:cNvPr id="1027" name="Rectangle 3"/>
+          <p:cNvSpPr>
+            <a:spLocks noChangeArrowheads="1"/>
+          </p:cNvSpPr>
+          <p:nvPr/>
+        </p:nvSpPr>
+        <p:spPr bwMode="auto">
+          <a:xfrm>
+            <a:off x="2683021" y="3226803"/>
+            <a:ext cx="2615908" cy="338554"/>
+          </a:xfrm>
+          <a:prstGeom prst="rect">
+            <a:avLst/>
+          </a:prstGeom>
+          <a:noFill/>
+          <a:ln w="9525">
+            <a:noFill/>
+            <a:miter lim="800000"/>
+            <a:headEnd/>
+            <a:tailEnd/>
+          </a:ln>
+          <a:effectLst/>
+        </p:spPr>
+        <p:txBody>
+          <a:bodyPr vert="horz" wrap="none" lIns="91440" tIns="45720" rIns="91440" bIns="45720" numCol="1" anchor="ctr" anchorCtr="0" compatLnSpc="1">
+            <a:prstTxWarp prst="textNoShape">
+              <a:avLst/>
+            </a:prstTxWarp>
+            <a:spAutoFit/>
+          </a:bodyPr>
+          <a:lstStyle/>
+          <a:p>
+            <a:pPr marL="0" marR="0" lvl="0" indent="0" algn="ctr" defTabSz="914400" rtl="0" eaLnBrk="1" fontAlgn="base" latinLnBrk="0" hangingPunct="1">
+              <a:lnSpc>
+                <a:spcPct val="100000"/>
+              </a:lnSpc>
+              <a:spcBef>
+                <a:spcPct val="0"/>
+              </a:spcBef>
+              <a:spcAft>
+                <a:spcPct val="0"/>
+              </a:spcAft>
+              <a:buClrTx/>
+              <a:buSzTx/>
+              <a:buFontTx/>
+              <a:buNone/>
+              <a:tabLst/>
+            </a:pPr>
+            <a:r>
+              <a:rPr kumimoji="0" lang="es-ES" sz="1600" b="1" i="0" u="none" strike="noStrike" cap="none" normalizeH="0" baseline="0" dirty="0" smtClean="0">
+                <a:ln>
+                  <a:noFill/>
+                </a:ln>
+                <a:effectLst/>
+                <a:latin typeface="Arial Narrow" pitchFamily="34" charset="0"/>
+                <a:ea typeface="Times New Roman" pitchFamily="18" charset="0"/>
+                <a:cs typeface="Arial" pitchFamily="34" charset="0"/>
+              </a:rPr>
+              <a:t>Informe de Definición </a:t>
+            </a:r>
+            <a:r>
+              <a:rPr kumimoji="0" lang="es-ES" sz="1200" b="1" i="0" u="none" strike="noStrike" cap="none" normalizeH="0" baseline="0" dirty="0" smtClean="0">
+                <a:ln>
+                  <a:noFill/>
+                </a:ln>
+                <a:effectLst/>
+                <a:latin typeface="Arial Narrow" pitchFamily="34" charset="0"/>
+                <a:ea typeface="Times New Roman" pitchFamily="18" charset="0"/>
+                <a:cs typeface="Arial" pitchFamily="34" charset="0"/>
+              </a:rPr>
+              <a:t>Versión 0.5</a:t>
+            </a:r>
+            <a:endParaRPr kumimoji="0" lang="es-ES" sz="1800" b="0" i="0" u="none" strike="noStrike" cap="none" normalizeH="0" baseline="0" dirty="0" smtClean="0">
+              <a:ln>
+                <a:noFill/>
+              </a:ln>
+              <a:effectLst/>
+              <a:latin typeface="Arial" pitchFamily="34" charset="0"/>
+              <a:cs typeface="Arial" pitchFamily="34" charset="0"/>
+            </a:endParaRPr>
+          </a:p>
+        </p:txBody>
+      </p:sp>
+      <p:pic>
+        <p:nvPicPr>
+          <p:cNvPr id="1028" name="Picture 4"/>
+          <p:cNvPicPr>
+            <a:picLocks noChangeAspect="1" noChangeArrowheads="1"/>
+          </p:cNvPicPr>
+          <p:nvPr/>
+        </p:nvPicPr>
+        <p:blipFill>
+          <a:blip r:embed="rId3"/>
+          <a:srcRect/>
+          <a:stretch>
+            <a:fillRect/>
+          </a:stretch>
+        </p:blipFill>
+        <p:spPr bwMode="auto">
+          <a:xfrm>
+            <a:off x="1521072" y="3593932"/>
+            <a:ext cx="5238750" cy="1724025"/>
+          </a:xfrm>
+          <a:prstGeom prst="rect">
+            <a:avLst/>
+          </a:prstGeom>
+          <a:noFill/>
+          <a:ln w="9525">
+            <a:noFill/>
+            <a:miter lim="800000"/>
+            <a:headEnd/>
+            <a:tailEnd/>
+          </a:ln>
+        </p:spPr>
+      </p:pic>
+      <p:pic>
+        <p:nvPicPr>
+          <p:cNvPr id="1029" name="Picture 5"/>
+          <p:cNvPicPr>
+            <a:picLocks noChangeAspect="1" noChangeArrowheads="1"/>
+          </p:cNvPicPr>
+          <p:nvPr/>
+        </p:nvPicPr>
+        <p:blipFill>
+          <a:blip r:embed="rId4"/>
+          <a:srcRect/>
+          <a:stretch>
+            <a:fillRect/>
+          </a:stretch>
+        </p:blipFill>
+        <p:spPr bwMode="auto">
+          <a:xfrm>
+            <a:off x="968622" y="1366226"/>
+            <a:ext cx="5591175" cy="257175"/>
+          </a:xfrm>
+          <a:prstGeom prst="rect">
+            <a:avLst/>
+          </a:prstGeom>
+          <a:noFill/>
+          <a:ln w="9525">
+            <a:noFill/>
+            <a:miter lim="800000"/>
+            <a:headEnd/>
+            <a:tailEnd/>
+          </a:ln>
+        </p:spPr>
+      </p:pic>
     </p:spTree>
     <p:extLst>
       <p:ext uri="{BB962C8B-B14F-4D97-AF65-F5344CB8AC3E}">
